--- a/Advenshare Final ppt.pptx
+++ b/Advenshare Final ppt.pptx
@@ -5,7 +5,7 @@
     <p:sldMasterId id="2147483720" r:id="rId1"/>
   </p:sldMasterIdLst>
   <p:notesMasterIdLst>
-    <p:notesMasterId r:id="rId24"/>
+    <p:notesMasterId r:id="rId32"/>
   </p:notesMasterIdLst>
   <p:sldIdLst>
     <p:sldId id="256" r:id="rId2"/>
@@ -27,9 +27,17 @@
     <p:sldId id="265" r:id="rId18"/>
     <p:sldId id="263" r:id="rId19"/>
     <p:sldId id="276" r:id="rId20"/>
-    <p:sldId id="264" r:id="rId21"/>
-    <p:sldId id="266" r:id="rId22"/>
-    <p:sldId id="283" r:id="rId23"/>
+    <p:sldId id="286" r:id="rId21"/>
+    <p:sldId id="287" r:id="rId22"/>
+    <p:sldId id="288" r:id="rId23"/>
+    <p:sldId id="289" r:id="rId24"/>
+    <p:sldId id="290" r:id="rId25"/>
+    <p:sldId id="291" r:id="rId26"/>
+    <p:sldId id="292" r:id="rId27"/>
+    <p:sldId id="293" r:id="rId28"/>
+    <p:sldId id="264" r:id="rId29"/>
+    <p:sldId id="266" r:id="rId30"/>
+    <p:sldId id="283" r:id="rId31"/>
   </p:sldIdLst>
   <p:sldSz cx="12192000" cy="6858000"/>
   <p:notesSz cx="6858000" cy="9144000"/>
@@ -152,6 +160,14 @@
             <p14:sldId id="265"/>
             <p14:sldId id="263"/>
             <p14:sldId id="276"/>
+            <p14:sldId id="286"/>
+            <p14:sldId id="287"/>
+            <p14:sldId id="288"/>
+            <p14:sldId id="289"/>
+            <p14:sldId id="290"/>
+            <p14:sldId id="291"/>
+            <p14:sldId id="292"/>
+            <p14:sldId id="293"/>
             <p14:sldId id="264"/>
             <p14:sldId id="266"/>
             <p14:sldId id="283"/>
@@ -159,8 +175,1217 @@
         </p14:section>
       </p14:sectionLst>
     </p:ext>
+    <p:ext uri="{EFAFB233-063F-42B5-8137-9DF3F51BA10A}">
+      <p15:sldGuideLst xmlns:p15="http://schemas.microsoft.com/office/powerpoint/2012/main"/>
+    </p:ext>
   </p:extLst>
 </p:presentation>
+</file>
+
+<file path=ppt/charts/chart1.xml><?xml version="1.0" encoding="utf-8"?>
+<c:chartSpace xmlns:c="http://schemas.openxmlformats.org/drawingml/2006/chart" xmlns:a="http://schemas.openxmlformats.org/drawingml/2006/main" xmlns:r="http://schemas.openxmlformats.org/officeDocument/2006/relationships" xmlns:c16r2="http://schemas.microsoft.com/office/drawing/2015/06/chart">
+  <c:date1904 val="0"/>
+  <c:lang val="en-US"/>
+  <c:roundedCorners val="0"/>
+  <mc:AlternateContent xmlns:mc="http://schemas.openxmlformats.org/markup-compatibility/2006">
+    <mc:Choice xmlns:c14="http://schemas.microsoft.com/office/drawing/2007/8/2/chart" Requires="c14">
+      <c14:style val="102"/>
+    </mc:Choice>
+    <mc:Fallback>
+      <c:style val="2"/>
+    </mc:Fallback>
+  </mc:AlternateContent>
+  <c:chart>
+    <c:title>
+      <c:tx>
+        <c:rich>
+          <a:bodyPr rot="0" spcFirstLastPara="1" vertOverflow="ellipsis" vert="horz" wrap="square" anchor="ctr" anchorCtr="1"/>
+          <a:lstStyle/>
+          <a:p>
+            <a:pPr>
+              <a:defRPr sz="2128" b="1" i="0" u="none" strike="noStrike" kern="1200" spc="100" baseline="0">
+                <a:solidFill>
+                  <a:schemeClr val="lt1">
+                    <a:lumMod val="95000"/>
+                  </a:schemeClr>
+                </a:solidFill>
+                <a:effectLst>
+                  <a:outerShdw blurRad="50800" dist="38100" dir="5400000" algn="t" rotWithShape="0">
+                    <a:prstClr val="black">
+                      <a:alpha val="40000"/>
+                    </a:prstClr>
+                  </a:outerShdw>
+                </a:effectLst>
+                <a:latin typeface="+mn-lt"/>
+                <a:ea typeface="+mn-ea"/>
+                <a:cs typeface="+mn-cs"/>
+              </a:defRPr>
+            </a:pPr>
+            <a:r>
+              <a:rPr lang="en-US" dirty="0"/>
+              <a:t>Wolfpack</a:t>
+            </a:r>
+            <a:r>
+              <a:rPr lang="en-US" baseline="0" dirty="0"/>
+              <a:t> </a:t>
+            </a:r>
+            <a:r>
+              <a:rPr lang="en-US" dirty="0"/>
+              <a:t>Work Ratio </a:t>
+            </a:r>
+          </a:p>
+        </c:rich>
+      </c:tx>
+      <c:overlay val="0"/>
+      <c:spPr>
+        <a:noFill/>
+        <a:ln>
+          <a:noFill/>
+        </a:ln>
+        <a:effectLst/>
+      </c:spPr>
+      <c:txPr>
+        <a:bodyPr rot="0" spcFirstLastPara="1" vertOverflow="ellipsis" vert="horz" wrap="square" anchor="ctr" anchorCtr="1"/>
+        <a:lstStyle/>
+        <a:p>
+          <a:pPr>
+            <a:defRPr sz="2128" b="1" i="0" u="none" strike="noStrike" kern="1200" spc="100" baseline="0">
+              <a:solidFill>
+                <a:schemeClr val="lt1">
+                  <a:lumMod val="95000"/>
+                </a:schemeClr>
+              </a:solidFill>
+              <a:effectLst>
+                <a:outerShdw blurRad="50800" dist="38100" dir="5400000" algn="t" rotWithShape="0">
+                  <a:prstClr val="black">
+                    <a:alpha val="40000"/>
+                  </a:prstClr>
+                </a:outerShdw>
+              </a:effectLst>
+              <a:latin typeface="+mn-lt"/>
+              <a:ea typeface="+mn-ea"/>
+              <a:cs typeface="+mn-cs"/>
+            </a:defRPr>
+          </a:pPr>
+          <a:endParaRPr lang="en-US"/>
+        </a:p>
+      </c:txPr>
+    </c:title>
+    <c:autoTitleDeleted val="0"/>
+    <c:plotArea>
+      <c:layout/>
+      <c:pieChart>
+        <c:varyColors val="1"/>
+        <c:ser>
+          <c:idx val="0"/>
+          <c:order val="0"/>
+          <c:tx>
+            <c:strRef>
+              <c:f>Sheet1!$B$1</c:f>
+              <c:strCache>
+                <c:ptCount val="1"/>
+                <c:pt idx="0">
+                  <c:v>Work Ratio</c:v>
+                </c:pt>
+              </c:strCache>
+            </c:strRef>
+          </c:tx>
+          <c:dPt>
+            <c:idx val="0"/>
+            <c:bubble3D val="0"/>
+            <c:spPr>
+              <a:gradFill rotWithShape="1">
+                <a:gsLst>
+                  <a:gs pos="0">
+                    <a:schemeClr val="accent1">
+                      <a:satMod val="103000"/>
+                      <a:lumMod val="102000"/>
+                      <a:tint val="94000"/>
+                    </a:schemeClr>
+                  </a:gs>
+                  <a:gs pos="50000">
+                    <a:schemeClr val="accent1">
+                      <a:satMod val="110000"/>
+                      <a:lumMod val="100000"/>
+                      <a:shade val="100000"/>
+                    </a:schemeClr>
+                  </a:gs>
+                  <a:gs pos="100000">
+                    <a:schemeClr val="accent1">
+                      <a:lumMod val="99000"/>
+                      <a:satMod val="120000"/>
+                      <a:shade val="78000"/>
+                    </a:schemeClr>
+                  </a:gs>
+                </a:gsLst>
+                <a:lin ang="5400000" scaled="0"/>
+              </a:gradFill>
+              <a:ln>
+                <a:noFill/>
+              </a:ln>
+              <a:effectLst>
+                <a:outerShdw blurRad="57150" dist="19050" dir="5400000" algn="ctr" rotWithShape="0">
+                  <a:srgbClr val="000000">
+                    <a:alpha val="63000"/>
+                  </a:srgbClr>
+                </a:outerShdw>
+              </a:effectLst>
+              <a:scene3d>
+                <a:camera prst="orthographicFront">
+                  <a:rot lat="0" lon="0" rev="0"/>
+                </a:camera>
+                <a:lightRig rig="threePt" dir="tl"/>
+              </a:scene3d>
+              <a:sp3d>
+                <a:bevelT w="0" h="0"/>
+              </a:sp3d>
+            </c:spPr>
+            <c:extLst>
+              <c:ext xmlns:c16="http://schemas.microsoft.com/office/drawing/2014/chart" uri="{C3380CC4-5D6E-409C-BE32-E72D297353CC}">
+                <c16:uniqueId val="{00000001-8F99-4FDF-B37C-02869EA5843F}"/>
+              </c:ext>
+            </c:extLst>
+          </c:dPt>
+          <c:dPt>
+            <c:idx val="1"/>
+            <c:bubble3D val="0"/>
+            <c:spPr>
+              <a:gradFill rotWithShape="1">
+                <a:gsLst>
+                  <a:gs pos="0">
+                    <a:schemeClr val="accent2">
+                      <a:satMod val="103000"/>
+                      <a:lumMod val="102000"/>
+                      <a:tint val="94000"/>
+                    </a:schemeClr>
+                  </a:gs>
+                  <a:gs pos="50000">
+                    <a:schemeClr val="accent2">
+                      <a:satMod val="110000"/>
+                      <a:lumMod val="100000"/>
+                      <a:shade val="100000"/>
+                    </a:schemeClr>
+                  </a:gs>
+                  <a:gs pos="100000">
+                    <a:schemeClr val="accent2">
+                      <a:lumMod val="99000"/>
+                      <a:satMod val="120000"/>
+                      <a:shade val="78000"/>
+                    </a:schemeClr>
+                  </a:gs>
+                </a:gsLst>
+                <a:lin ang="5400000" scaled="0"/>
+              </a:gradFill>
+              <a:ln>
+                <a:noFill/>
+              </a:ln>
+              <a:effectLst>
+                <a:outerShdw blurRad="57150" dist="19050" dir="5400000" algn="ctr" rotWithShape="0">
+                  <a:srgbClr val="000000">
+                    <a:alpha val="63000"/>
+                  </a:srgbClr>
+                </a:outerShdw>
+              </a:effectLst>
+              <a:scene3d>
+                <a:camera prst="orthographicFront">
+                  <a:rot lat="0" lon="0" rev="0"/>
+                </a:camera>
+                <a:lightRig rig="threePt" dir="tl"/>
+              </a:scene3d>
+              <a:sp3d>
+                <a:bevelT w="0" h="0"/>
+              </a:sp3d>
+            </c:spPr>
+            <c:extLst>
+              <c:ext xmlns:c16="http://schemas.microsoft.com/office/drawing/2014/chart" uri="{C3380CC4-5D6E-409C-BE32-E72D297353CC}">
+                <c16:uniqueId val="{00000003-8F99-4FDF-B37C-02869EA5843F}"/>
+              </c:ext>
+            </c:extLst>
+          </c:dPt>
+          <c:dPt>
+            <c:idx val="2"/>
+            <c:bubble3D val="0"/>
+            <c:spPr>
+              <a:gradFill rotWithShape="1">
+                <a:gsLst>
+                  <a:gs pos="0">
+                    <a:schemeClr val="accent3">
+                      <a:satMod val="103000"/>
+                      <a:lumMod val="102000"/>
+                      <a:tint val="94000"/>
+                    </a:schemeClr>
+                  </a:gs>
+                  <a:gs pos="50000">
+                    <a:schemeClr val="accent3">
+                      <a:satMod val="110000"/>
+                      <a:lumMod val="100000"/>
+                      <a:shade val="100000"/>
+                    </a:schemeClr>
+                  </a:gs>
+                  <a:gs pos="100000">
+                    <a:schemeClr val="accent3">
+                      <a:lumMod val="99000"/>
+                      <a:satMod val="120000"/>
+                      <a:shade val="78000"/>
+                    </a:schemeClr>
+                  </a:gs>
+                </a:gsLst>
+                <a:lin ang="5400000" scaled="0"/>
+              </a:gradFill>
+              <a:ln>
+                <a:noFill/>
+              </a:ln>
+              <a:effectLst>
+                <a:outerShdw blurRad="57150" dist="19050" dir="5400000" algn="ctr" rotWithShape="0">
+                  <a:srgbClr val="000000">
+                    <a:alpha val="63000"/>
+                  </a:srgbClr>
+                </a:outerShdw>
+              </a:effectLst>
+              <a:scene3d>
+                <a:camera prst="orthographicFront">
+                  <a:rot lat="0" lon="0" rev="0"/>
+                </a:camera>
+                <a:lightRig rig="threePt" dir="tl"/>
+              </a:scene3d>
+              <a:sp3d>
+                <a:bevelT w="0" h="0"/>
+              </a:sp3d>
+            </c:spPr>
+            <c:extLst>
+              <c:ext xmlns:c16="http://schemas.microsoft.com/office/drawing/2014/chart" uri="{C3380CC4-5D6E-409C-BE32-E72D297353CC}">
+                <c16:uniqueId val="{00000005-8F99-4FDF-B37C-02869EA5843F}"/>
+              </c:ext>
+            </c:extLst>
+          </c:dPt>
+          <c:dPt>
+            <c:idx val="3"/>
+            <c:bubble3D val="0"/>
+            <c:spPr>
+              <a:gradFill rotWithShape="1">
+                <a:gsLst>
+                  <a:gs pos="0">
+                    <a:schemeClr val="accent4">
+                      <a:satMod val="103000"/>
+                      <a:lumMod val="102000"/>
+                      <a:tint val="94000"/>
+                    </a:schemeClr>
+                  </a:gs>
+                  <a:gs pos="50000">
+                    <a:schemeClr val="accent4">
+                      <a:satMod val="110000"/>
+                      <a:lumMod val="100000"/>
+                      <a:shade val="100000"/>
+                    </a:schemeClr>
+                  </a:gs>
+                  <a:gs pos="100000">
+                    <a:schemeClr val="accent4">
+                      <a:lumMod val="99000"/>
+                      <a:satMod val="120000"/>
+                      <a:shade val="78000"/>
+                    </a:schemeClr>
+                  </a:gs>
+                </a:gsLst>
+                <a:lin ang="5400000" scaled="0"/>
+              </a:gradFill>
+              <a:ln>
+                <a:noFill/>
+              </a:ln>
+              <a:effectLst>
+                <a:outerShdw blurRad="57150" dist="19050" dir="5400000" algn="ctr" rotWithShape="0">
+                  <a:srgbClr val="000000">
+                    <a:alpha val="63000"/>
+                  </a:srgbClr>
+                </a:outerShdw>
+              </a:effectLst>
+              <a:scene3d>
+                <a:camera prst="orthographicFront">
+                  <a:rot lat="0" lon="0" rev="0"/>
+                </a:camera>
+                <a:lightRig rig="threePt" dir="tl"/>
+              </a:scene3d>
+              <a:sp3d>
+                <a:bevelT w="0" h="0"/>
+              </a:sp3d>
+            </c:spPr>
+            <c:extLst>
+              <c:ext xmlns:c16="http://schemas.microsoft.com/office/drawing/2014/chart" uri="{C3380CC4-5D6E-409C-BE32-E72D297353CC}">
+                <c16:uniqueId val="{00000007-8F99-4FDF-B37C-02869EA5843F}"/>
+              </c:ext>
+            </c:extLst>
+          </c:dPt>
+          <c:dPt>
+            <c:idx val="4"/>
+            <c:bubble3D val="0"/>
+            <c:spPr>
+              <a:gradFill rotWithShape="1">
+                <a:gsLst>
+                  <a:gs pos="0">
+                    <a:schemeClr val="accent5">
+                      <a:satMod val="103000"/>
+                      <a:lumMod val="102000"/>
+                      <a:tint val="94000"/>
+                    </a:schemeClr>
+                  </a:gs>
+                  <a:gs pos="50000">
+                    <a:schemeClr val="accent5">
+                      <a:satMod val="110000"/>
+                      <a:lumMod val="100000"/>
+                      <a:shade val="100000"/>
+                    </a:schemeClr>
+                  </a:gs>
+                  <a:gs pos="100000">
+                    <a:schemeClr val="accent5">
+                      <a:lumMod val="99000"/>
+                      <a:satMod val="120000"/>
+                      <a:shade val="78000"/>
+                    </a:schemeClr>
+                  </a:gs>
+                </a:gsLst>
+                <a:lin ang="5400000" scaled="0"/>
+              </a:gradFill>
+              <a:ln>
+                <a:noFill/>
+              </a:ln>
+              <a:effectLst>
+                <a:outerShdw blurRad="57150" dist="19050" dir="5400000" algn="ctr" rotWithShape="0">
+                  <a:srgbClr val="000000">
+                    <a:alpha val="63000"/>
+                  </a:srgbClr>
+                </a:outerShdw>
+              </a:effectLst>
+              <a:scene3d>
+                <a:camera prst="orthographicFront">
+                  <a:rot lat="0" lon="0" rev="0"/>
+                </a:camera>
+                <a:lightRig rig="threePt" dir="tl"/>
+              </a:scene3d>
+              <a:sp3d>
+                <a:bevelT w="0" h="0"/>
+              </a:sp3d>
+            </c:spPr>
+            <c:extLst>
+              <c:ext xmlns:c16="http://schemas.microsoft.com/office/drawing/2014/chart" uri="{C3380CC4-5D6E-409C-BE32-E72D297353CC}">
+                <c16:uniqueId val="{00000009-8F99-4FDF-B37C-02869EA5843F}"/>
+              </c:ext>
+            </c:extLst>
+          </c:dPt>
+          <c:dPt>
+            <c:idx val="5"/>
+            <c:bubble3D val="0"/>
+            <c:spPr>
+              <a:gradFill rotWithShape="1">
+                <a:gsLst>
+                  <a:gs pos="0">
+                    <a:schemeClr val="accent6">
+                      <a:satMod val="103000"/>
+                      <a:lumMod val="102000"/>
+                      <a:tint val="94000"/>
+                    </a:schemeClr>
+                  </a:gs>
+                  <a:gs pos="50000">
+                    <a:schemeClr val="accent6">
+                      <a:satMod val="110000"/>
+                      <a:lumMod val="100000"/>
+                      <a:shade val="100000"/>
+                    </a:schemeClr>
+                  </a:gs>
+                  <a:gs pos="100000">
+                    <a:schemeClr val="accent6">
+                      <a:lumMod val="99000"/>
+                      <a:satMod val="120000"/>
+                      <a:shade val="78000"/>
+                    </a:schemeClr>
+                  </a:gs>
+                </a:gsLst>
+                <a:lin ang="5400000" scaled="0"/>
+              </a:gradFill>
+              <a:ln>
+                <a:noFill/>
+              </a:ln>
+              <a:effectLst>
+                <a:outerShdw blurRad="57150" dist="19050" dir="5400000" algn="ctr" rotWithShape="0">
+                  <a:srgbClr val="000000">
+                    <a:alpha val="63000"/>
+                  </a:srgbClr>
+                </a:outerShdw>
+              </a:effectLst>
+              <a:scene3d>
+                <a:camera prst="orthographicFront">
+                  <a:rot lat="0" lon="0" rev="0"/>
+                </a:camera>
+                <a:lightRig rig="threePt" dir="tl"/>
+              </a:scene3d>
+              <a:sp3d>
+                <a:bevelT w="0" h="0"/>
+              </a:sp3d>
+            </c:spPr>
+            <c:extLst>
+              <c:ext xmlns:c16="http://schemas.microsoft.com/office/drawing/2014/chart" uri="{C3380CC4-5D6E-409C-BE32-E72D297353CC}">
+                <c16:uniqueId val="{0000000B-8F99-4FDF-B37C-02869EA5843F}"/>
+              </c:ext>
+            </c:extLst>
+          </c:dPt>
+          <c:dPt>
+            <c:idx val="6"/>
+            <c:bubble3D val="0"/>
+            <c:spPr>
+              <a:gradFill rotWithShape="1">
+                <a:gsLst>
+                  <a:gs pos="0">
+                    <a:schemeClr val="accent1">
+                      <a:lumMod val="60000"/>
+                      <a:satMod val="103000"/>
+                      <a:lumMod val="102000"/>
+                      <a:tint val="94000"/>
+                    </a:schemeClr>
+                  </a:gs>
+                  <a:gs pos="50000">
+                    <a:schemeClr val="accent1">
+                      <a:lumMod val="60000"/>
+                      <a:satMod val="110000"/>
+                      <a:lumMod val="100000"/>
+                      <a:shade val="100000"/>
+                    </a:schemeClr>
+                  </a:gs>
+                  <a:gs pos="100000">
+                    <a:schemeClr val="accent1">
+                      <a:lumMod val="60000"/>
+                      <a:lumMod val="99000"/>
+                      <a:satMod val="120000"/>
+                      <a:shade val="78000"/>
+                    </a:schemeClr>
+                  </a:gs>
+                </a:gsLst>
+                <a:lin ang="5400000" scaled="0"/>
+              </a:gradFill>
+              <a:ln>
+                <a:noFill/>
+              </a:ln>
+              <a:effectLst>
+                <a:outerShdw blurRad="57150" dist="19050" dir="5400000" algn="ctr" rotWithShape="0">
+                  <a:srgbClr val="000000">
+                    <a:alpha val="63000"/>
+                  </a:srgbClr>
+                </a:outerShdw>
+              </a:effectLst>
+              <a:scene3d>
+                <a:camera prst="orthographicFront">
+                  <a:rot lat="0" lon="0" rev="0"/>
+                </a:camera>
+                <a:lightRig rig="threePt" dir="tl"/>
+              </a:scene3d>
+              <a:sp3d>
+                <a:bevelT w="0" h="0"/>
+              </a:sp3d>
+            </c:spPr>
+            <c:extLst>
+              <c:ext xmlns:c16="http://schemas.microsoft.com/office/drawing/2014/chart" uri="{C3380CC4-5D6E-409C-BE32-E72D297353CC}">
+                <c16:uniqueId val="{0000000D-8F99-4FDF-B37C-02869EA5843F}"/>
+              </c:ext>
+            </c:extLst>
+          </c:dPt>
+          <c:cat>
+            <c:strRef>
+              <c:f>Sheet1!$A$2:$A$8</c:f>
+              <c:strCache>
+                <c:ptCount val="7"/>
+                <c:pt idx="0">
+                  <c:v>Connor</c:v>
+                </c:pt>
+                <c:pt idx="1">
+                  <c:v>Danny</c:v>
+                </c:pt>
+                <c:pt idx="2">
+                  <c:v>Edward</c:v>
+                </c:pt>
+                <c:pt idx="3">
+                  <c:v>Cindy</c:v>
+                </c:pt>
+                <c:pt idx="4">
+                  <c:v>Hannah</c:v>
+                </c:pt>
+                <c:pt idx="5">
+                  <c:v>Samuel</c:v>
+                </c:pt>
+                <c:pt idx="6">
+                  <c:v>Adrian</c:v>
+                </c:pt>
+              </c:strCache>
+            </c:strRef>
+          </c:cat>
+          <c:val>
+            <c:numRef>
+              <c:f>Sheet1!$B$2:$B$8</c:f>
+              <c:numCache>
+                <c:formatCode>General</c:formatCode>
+                <c:ptCount val="7"/>
+                <c:pt idx="0">
+                  <c:v>0.22</c:v>
+                </c:pt>
+                <c:pt idx="1">
+                  <c:v>0.11</c:v>
+                </c:pt>
+                <c:pt idx="2">
+                  <c:v>0.22</c:v>
+                </c:pt>
+                <c:pt idx="3">
+                  <c:v>0.11</c:v>
+                </c:pt>
+                <c:pt idx="4">
+                  <c:v>0.11</c:v>
+                </c:pt>
+                <c:pt idx="5">
+                  <c:v>0.11</c:v>
+                </c:pt>
+                <c:pt idx="6">
+                  <c:v>0.11</c:v>
+                </c:pt>
+              </c:numCache>
+            </c:numRef>
+          </c:val>
+          <c:extLst>
+            <c:ext xmlns:c16="http://schemas.microsoft.com/office/drawing/2014/chart" uri="{C3380CC4-5D6E-409C-BE32-E72D297353CC}">
+              <c16:uniqueId val="{0000000E-8F99-4FDF-B37C-02869EA5843F}"/>
+            </c:ext>
+          </c:extLst>
+        </c:ser>
+        <c:dLbls>
+          <c:showLegendKey val="0"/>
+          <c:showVal val="0"/>
+          <c:showCatName val="0"/>
+          <c:showSerName val="0"/>
+          <c:showPercent val="0"/>
+          <c:showBubbleSize val="0"/>
+          <c:showLeaderLines val="1"/>
+        </c:dLbls>
+        <c:firstSliceAng val="0"/>
+      </c:pieChart>
+      <c:spPr>
+        <a:noFill/>
+        <a:ln>
+          <a:noFill/>
+        </a:ln>
+        <a:effectLst/>
+      </c:spPr>
+    </c:plotArea>
+    <c:legend>
+      <c:legendPos val="b"/>
+      <c:overlay val="0"/>
+      <c:spPr>
+        <a:noFill/>
+        <a:ln>
+          <a:noFill/>
+        </a:ln>
+        <a:effectLst/>
+      </c:spPr>
+      <c:txPr>
+        <a:bodyPr rot="0" spcFirstLastPara="1" vertOverflow="ellipsis" vert="horz" wrap="square" anchor="ctr" anchorCtr="1"/>
+        <a:lstStyle/>
+        <a:p>
+          <a:pPr>
+            <a:defRPr sz="1197" b="0" i="0" u="none" strike="noStrike" kern="1200" baseline="0">
+              <a:solidFill>
+                <a:schemeClr val="lt1">
+                  <a:lumMod val="85000"/>
+                </a:schemeClr>
+              </a:solidFill>
+              <a:latin typeface="+mn-lt"/>
+              <a:ea typeface="+mn-ea"/>
+              <a:cs typeface="+mn-cs"/>
+            </a:defRPr>
+          </a:pPr>
+          <a:endParaRPr lang="en-US"/>
+        </a:p>
+      </c:txPr>
+    </c:legend>
+    <c:plotVisOnly val="1"/>
+    <c:dispBlanksAs val="gap"/>
+    <c:extLst>
+      <c:ext xmlns:c16r3="http://schemas.microsoft.com/office/drawing/2017/03/chart" uri="{56B9EC1D-385E-4148-901F-78D8002777C0}">
+        <c16r3:dataDisplayOptions16>
+          <c16r3:dispNaAsBlank val="1"/>
+        </c16r3:dataDisplayOptions16>
+      </c:ext>
+    </c:extLst>
+    <c:showDLblsOverMax val="0"/>
+  </c:chart>
+  <c:spPr>
+    <a:gradFill flip="none" rotWithShape="1">
+      <a:gsLst>
+        <a:gs pos="0">
+          <a:schemeClr val="dk1">
+            <a:lumMod val="65000"/>
+            <a:lumOff val="35000"/>
+          </a:schemeClr>
+        </a:gs>
+        <a:gs pos="100000">
+          <a:schemeClr val="dk1">
+            <a:lumMod val="85000"/>
+            <a:lumOff val="15000"/>
+          </a:schemeClr>
+        </a:gs>
+      </a:gsLst>
+      <a:path path="circle">
+        <a:fillToRect l="50000" t="50000" r="50000" b="50000"/>
+      </a:path>
+      <a:tileRect/>
+    </a:gradFill>
+    <a:ln>
+      <a:noFill/>
+    </a:ln>
+    <a:effectLst/>
+  </c:spPr>
+  <c:txPr>
+    <a:bodyPr/>
+    <a:lstStyle/>
+    <a:p>
+      <a:pPr>
+        <a:defRPr/>
+      </a:pPr>
+      <a:endParaRPr lang="en-US"/>
+    </a:p>
+  </c:txPr>
+  <c:externalData r:id="rId3">
+    <c:autoUpdate val="0"/>
+  </c:externalData>
+</c:chartSpace>
+</file>
+
+<file path=ppt/charts/colors1.xml><?xml version="1.0" encoding="utf-8"?>
+<cs:colorStyle xmlns:cs="http://schemas.microsoft.com/office/drawing/2012/chartStyle" xmlns:a="http://schemas.openxmlformats.org/drawingml/2006/main" meth="cycle" id="10">
+  <a:schemeClr val="accent1"/>
+  <a:schemeClr val="accent2"/>
+  <a:schemeClr val="accent3"/>
+  <a:schemeClr val="accent4"/>
+  <a:schemeClr val="accent5"/>
+  <a:schemeClr val="accent6"/>
+  <cs:variation/>
+  <cs:variation>
+    <a:lumMod val="60000"/>
+  </cs:variation>
+  <cs:variation>
+    <a:lumMod val="80000"/>
+    <a:lumOff val="20000"/>
+  </cs:variation>
+  <cs:variation>
+    <a:lumMod val="80000"/>
+  </cs:variation>
+  <cs:variation>
+    <a:lumMod val="60000"/>
+    <a:lumOff val="40000"/>
+  </cs:variation>
+  <cs:variation>
+    <a:lumMod val="50000"/>
+  </cs:variation>
+  <cs:variation>
+    <a:lumMod val="70000"/>
+    <a:lumOff val="30000"/>
+  </cs:variation>
+  <cs:variation>
+    <a:lumMod val="70000"/>
+  </cs:variation>
+  <cs:variation>
+    <a:lumMod val="50000"/>
+    <a:lumOff val="50000"/>
+  </cs:variation>
+</cs:colorStyle>
+</file>
+
+<file path=ppt/charts/style1.xml><?xml version="1.0" encoding="utf-8"?>
+<cs:chartStyle xmlns:cs="http://schemas.microsoft.com/office/drawing/2012/chartStyle" xmlns:a="http://schemas.openxmlformats.org/drawingml/2006/main" id="257">
+  <cs:axisTitle>
+    <cs:lnRef idx="0"/>
+    <cs:fillRef idx="0"/>
+    <cs:effectRef idx="0"/>
+    <cs:fontRef idx="minor">
+      <a:schemeClr val="lt1">
+        <a:lumMod val="85000"/>
+      </a:schemeClr>
+    </cs:fontRef>
+    <cs:defRPr sz="1197" b="1" kern="1200" cap="all"/>
+  </cs:axisTitle>
+  <cs:categoryAxis>
+    <cs:lnRef idx="0"/>
+    <cs:fillRef idx="0"/>
+    <cs:effectRef idx="0"/>
+    <cs:fontRef idx="minor">
+      <a:schemeClr val="lt1">
+        <a:lumMod val="85000"/>
+      </a:schemeClr>
+    </cs:fontRef>
+    <cs:spPr>
+      <a:ln w="12700" cap="flat" cmpd="sng" algn="ctr">
+        <a:solidFill>
+          <a:schemeClr val="lt1">
+            <a:lumMod val="95000"/>
+            <a:alpha val="54000"/>
+          </a:schemeClr>
+        </a:solidFill>
+        <a:round/>
+      </a:ln>
+    </cs:spPr>
+    <cs:defRPr sz="1197" kern="1200"/>
+  </cs:categoryAxis>
+  <cs:chartArea>
+    <cs:lnRef idx="0"/>
+    <cs:fillRef idx="0"/>
+    <cs:effectRef idx="0"/>
+    <cs:fontRef idx="minor">
+      <a:schemeClr val="dk1"/>
+    </cs:fontRef>
+    <cs:spPr>
+      <a:gradFill flip="none" rotWithShape="1">
+        <a:gsLst>
+          <a:gs pos="0">
+            <a:schemeClr val="dk1">
+              <a:lumMod val="65000"/>
+              <a:lumOff val="35000"/>
+            </a:schemeClr>
+          </a:gs>
+          <a:gs pos="100000">
+            <a:schemeClr val="dk1">
+              <a:lumMod val="85000"/>
+              <a:lumOff val="15000"/>
+            </a:schemeClr>
+          </a:gs>
+        </a:gsLst>
+        <a:path path="circle">
+          <a:fillToRect l="50000" t="50000" r="50000" b="50000"/>
+        </a:path>
+        <a:tileRect/>
+      </a:gradFill>
+    </cs:spPr>
+    <cs:defRPr sz="1330" kern="1200"/>
+  </cs:chartArea>
+  <cs:dataLabel>
+    <cs:lnRef idx="0"/>
+    <cs:fillRef idx="0"/>
+    <cs:effectRef idx="0"/>
+    <cs:fontRef idx="minor">
+      <a:schemeClr val="lt1">
+        <a:lumMod val="85000"/>
+      </a:schemeClr>
+    </cs:fontRef>
+    <cs:defRPr sz="1197" kern="1200"/>
+  </cs:dataLabel>
+  <cs:dataLabelCallout>
+    <cs:lnRef idx="0"/>
+    <cs:fillRef idx="0"/>
+    <cs:effectRef idx="0"/>
+    <cs:fontRef idx="minor">
+      <a:schemeClr val="dk1">
+        <a:lumMod val="65000"/>
+        <a:lumOff val="35000"/>
+      </a:schemeClr>
+    </cs:fontRef>
+    <cs:spPr>
+      <a:solidFill>
+        <a:schemeClr val="lt1"/>
+      </a:solidFill>
+    </cs:spPr>
+    <cs:defRPr sz="1197" kern="1200"/>
+    <cs:bodyPr rot="0" spcFirstLastPara="1" vertOverflow="clip" horzOverflow="clip" vert="horz" wrap="square" lIns="36576" tIns="18288" rIns="36576" bIns="18288" anchor="ctr" anchorCtr="1">
+      <a:spAutoFit/>
+    </cs:bodyPr>
+  </cs:dataLabelCallout>
+  <cs:dataPoint>
+    <cs:lnRef idx="0"/>
+    <cs:fillRef idx="3">
+      <cs:styleClr val="auto"/>
+    </cs:fillRef>
+    <cs:effectRef idx="3"/>
+    <cs:fontRef idx="minor">
+      <a:schemeClr val="tx1"/>
+    </cs:fontRef>
+  </cs:dataPoint>
+  <cs:dataPoint3D>
+    <cs:lnRef idx="0"/>
+    <cs:fillRef idx="3">
+      <cs:styleClr val="auto"/>
+    </cs:fillRef>
+    <cs:effectRef idx="3"/>
+    <cs:fontRef idx="minor">
+      <a:schemeClr val="tx1"/>
+    </cs:fontRef>
+  </cs:dataPoint3D>
+  <cs:dataPointLine>
+    <cs:lnRef idx="0">
+      <cs:styleClr val="auto"/>
+    </cs:lnRef>
+    <cs:fillRef idx="3"/>
+    <cs:effectRef idx="3"/>
+    <cs:fontRef idx="minor">
+      <a:schemeClr val="tx1"/>
+    </cs:fontRef>
+    <cs:spPr>
+      <a:ln w="34925" cap="rnd">
+        <a:solidFill>
+          <a:schemeClr val="phClr"/>
+        </a:solidFill>
+        <a:round/>
+      </a:ln>
+    </cs:spPr>
+  </cs:dataPointLine>
+  <cs:dataPointMarker>
+    <cs:lnRef idx="0">
+      <cs:styleClr val="auto"/>
+    </cs:lnRef>
+    <cs:fillRef idx="3">
+      <cs:styleClr val="auto"/>
+    </cs:fillRef>
+    <cs:effectRef idx="3"/>
+    <cs:fontRef idx="minor">
+      <a:schemeClr val="tx1"/>
+    </cs:fontRef>
+    <cs:spPr>
+      <a:ln w="9525">
+        <a:solidFill>
+          <a:schemeClr val="phClr"/>
+        </a:solidFill>
+        <a:round/>
+      </a:ln>
+    </cs:spPr>
+  </cs:dataPointMarker>
+  <cs:dataPointMarkerLayout symbol="circle" size="6"/>
+  <cs:dataPointWireframe>
+    <cs:lnRef idx="0">
+      <cs:styleClr val="auto"/>
+    </cs:lnRef>
+    <cs:fillRef idx="3"/>
+    <cs:effectRef idx="3"/>
+    <cs:fontRef idx="minor">
+      <a:schemeClr val="tx1"/>
+    </cs:fontRef>
+    <cs:spPr>
+      <a:ln w="9525" cap="rnd">
+        <a:solidFill>
+          <a:schemeClr val="phClr"/>
+        </a:solidFill>
+        <a:round/>
+      </a:ln>
+    </cs:spPr>
+  </cs:dataPointWireframe>
+  <cs:dataTable>
+    <cs:lnRef idx="0"/>
+    <cs:fillRef idx="0"/>
+    <cs:effectRef idx="0"/>
+    <cs:fontRef idx="minor">
+      <a:schemeClr val="lt1">
+        <a:lumMod val="85000"/>
+      </a:schemeClr>
+    </cs:fontRef>
+    <cs:spPr>
+      <a:ln w="9525">
+        <a:solidFill>
+          <a:schemeClr val="lt1">
+            <a:lumMod val="95000"/>
+            <a:alpha val="54000"/>
+          </a:schemeClr>
+        </a:solidFill>
+      </a:ln>
+    </cs:spPr>
+    <cs:defRPr sz="1197" kern="1200"/>
+  </cs:dataTable>
+  <cs:downBar>
+    <cs:lnRef idx="0"/>
+    <cs:fillRef idx="0"/>
+    <cs:effectRef idx="0"/>
+    <cs:fontRef idx="minor">
+      <a:schemeClr val="tx1"/>
+    </cs:fontRef>
+    <cs:spPr>
+      <a:solidFill>
+        <a:schemeClr val="dk1">
+          <a:lumMod val="75000"/>
+          <a:lumOff val="25000"/>
+        </a:schemeClr>
+      </a:solidFill>
+      <a:ln w="9525">
+        <a:solidFill>
+          <a:schemeClr val="lt1">
+            <a:lumMod val="95000"/>
+            <a:alpha val="54000"/>
+          </a:schemeClr>
+        </a:solidFill>
+      </a:ln>
+    </cs:spPr>
+  </cs:downBar>
+  <cs:dropLine>
+    <cs:lnRef idx="0"/>
+    <cs:fillRef idx="0"/>
+    <cs:effectRef idx="0"/>
+    <cs:fontRef idx="minor">
+      <a:schemeClr val="tx1"/>
+    </cs:fontRef>
+    <cs:spPr>
+      <a:ln w="9525">
+        <a:solidFill>
+          <a:schemeClr val="lt1">
+            <a:lumMod val="95000"/>
+            <a:alpha val="54000"/>
+          </a:schemeClr>
+        </a:solidFill>
+        <a:prstDash val="dash"/>
+      </a:ln>
+    </cs:spPr>
+  </cs:dropLine>
+  <cs:errorBar>
+    <cs:lnRef idx="0"/>
+    <cs:fillRef idx="0"/>
+    <cs:effectRef idx="0"/>
+    <cs:fontRef idx="minor">
+      <a:schemeClr val="tx1"/>
+    </cs:fontRef>
+    <cs:spPr>
+      <a:ln w="9525" cap="flat" cmpd="sng" algn="ctr">
+        <a:solidFill>
+          <a:schemeClr val="lt1">
+            <a:lumMod val="95000"/>
+          </a:schemeClr>
+        </a:solidFill>
+        <a:round/>
+      </a:ln>
+    </cs:spPr>
+  </cs:errorBar>
+  <cs:floor>
+    <cs:lnRef idx="0"/>
+    <cs:fillRef idx="0"/>
+    <cs:effectRef idx="0"/>
+    <cs:fontRef idx="minor">
+      <a:schemeClr val="tx1"/>
+    </cs:fontRef>
+  </cs:floor>
+  <cs:gridlineMajor>
+    <cs:lnRef idx="0"/>
+    <cs:fillRef idx="0"/>
+    <cs:effectRef idx="0"/>
+    <cs:fontRef idx="minor">
+      <a:schemeClr val="tx1"/>
+    </cs:fontRef>
+    <cs:spPr>
+      <a:ln w="9525" cap="flat" cmpd="sng" algn="ctr">
+        <a:solidFill>
+          <a:schemeClr val="lt1">
+            <a:lumMod val="95000"/>
+            <a:alpha val="10000"/>
+          </a:schemeClr>
+        </a:solidFill>
+        <a:round/>
+      </a:ln>
+    </cs:spPr>
+  </cs:gridlineMajor>
+  <cs:gridlineMinor>
+    <cs:lnRef idx="0"/>
+    <cs:fillRef idx="0"/>
+    <cs:effectRef idx="0"/>
+    <cs:fontRef idx="minor">
+      <a:schemeClr val="tx1"/>
+    </cs:fontRef>
+    <cs:spPr>
+      <a:ln>
+        <a:solidFill>
+          <a:schemeClr val="lt1">
+            <a:lumMod val="95000"/>
+            <a:alpha val="5000"/>
+          </a:schemeClr>
+        </a:solidFill>
+      </a:ln>
+    </cs:spPr>
+  </cs:gridlineMinor>
+  <cs:hiLoLine>
+    <cs:lnRef idx="0"/>
+    <cs:fillRef idx="0"/>
+    <cs:effectRef idx="0"/>
+    <cs:fontRef idx="minor">
+      <a:schemeClr val="tx1"/>
+    </cs:fontRef>
+    <cs:spPr>
+      <a:ln w="9525">
+        <a:solidFill>
+          <a:schemeClr val="lt1">
+            <a:lumMod val="95000"/>
+            <a:alpha val="54000"/>
+          </a:schemeClr>
+        </a:solidFill>
+        <a:prstDash val="dash"/>
+      </a:ln>
+    </cs:spPr>
+  </cs:hiLoLine>
+  <cs:leaderLine>
+    <cs:lnRef idx="0"/>
+    <cs:fillRef idx="0"/>
+    <cs:effectRef idx="0"/>
+    <cs:fontRef idx="minor">
+      <a:schemeClr val="tx1"/>
+    </cs:fontRef>
+    <cs:spPr>
+      <a:ln w="9525">
+        <a:solidFill>
+          <a:schemeClr val="lt1">
+            <a:lumMod val="95000"/>
+            <a:alpha val="54000"/>
+          </a:schemeClr>
+        </a:solidFill>
+      </a:ln>
+    </cs:spPr>
+  </cs:leaderLine>
+  <cs:legend>
+    <cs:lnRef idx="0"/>
+    <cs:fillRef idx="0"/>
+    <cs:effectRef idx="0"/>
+    <cs:fontRef idx="minor">
+      <a:schemeClr val="lt1">
+        <a:lumMod val="85000"/>
+      </a:schemeClr>
+    </cs:fontRef>
+    <cs:defRPr sz="1197" kern="1200"/>
+  </cs:legend>
+  <cs:plotArea>
+    <cs:lnRef idx="0"/>
+    <cs:fillRef idx="0"/>
+    <cs:effectRef idx="0"/>
+    <cs:fontRef idx="minor">
+      <a:schemeClr val="tx1"/>
+    </cs:fontRef>
+  </cs:plotArea>
+  <cs:plotArea3D>
+    <cs:lnRef idx="0"/>
+    <cs:fillRef idx="0"/>
+    <cs:effectRef idx="0"/>
+    <cs:fontRef idx="minor">
+      <a:schemeClr val="tx1"/>
+    </cs:fontRef>
+  </cs:plotArea3D>
+  <cs:seriesAxis>
+    <cs:lnRef idx="0"/>
+    <cs:fillRef idx="0"/>
+    <cs:effectRef idx="0"/>
+    <cs:fontRef idx="minor">
+      <a:schemeClr val="lt1">
+        <a:lumMod val="85000"/>
+      </a:schemeClr>
+    </cs:fontRef>
+    <cs:spPr>
+      <a:ln w="12700" cap="flat" cmpd="sng" algn="ctr">
+        <a:solidFill>
+          <a:schemeClr val="lt1">
+            <a:lumMod val="95000"/>
+            <a:alpha val="54000"/>
+          </a:schemeClr>
+        </a:solidFill>
+        <a:round/>
+      </a:ln>
+    </cs:spPr>
+    <cs:defRPr sz="1197" kern="1200"/>
+  </cs:seriesAxis>
+  <cs:seriesLine>
+    <cs:lnRef idx="0"/>
+    <cs:fillRef idx="0"/>
+    <cs:effectRef idx="0"/>
+    <cs:fontRef idx="minor">
+      <a:schemeClr val="lt1"/>
+    </cs:fontRef>
+    <cs:spPr>
+      <a:ln w="9525" cap="flat" cmpd="sng" algn="ctr">
+        <a:solidFill>
+          <a:schemeClr val="lt1">
+            <a:lumMod val="95000"/>
+            <a:alpha val="54000"/>
+          </a:schemeClr>
+        </a:solidFill>
+        <a:round/>
+      </a:ln>
+    </cs:spPr>
+  </cs:seriesLine>
+  <cs:title>
+    <cs:lnRef idx="0"/>
+    <cs:fillRef idx="0"/>
+    <cs:effectRef idx="0"/>
+    <cs:fontRef idx="minor">
+      <a:schemeClr val="lt1">
+        <a:lumMod val="95000"/>
+      </a:schemeClr>
+    </cs:fontRef>
+    <cs:defRPr sz="2128" b="1" kern="1200" spc="100" baseline="0">
+      <a:effectLst>
+        <a:outerShdw blurRad="50800" dist="38100" dir="5400000" algn="t" rotWithShape="0">
+          <a:prstClr val="black">
+            <a:alpha val="40000"/>
+          </a:prstClr>
+        </a:outerShdw>
+      </a:effectLst>
+    </cs:defRPr>
+  </cs:title>
+  <cs:trendline>
+    <cs:lnRef idx="0">
+      <cs:styleClr val="auto"/>
+    </cs:lnRef>
+    <cs:fillRef idx="0"/>
+    <cs:effectRef idx="0"/>
+    <cs:fontRef idx="minor">
+      <a:schemeClr val="tx1"/>
+    </cs:fontRef>
+    <cs:spPr>
+      <a:ln w="19050" cap="rnd">
+        <a:solidFill>
+          <a:schemeClr val="phClr"/>
+        </a:solidFill>
+      </a:ln>
+    </cs:spPr>
+  </cs:trendline>
+  <cs:trendlineLabel>
+    <cs:lnRef idx="0"/>
+    <cs:fillRef idx="0"/>
+    <cs:effectRef idx="0"/>
+    <cs:fontRef idx="minor">
+      <a:schemeClr val="lt1">
+        <a:lumMod val="85000"/>
+      </a:schemeClr>
+    </cs:fontRef>
+    <cs:defRPr sz="1197" kern="1200"/>
+  </cs:trendlineLabel>
+  <cs:upBar>
+    <cs:lnRef idx="0"/>
+    <cs:fillRef idx="0"/>
+    <cs:effectRef idx="0"/>
+    <cs:fontRef idx="minor">
+      <a:schemeClr val="tx1"/>
+    </cs:fontRef>
+    <cs:spPr>
+      <a:solidFill>
+        <a:schemeClr val="lt1"/>
+      </a:solidFill>
+      <a:ln w="9525">
+        <a:solidFill>
+          <a:schemeClr val="lt1">
+            <a:lumMod val="95000"/>
+            <a:alpha val="54000"/>
+          </a:schemeClr>
+        </a:solidFill>
+      </a:ln>
+    </cs:spPr>
+  </cs:upBar>
+  <cs:valueAxis>
+    <cs:lnRef idx="0"/>
+    <cs:fillRef idx="0"/>
+    <cs:effectRef idx="0"/>
+    <cs:fontRef idx="minor">
+      <a:schemeClr val="lt1">
+        <a:lumMod val="85000"/>
+      </a:schemeClr>
+    </cs:fontRef>
+    <cs:defRPr sz="1197" kern="1200"/>
+  </cs:valueAxis>
+  <cs:wall>
+    <cs:lnRef idx="0"/>
+    <cs:fillRef idx="0"/>
+    <cs:effectRef idx="0"/>
+    <cs:fontRef idx="minor">
+      <a:schemeClr val="tx1"/>
+    </cs:fontRef>
+  </cs:wall>
+</cs:chartStyle>
 </file>
 
 <file path=ppt/notesMasters/notesMaster1.xml><?xml version="1.0" encoding="utf-8"?>
@@ -245,7 +1470,7 @@
           <a:p>
             <a:fld id="{9815FE18-2209-314F-8817-3A09D0DD9ABE}" type="datetimeFigureOut">
               <a:rPr lang="en-US" smtClean="0"/>
-              <a:t>7/18/18</a:t>
+              <a:t>7/19/2018</a:t>
             </a:fld>
             <a:endParaRPr lang="en-US"/>
           </a:p>
@@ -309,38 +1534,37 @@
           <a:p>
             <a:pPr lvl="0"/>
             <a:r>
-              <a:rPr lang="en-US" smtClean="0"/>
+              <a:rPr lang="en-US"/>
               <a:t>Click to edit Master text styles</a:t>
             </a:r>
           </a:p>
           <a:p>
             <a:pPr lvl="1"/>
             <a:r>
-              <a:rPr lang="en-US" smtClean="0"/>
+              <a:rPr lang="en-US"/>
               <a:t>Second level</a:t>
             </a:r>
           </a:p>
           <a:p>
             <a:pPr lvl="2"/>
             <a:r>
-              <a:rPr lang="en-US" smtClean="0"/>
+              <a:rPr lang="en-US"/>
               <a:t>Third level</a:t>
             </a:r>
           </a:p>
           <a:p>
             <a:pPr lvl="3"/>
             <a:r>
-              <a:rPr lang="en-US" smtClean="0"/>
+              <a:rPr lang="en-US"/>
               <a:t>Fourth level</a:t>
             </a:r>
           </a:p>
           <a:p>
             <a:pPr lvl="4"/>
             <a:r>
-              <a:rPr lang="en-US" smtClean="0"/>
+              <a:rPr lang="en-US"/>
               <a:t>Fifth level</a:t>
             </a:r>
-            <a:endParaRPr lang="en-US"/>
           </a:p>
         </p:txBody>
       </p:sp>
@@ -1815,7 +3039,7 @@
           </a:lstStyle>
           <a:p>
             <a:r>
-              <a:rPr lang="en-US" smtClean="0"/>
+              <a:rPr lang="en-US"/>
               <a:t>Click to edit Master title style</a:t>
             </a:r>
             <a:endParaRPr lang="en-US" dirty="0"/>
@@ -1889,7 +3113,7 @@
           </a:lstStyle>
           <a:p>
             <a:r>
-              <a:rPr lang="en-US" smtClean="0"/>
+              <a:rPr lang="en-US"/>
               <a:t>Click to edit Master subtitle style</a:t>
             </a:r>
             <a:endParaRPr lang="en-US" dirty="0"/>
@@ -1923,7 +3147,7 @@
             <a:fld id="{48A87A34-81AB-432B-8DAE-1953F412C126}" type="datetimeFigureOut">
               <a:rPr lang="en-US" smtClean="0"/>
               <a:pPr/>
-              <a:t>7/18/18</a:t>
+              <a:t>7/19/2018</a:t>
             </a:fld>
             <a:endParaRPr lang="en-US" dirty="0"/>
           </a:p>
@@ -3296,7 +4520,7 @@
           </a:lstStyle>
           <a:p>
             <a:r>
-              <a:rPr lang="en-US" smtClean="0"/>
+              <a:rPr lang="en-US"/>
               <a:t>Click to edit Master title style</a:t>
             </a:r>
             <a:endParaRPr lang="en-US" dirty="0"/>
@@ -3325,35 +4549,35 @@
           <a:p>
             <a:pPr lvl="0"/>
             <a:r>
-              <a:rPr lang="en-US" smtClean="0"/>
+              <a:rPr lang="en-US"/>
               <a:t>Click to edit Master text styles</a:t>
             </a:r>
           </a:p>
           <a:p>
             <a:pPr lvl="1"/>
             <a:r>
-              <a:rPr lang="en-US" smtClean="0"/>
+              <a:rPr lang="en-US"/>
               <a:t>Second level</a:t>
             </a:r>
           </a:p>
           <a:p>
             <a:pPr lvl="2"/>
             <a:r>
-              <a:rPr lang="en-US" smtClean="0"/>
+              <a:rPr lang="en-US"/>
               <a:t>Third level</a:t>
             </a:r>
           </a:p>
           <a:p>
             <a:pPr lvl="3"/>
             <a:r>
-              <a:rPr lang="en-US" smtClean="0"/>
+              <a:rPr lang="en-US"/>
               <a:t>Fourth level</a:t>
             </a:r>
           </a:p>
           <a:p>
             <a:pPr lvl="4"/>
             <a:r>
-              <a:rPr lang="en-US" smtClean="0"/>
+              <a:rPr lang="en-US"/>
               <a:t>Fifth level</a:t>
             </a:r>
             <a:endParaRPr lang="en-US" dirty="0"/>
@@ -3377,7 +4601,7 @@
           <a:p>
             <a:fld id="{48A87A34-81AB-432B-8DAE-1953F412C126}" type="datetimeFigureOut">
               <a:rPr lang="en-US" smtClean="0"/>
-              <a:t>7/18/18</a:t>
+              <a:t>7/19/2018</a:t>
             </a:fld>
             <a:endParaRPr lang="en-US" dirty="0"/>
           </a:p>
@@ -4739,7 +5963,7 @@
           </a:lstStyle>
           <a:p>
             <a:r>
-              <a:rPr lang="en-US" smtClean="0"/>
+              <a:rPr lang="en-US"/>
               <a:t>Click to edit Master title style</a:t>
             </a:r>
             <a:endParaRPr lang="en-US" dirty="0"/>
@@ -4768,35 +5992,35 @@
           <a:p>
             <a:pPr lvl="0"/>
             <a:r>
-              <a:rPr lang="en-US" smtClean="0"/>
+              <a:rPr lang="en-US"/>
               <a:t>Click to edit Master text styles</a:t>
             </a:r>
           </a:p>
           <a:p>
             <a:pPr lvl="1"/>
             <a:r>
-              <a:rPr lang="en-US" smtClean="0"/>
+              <a:rPr lang="en-US"/>
               <a:t>Second level</a:t>
             </a:r>
           </a:p>
           <a:p>
             <a:pPr lvl="2"/>
             <a:r>
-              <a:rPr lang="en-US" smtClean="0"/>
+              <a:rPr lang="en-US"/>
               <a:t>Third level</a:t>
             </a:r>
           </a:p>
           <a:p>
             <a:pPr lvl="3"/>
             <a:r>
-              <a:rPr lang="en-US" smtClean="0"/>
+              <a:rPr lang="en-US"/>
               <a:t>Fourth level</a:t>
             </a:r>
           </a:p>
           <a:p>
             <a:pPr lvl="4"/>
             <a:r>
-              <a:rPr lang="en-US" smtClean="0"/>
+              <a:rPr lang="en-US"/>
               <a:t>Fifth level</a:t>
             </a:r>
             <a:endParaRPr lang="en-US" dirty="0"/>
@@ -4825,7 +6049,7 @@
           <a:p>
             <a:fld id="{48A87A34-81AB-432B-8DAE-1953F412C126}" type="datetimeFigureOut">
               <a:rPr lang="en-US" smtClean="0"/>
-              <a:t>7/18/18</a:t>
+              <a:t>7/19/2018</a:t>
             </a:fld>
             <a:endParaRPr lang="en-US" dirty="0"/>
           </a:p>
@@ -6194,7 +7418,7 @@
           </a:lstStyle>
           <a:p>
             <a:r>
-              <a:rPr lang="en-US" smtClean="0"/>
+              <a:rPr lang="en-US"/>
               <a:t>Click to edit Master title style</a:t>
             </a:r>
             <a:endParaRPr lang="en-US" dirty="0"/>
@@ -6223,35 +7447,35 @@
           <a:p>
             <a:pPr lvl="0"/>
             <a:r>
-              <a:rPr lang="en-US" smtClean="0"/>
+              <a:rPr lang="en-US"/>
               <a:t>Click to edit Master text styles</a:t>
             </a:r>
           </a:p>
           <a:p>
             <a:pPr lvl="1"/>
             <a:r>
-              <a:rPr lang="en-US" smtClean="0"/>
+              <a:rPr lang="en-US"/>
               <a:t>Second level</a:t>
             </a:r>
           </a:p>
           <a:p>
             <a:pPr lvl="2"/>
             <a:r>
-              <a:rPr lang="en-US" smtClean="0"/>
+              <a:rPr lang="en-US"/>
               <a:t>Third level</a:t>
             </a:r>
           </a:p>
           <a:p>
             <a:pPr lvl="3"/>
             <a:r>
-              <a:rPr lang="en-US" smtClean="0"/>
+              <a:rPr lang="en-US"/>
               <a:t>Fourth level</a:t>
             </a:r>
           </a:p>
           <a:p>
             <a:pPr lvl="4"/>
             <a:r>
-              <a:rPr lang="en-US" smtClean="0"/>
+              <a:rPr lang="en-US"/>
               <a:t>Fifth level</a:t>
             </a:r>
             <a:endParaRPr lang="en-US" dirty="0"/>
@@ -6275,7 +7499,7 @@
           <a:p>
             <a:fld id="{48A87A34-81AB-432B-8DAE-1953F412C126}" type="datetimeFigureOut">
               <a:rPr lang="en-US" smtClean="0"/>
-              <a:t>7/18/18</a:t>
+              <a:t>7/19/2018</a:t>
             </a:fld>
             <a:endParaRPr lang="en-US" dirty="0"/>
           </a:p>
@@ -7630,7 +8854,7 @@
           </a:lstStyle>
           <a:p>
             <a:r>
-              <a:rPr lang="en-US" smtClean="0"/>
+              <a:rPr lang="en-US"/>
               <a:t>Click to edit Master title style</a:t>
             </a:r>
             <a:endParaRPr lang="en-US" dirty="0"/>
@@ -7750,7 +8974,7 @@
           <a:p>
             <a:pPr lvl="0"/>
             <a:r>
-              <a:rPr lang="en-US" smtClean="0"/>
+              <a:rPr lang="en-US"/>
               <a:t>Click to edit Master text styles</a:t>
             </a:r>
           </a:p>
@@ -7778,7 +9002,7 @@
           <a:p>
             <a:fld id="{48A87A34-81AB-432B-8DAE-1953F412C126}" type="datetimeFigureOut">
               <a:rPr lang="en-US" smtClean="0"/>
-              <a:t>7/18/18</a:t>
+              <a:t>7/19/2018</a:t>
             </a:fld>
             <a:endParaRPr lang="en-US" dirty="0"/>
           </a:p>
@@ -9151,7 +10375,7 @@
           </a:lstStyle>
           <a:p>
             <a:r>
-              <a:rPr lang="en-US" smtClean="0"/>
+              <a:rPr lang="en-US"/>
               <a:t>Click to edit Master title style</a:t>
             </a:r>
             <a:endParaRPr lang="en-US" dirty="0"/>
@@ -9180,35 +10404,35 @@
           <a:p>
             <a:pPr lvl="0"/>
             <a:r>
-              <a:rPr lang="en-US" smtClean="0"/>
+              <a:rPr lang="en-US"/>
               <a:t>Click to edit Master text styles</a:t>
             </a:r>
           </a:p>
           <a:p>
             <a:pPr lvl="1"/>
             <a:r>
-              <a:rPr lang="en-US" smtClean="0"/>
+              <a:rPr lang="en-US"/>
               <a:t>Second level</a:t>
             </a:r>
           </a:p>
           <a:p>
             <a:pPr lvl="2"/>
             <a:r>
-              <a:rPr lang="en-US" smtClean="0"/>
+              <a:rPr lang="en-US"/>
               <a:t>Third level</a:t>
             </a:r>
           </a:p>
           <a:p>
             <a:pPr lvl="3"/>
             <a:r>
-              <a:rPr lang="en-US" smtClean="0"/>
+              <a:rPr lang="en-US"/>
               <a:t>Fourth level</a:t>
             </a:r>
           </a:p>
           <a:p>
             <a:pPr lvl="4"/>
             <a:r>
-              <a:rPr lang="en-US" smtClean="0"/>
+              <a:rPr lang="en-US"/>
               <a:t>Fifth level</a:t>
             </a:r>
             <a:endParaRPr lang="en-US" dirty="0"/>
@@ -9237,35 +10461,35 @@
           <a:p>
             <a:pPr lvl="0"/>
             <a:r>
-              <a:rPr lang="en-US" smtClean="0"/>
+              <a:rPr lang="en-US"/>
               <a:t>Click to edit Master text styles</a:t>
             </a:r>
           </a:p>
           <a:p>
             <a:pPr lvl="1"/>
             <a:r>
-              <a:rPr lang="en-US" smtClean="0"/>
+              <a:rPr lang="en-US"/>
               <a:t>Second level</a:t>
             </a:r>
           </a:p>
           <a:p>
             <a:pPr lvl="2"/>
             <a:r>
-              <a:rPr lang="en-US" smtClean="0"/>
+              <a:rPr lang="en-US"/>
               <a:t>Third level</a:t>
             </a:r>
           </a:p>
           <a:p>
             <a:pPr lvl="3"/>
             <a:r>
-              <a:rPr lang="en-US" smtClean="0"/>
+              <a:rPr lang="en-US"/>
               <a:t>Fourth level</a:t>
             </a:r>
           </a:p>
           <a:p>
             <a:pPr lvl="4"/>
             <a:r>
-              <a:rPr lang="en-US" smtClean="0"/>
+              <a:rPr lang="en-US"/>
               <a:t>Fifth level</a:t>
             </a:r>
             <a:endParaRPr lang="en-US" dirty="0"/>
@@ -9294,7 +10518,7 @@
           <a:p>
             <a:fld id="{48A87A34-81AB-432B-8DAE-1953F412C126}" type="datetimeFigureOut">
               <a:rPr lang="en-US" smtClean="0"/>
-              <a:t>7/18/18</a:t>
+              <a:t>7/19/2018</a:t>
             </a:fld>
             <a:endParaRPr lang="en-US" dirty="0"/>
           </a:p>
@@ -10663,7 +11887,7 @@
           </a:lstStyle>
           <a:p>
             <a:r>
-              <a:rPr lang="en-US" smtClean="0"/>
+              <a:rPr lang="en-US"/>
               <a:t>Click to edit Master title style</a:t>
             </a:r>
             <a:endParaRPr lang="en-US" dirty="0"/>
@@ -10738,7 +11962,7 @@
           <a:p>
             <a:pPr lvl="0"/>
             <a:r>
-              <a:rPr lang="en-US" smtClean="0"/>
+              <a:rPr lang="en-US"/>
               <a:t>Click to edit Master text styles</a:t>
             </a:r>
           </a:p>
@@ -10766,35 +11990,35 @@
           <a:p>
             <a:pPr lvl="0"/>
             <a:r>
-              <a:rPr lang="en-US" smtClean="0"/>
+              <a:rPr lang="en-US"/>
               <a:t>Click to edit Master text styles</a:t>
             </a:r>
           </a:p>
           <a:p>
             <a:pPr lvl="1"/>
             <a:r>
-              <a:rPr lang="en-US" smtClean="0"/>
+              <a:rPr lang="en-US"/>
               <a:t>Second level</a:t>
             </a:r>
           </a:p>
           <a:p>
             <a:pPr lvl="2"/>
             <a:r>
-              <a:rPr lang="en-US" smtClean="0"/>
+              <a:rPr lang="en-US"/>
               <a:t>Third level</a:t>
             </a:r>
           </a:p>
           <a:p>
             <a:pPr lvl="3"/>
             <a:r>
-              <a:rPr lang="en-US" smtClean="0"/>
+              <a:rPr lang="en-US"/>
               <a:t>Fourth level</a:t>
             </a:r>
           </a:p>
           <a:p>
             <a:pPr lvl="4"/>
             <a:r>
-              <a:rPr lang="en-US" smtClean="0"/>
+              <a:rPr lang="en-US"/>
               <a:t>Fifth level</a:t>
             </a:r>
             <a:endParaRPr lang="en-US" dirty="0"/>
@@ -10869,7 +12093,7 @@
           <a:p>
             <a:pPr lvl="0"/>
             <a:r>
-              <a:rPr lang="en-US" smtClean="0"/>
+              <a:rPr lang="en-US"/>
               <a:t>Click to edit Master text styles</a:t>
             </a:r>
           </a:p>
@@ -10897,35 +12121,35 @@
           <a:p>
             <a:pPr lvl="0"/>
             <a:r>
-              <a:rPr lang="en-US" smtClean="0"/>
+              <a:rPr lang="en-US"/>
               <a:t>Click to edit Master text styles</a:t>
             </a:r>
           </a:p>
           <a:p>
             <a:pPr lvl="1"/>
             <a:r>
-              <a:rPr lang="en-US" smtClean="0"/>
+              <a:rPr lang="en-US"/>
               <a:t>Second level</a:t>
             </a:r>
           </a:p>
           <a:p>
             <a:pPr lvl="2"/>
             <a:r>
-              <a:rPr lang="en-US" smtClean="0"/>
+              <a:rPr lang="en-US"/>
               <a:t>Third level</a:t>
             </a:r>
           </a:p>
           <a:p>
             <a:pPr lvl="3"/>
             <a:r>
-              <a:rPr lang="en-US" smtClean="0"/>
+              <a:rPr lang="en-US"/>
               <a:t>Fourth level</a:t>
             </a:r>
           </a:p>
           <a:p>
             <a:pPr lvl="4"/>
             <a:r>
-              <a:rPr lang="en-US" smtClean="0"/>
+              <a:rPr lang="en-US"/>
               <a:t>Fifth level</a:t>
             </a:r>
             <a:endParaRPr lang="en-US" dirty="0"/>
@@ -10954,7 +12178,7 @@
           <a:p>
             <a:fld id="{48A87A34-81AB-432B-8DAE-1953F412C126}" type="datetimeFigureOut">
               <a:rPr lang="en-US" smtClean="0"/>
-              <a:t>7/18/18</a:t>
+              <a:t>7/19/2018</a:t>
             </a:fld>
             <a:endParaRPr lang="en-US" dirty="0"/>
           </a:p>
@@ -12323,7 +13547,7 @@
           </a:lstStyle>
           <a:p>
             <a:r>
-              <a:rPr lang="en-US" smtClean="0"/>
+              <a:rPr lang="en-US"/>
               <a:t>Click to edit Master title style</a:t>
             </a:r>
             <a:endParaRPr lang="en-US" dirty="0"/>
@@ -12347,7 +13571,7 @@
           <a:p>
             <a:fld id="{48A87A34-81AB-432B-8DAE-1953F412C126}" type="datetimeFigureOut">
               <a:rPr lang="en-US" smtClean="0"/>
-              <a:t>7/18/18</a:t>
+              <a:t>7/19/2018</a:t>
             </a:fld>
             <a:endParaRPr lang="en-US" dirty="0"/>
           </a:p>
@@ -12442,7 +13666,7 @@
           <a:p>
             <a:fld id="{48A87A34-81AB-432B-8DAE-1953F412C126}" type="datetimeFigureOut">
               <a:rPr lang="en-US" smtClean="0"/>
-              <a:t>7/18/18</a:t>
+              <a:t>7/19/2018</a:t>
             </a:fld>
             <a:endParaRPr lang="en-US" dirty="0"/>
           </a:p>
@@ -13813,7 +15037,7 @@
           </a:lstStyle>
           <a:p>
             <a:r>
-              <a:rPr lang="en-US" smtClean="0"/>
+              <a:rPr lang="en-US"/>
               <a:t>Click to edit Master title style</a:t>
             </a:r>
             <a:endParaRPr lang="en-US" dirty="0"/>
@@ -13842,35 +15066,35 @@
           <a:p>
             <a:pPr lvl="0"/>
             <a:r>
-              <a:rPr lang="en-US" smtClean="0"/>
+              <a:rPr lang="en-US"/>
               <a:t>Click to edit Master text styles</a:t>
             </a:r>
           </a:p>
           <a:p>
             <a:pPr lvl="1"/>
             <a:r>
-              <a:rPr lang="en-US" smtClean="0"/>
+              <a:rPr lang="en-US"/>
               <a:t>Second level</a:t>
             </a:r>
           </a:p>
           <a:p>
             <a:pPr lvl="2"/>
             <a:r>
-              <a:rPr lang="en-US" smtClean="0"/>
+              <a:rPr lang="en-US"/>
               <a:t>Third level</a:t>
             </a:r>
           </a:p>
           <a:p>
             <a:pPr lvl="3"/>
             <a:r>
-              <a:rPr lang="en-US" smtClean="0"/>
+              <a:rPr lang="en-US"/>
               <a:t>Fourth level</a:t>
             </a:r>
           </a:p>
           <a:p>
             <a:pPr lvl="4"/>
             <a:r>
-              <a:rPr lang="en-US" smtClean="0"/>
+              <a:rPr lang="en-US"/>
               <a:t>Fifth level</a:t>
             </a:r>
             <a:endParaRPr lang="en-US" dirty="0"/>
@@ -13940,7 +15164,7 @@
           <a:p>
             <a:pPr lvl="0"/>
             <a:r>
-              <a:rPr lang="en-US" smtClean="0"/>
+              <a:rPr lang="en-US"/>
               <a:t>Click to edit Master text styles</a:t>
             </a:r>
           </a:p>
@@ -13963,7 +15187,7 @@
           <a:p>
             <a:fld id="{48A87A34-81AB-432B-8DAE-1953F412C126}" type="datetimeFigureOut">
               <a:rPr lang="en-US" smtClean="0"/>
-              <a:t>7/18/18</a:t>
+              <a:t>7/19/2018</a:t>
             </a:fld>
             <a:endParaRPr lang="en-US" dirty="0"/>
           </a:p>
@@ -15356,7 +16580,7 @@
           </a:lstStyle>
           <a:p>
             <a:r>
-              <a:rPr lang="en-US" smtClean="0"/>
+              <a:rPr lang="en-US"/>
               <a:t>Drag picture to placeholder or click icon to add</a:t>
             </a:r>
             <a:endParaRPr lang="en-US" dirty="0"/>
@@ -15394,7 +16618,7 @@
           </a:lstStyle>
           <a:p>
             <a:r>
-              <a:rPr lang="en-US" smtClean="0"/>
+              <a:rPr lang="en-US"/>
               <a:t>Click to edit Master title style</a:t>
             </a:r>
             <a:endParaRPr lang="en-US" dirty="0"/>
@@ -15466,7 +16690,7 @@
           <a:p>
             <a:pPr lvl="0"/>
             <a:r>
-              <a:rPr lang="en-US" smtClean="0"/>
+              <a:rPr lang="en-US"/>
               <a:t>Click to edit Master text styles</a:t>
             </a:r>
           </a:p>
@@ -15494,7 +16718,7 @@
           <a:p>
             <a:fld id="{48A87A34-81AB-432B-8DAE-1953F412C126}" type="datetimeFigureOut">
               <a:rPr lang="en-US" smtClean="0"/>
-              <a:t>7/18/18</a:t>
+              <a:t>7/19/2018</a:t>
             </a:fld>
             <a:endParaRPr lang="en-US" dirty="0"/>
           </a:p>
@@ -15608,7 +16832,7 @@
           <a:lstStyle/>
           <a:p>
             <a:r>
-              <a:rPr lang="en-US" smtClean="0"/>
+              <a:rPr lang="en-US"/>
               <a:t>Click to edit Master title style</a:t>
             </a:r>
             <a:endParaRPr lang="en-US" dirty="0"/>
@@ -15740,7 +16964,7 @@
             <a:fld id="{48A87A34-81AB-432B-8DAE-1953F412C126}" type="datetimeFigureOut">
               <a:rPr lang="en-US" smtClean="0"/>
               <a:pPr/>
-              <a:t>7/18/18</a:t>
+              <a:t>7/19/2018</a:t>
             </a:fld>
             <a:endParaRPr lang="en-US" dirty="0"/>
           </a:p>
@@ -16208,7 +17432,7 @@
           <a:lstStyle/>
           <a:p>
             <a:r>
-              <a:rPr lang="en-US" dirty="0" err="1" smtClean="0"/>
+              <a:rPr lang="en-US" dirty="0" err="1"/>
               <a:t>AdvenShare</a:t>
             </a:r>
             <a:endParaRPr lang="en-US" dirty="0"/>
@@ -16231,7 +17455,7 @@
           <a:lstStyle/>
           <a:p>
             <a:r>
-              <a:rPr lang="en-US" dirty="0" smtClean="0"/>
+              <a:rPr lang="en-US" dirty="0"/>
               <a:t>Wolfpack </a:t>
             </a:r>
             <a:r>
@@ -16239,16 +17463,15 @@
               <a:t>群狼袭击队</a:t>
             </a:r>
             <a:r>
-              <a:rPr lang="en-US" dirty="0" smtClean="0"/>
+              <a:rPr lang="en-US" dirty="0"/>
               <a:t> </a:t>
             </a:r>
           </a:p>
           <a:p>
             <a:r>
-              <a:rPr lang="en-US" dirty="0" smtClean="0"/>
+              <a:rPr lang="en-US" dirty="0"/>
               <a:t>Description </a:t>
             </a:r>
-            <a:endParaRPr lang="en-US" dirty="0"/>
           </a:p>
         </p:txBody>
       </p:sp>
@@ -16298,10 +17521,9 @@
           <a:lstStyle/>
           <a:p>
             <a:r>
-              <a:rPr lang="en-US" dirty="0" smtClean="0"/>
+              <a:rPr lang="en-US" dirty="0"/>
               <a:t>Market Size</a:t>
             </a:r>
-            <a:endParaRPr lang="en-US" dirty="0"/>
           </a:p>
         </p:txBody>
       </p:sp>
@@ -16338,15 +17560,11 @@
           <a:p>
             <a:r>
               <a:rPr lang="en-AU" sz="1600" dirty="0"/>
-              <a:t>65% of all people use social </a:t>
-            </a:r>
-            <a:r>
-              <a:rPr lang="en-AU" sz="1600" dirty="0" smtClean="0"/>
-              <a:t>media</a:t>
-            </a:r>
-          </a:p>
-          <a:p>
-            <a:endParaRPr lang="en-AU" sz="1600" dirty="0" smtClean="0"/>
+              <a:t>65% of all people use social media</a:t>
+            </a:r>
+          </a:p>
+          <a:p>
+            <a:endParaRPr lang="en-AU" sz="1600" dirty="0"/>
           </a:p>
           <a:p>
             <a:r>
@@ -16356,7 +17574,7 @@
           </a:p>
           <a:p>
             <a:pPr algn="ctr"/>
-            <a:endParaRPr lang="en-AU" sz="1600" dirty="0" smtClean="0"/>
+            <a:endParaRPr lang="en-AU" sz="1600" dirty="0"/>
           </a:p>
           <a:p>
             <a:pPr algn="ctr"/>
@@ -16364,7 +17582,7 @@
           </a:p>
           <a:p>
             <a:pPr algn="ctr"/>
-            <a:endParaRPr lang="en-AU" sz="1600" dirty="0" smtClean="0"/>
+            <a:endParaRPr lang="en-AU" sz="1600" dirty="0"/>
           </a:p>
           <a:p>
             <a:pPr algn="ctr"/>
@@ -16418,21 +17636,20 @@
           <a:lstStyle/>
           <a:p>
             <a:r>
-              <a:rPr lang="en-US" dirty="0" smtClean="0"/>
+              <a:rPr lang="en-US" dirty="0"/>
               <a:t>Industry Characteristics</a:t>
             </a:r>
             <a:br>
-              <a:rPr lang="en-US" dirty="0" smtClean="0"/>
+              <a:rPr lang="en-US" dirty="0"/>
             </a:br>
             <a:r>
               <a:rPr lang="zh-CN" altLang="en-US" dirty="0"/>
               <a:t>行业</a:t>
             </a:r>
             <a:r>
-              <a:rPr lang="en-US" dirty="0" smtClean="0"/>
+              <a:rPr lang="en-US" dirty="0"/>
               <a:t>  </a:t>
             </a:r>
-            <a:endParaRPr lang="en-US" dirty="0"/>
           </a:p>
         </p:txBody>
       </p:sp>
@@ -16533,12 +17750,8 @@
           <a:lstStyle/>
           <a:p>
             <a:r>
-              <a:rPr lang="en-AU" dirty="0" smtClean="0"/>
-              <a:t>Industry Characteristics: Porter’s </a:t>
-            </a:r>
-            <a:r>
               <a:rPr lang="en-AU" dirty="0"/>
-              <a:t>Five Forces</a:t>
+              <a:t>Industry Characteristics: Porter’s Five Forces</a:t>
             </a:r>
             <a:endParaRPr lang="en-US" dirty="0"/>
           </a:p>
@@ -16749,11 +17962,11 @@
           <a:lstStyle/>
           <a:p>
             <a:r>
-              <a:rPr lang="en-US" dirty="0" smtClean="0"/>
+              <a:rPr lang="en-US" dirty="0"/>
               <a:t>Competitor Analysis</a:t>
             </a:r>
             <a:br>
-              <a:rPr lang="en-US" dirty="0" smtClean="0"/>
+              <a:rPr lang="en-US" dirty="0"/>
             </a:br>
             <a:r>
               <a:rPr lang="zh-CN" altLang="en-US" dirty="0"/>
@@ -16781,7 +17994,7 @@
           <a:lstStyle/>
           <a:p>
             <a:r>
-              <a:rPr lang="en-US" dirty="0" smtClean="0">
+              <a:rPr lang="en-US" dirty="0">
                 <a:latin typeface="Calibri" charset="0"/>
                 <a:ea typeface="Calibri" charset="0"/>
                 <a:cs typeface="Calibri" charset="0"/>
@@ -16793,18 +18006,13 @@
               <a:t>我们的优势</a:t>
             </a:r>
             <a:r>
-              <a:rPr lang="en-US" dirty="0" smtClean="0">
+              <a:rPr lang="en-US" dirty="0">
                 <a:latin typeface="Calibri" charset="0"/>
                 <a:ea typeface="Calibri" charset="0"/>
                 <a:cs typeface="Calibri" charset="0"/>
               </a:rPr>
               <a:t>:</a:t>
             </a:r>
-            <a:endParaRPr lang="en-US" dirty="0">
-              <a:latin typeface="Calibri" charset="0"/>
-              <a:ea typeface="Calibri" charset="0"/>
-              <a:cs typeface="Calibri" charset="0"/>
-            </a:endParaRPr>
           </a:p>
           <a:p>
             <a:pPr lvl="1"/>
@@ -16852,7 +18060,7 @@
           </a:p>
           <a:p>
             <a:r>
-              <a:rPr lang="en-US" dirty="0" smtClean="0">
+              <a:rPr lang="en-US" dirty="0">
                 <a:latin typeface="Calibri" charset="0"/>
                 <a:ea typeface="Calibri" charset="0"/>
                 <a:cs typeface="Calibri" charset="0"/>
@@ -16864,18 +18072,13 @@
               <a:t>我们的劣势</a:t>
             </a:r>
             <a:r>
-              <a:rPr lang="en-US" dirty="0" smtClean="0">
+              <a:rPr lang="en-US" dirty="0">
                 <a:latin typeface="Calibri" charset="0"/>
                 <a:ea typeface="Calibri" charset="0"/>
                 <a:cs typeface="Calibri" charset="0"/>
               </a:rPr>
               <a:t>:</a:t>
             </a:r>
-            <a:endParaRPr lang="en-US" dirty="0">
-              <a:latin typeface="Calibri" charset="0"/>
-              <a:ea typeface="Calibri" charset="0"/>
-              <a:cs typeface="Calibri" charset="0"/>
-            </a:endParaRPr>
           </a:p>
           <a:p>
             <a:pPr lvl="1"/>
@@ -16968,29 +18171,17 @@
           <a:p>
             <a:r>
               <a:rPr lang="en-US" dirty="0"/>
-              <a:t>Competitor </a:t>
-            </a:r>
-            <a:r>
-              <a:rPr lang="en-US" dirty="0" smtClean="0"/>
-              <a:t>Analysis </a:t>
+              <a:t>Competitor Analysis </a:t>
             </a:r>
             <a:br>
-              <a:rPr lang="en-US" dirty="0" smtClean="0"/>
+              <a:rPr lang="en-US" dirty="0"/>
             </a:br>
             <a:r>
-              <a:rPr lang="zh-CN" altLang="en-US" dirty="0" smtClean="0"/>
-              <a:t>竞</a:t>
-            </a:r>
-            <a:r>
               <a:rPr lang="zh-CN" altLang="en-US" dirty="0"/>
-              <a:t>争对手分</a:t>
-            </a:r>
-            <a:r>
-              <a:rPr lang="zh-CN" altLang="en-US" dirty="0" smtClean="0"/>
-              <a:t>析</a:t>
-            </a:r>
-            <a:r>
-              <a:rPr lang="en-US" dirty="0" smtClean="0"/>
+              <a:t>竞争对手分析</a:t>
+            </a:r>
+            <a:r>
+              <a:rPr lang="en-US" dirty="0"/>
               <a:t>: </a:t>
             </a:r>
             <a:r>
@@ -17217,25 +18408,21 @@
           <a:p>
             <a:r>
               <a:rPr lang="en-US" dirty="0"/>
-              <a:t>Competitor </a:t>
-            </a:r>
-            <a:r>
-              <a:rPr lang="en-US" dirty="0" smtClean="0"/>
-              <a:t>Analysis</a:t>
+              <a:t>Competitor Analysis</a:t>
             </a:r>
             <a:br>
-              <a:rPr lang="en-US" dirty="0" smtClean="0"/>
+              <a:rPr lang="en-US" dirty="0"/>
             </a:br>
             <a:r>
               <a:rPr lang="zh-CN" altLang="en-US" dirty="0"/>
               <a:t>竞争对手分析</a:t>
             </a:r>
             <a:r>
-              <a:rPr lang="en-US" dirty="0" smtClean="0"/>
+              <a:rPr lang="en-US" dirty="0"/>
               <a:t>: </a:t>
             </a:r>
             <a:r>
-              <a:rPr lang="en-AU" dirty="0" err="1" smtClean="0"/>
+              <a:rPr lang="en-AU" dirty="0" err="1"/>
               <a:t>traveldiariesapp.com</a:t>
             </a:r>
             <a:endParaRPr lang="en-US" dirty="0"/>
@@ -17447,11 +18634,11 @@
           <a:lstStyle/>
           <a:p>
             <a:r>
-              <a:rPr lang="en-US" dirty="0" smtClean="0"/>
+              <a:rPr lang="en-US" dirty="0"/>
               <a:t>Marketing Strategy </a:t>
             </a:r>
             <a:br>
-              <a:rPr lang="en-US" dirty="0" smtClean="0"/>
+              <a:rPr lang="en-US" dirty="0"/>
             </a:br>
             <a:r>
               <a:rPr lang="zh-CN" altLang="en-US" dirty="0"/>
@@ -17535,13 +18722,8 @@
             <a:pPr lvl="2"/>
             <a:r>
               <a:rPr lang="en-US" dirty="0"/>
-              <a:t>Tour guide to create detailed diary of trip – share with </a:t>
-            </a:r>
-            <a:r>
-              <a:rPr lang="en-US" dirty="0" smtClean="0"/>
-              <a:t>travelers</a:t>
-            </a:r>
-            <a:endParaRPr lang="en-US" dirty="0"/>
+              <a:t>Tour guide to create detailed diary of trip – share with travelers</a:t>
+            </a:r>
           </a:p>
           <a:p>
             <a:r>
@@ -17686,18 +18868,18 @@
           <a:lstStyle/>
           <a:p>
             <a:r>
-              <a:rPr lang="en-AU" dirty="0" smtClean="0"/>
+              <a:rPr lang="en-AU" dirty="0"/>
               <a:t>Team Milestones</a:t>
             </a:r>
             <a:br>
-              <a:rPr lang="en-AU" dirty="0" smtClean="0"/>
+              <a:rPr lang="en-AU" dirty="0"/>
             </a:br>
             <a:r>
               <a:rPr lang="zh-CN" altLang="en-US" dirty="0"/>
               <a:t>团队里程碑</a:t>
             </a:r>
             <a:r>
-              <a:rPr lang="en-AU" dirty="0" smtClean="0"/>
+              <a:rPr lang="en-AU" dirty="0"/>
               <a:t> </a:t>
             </a:r>
             <a:endParaRPr lang="en-US" dirty="0"/>
@@ -17741,7 +18923,7 @@
           <a:p>
             <a:pPr algn="ctr"/>
             <a:r>
-              <a:rPr lang="en-AU" dirty="0" smtClean="0"/>
+              <a:rPr lang="en-AU" dirty="0"/>
               <a:t>Initial Business Plan</a:t>
             </a:r>
           </a:p>
@@ -17788,10 +18970,9 @@
           <a:p>
             <a:pPr algn="ctr"/>
             <a:r>
-              <a:rPr lang="en-AU" dirty="0" smtClean="0"/>
+              <a:rPr lang="en-AU" dirty="0"/>
               <a:t>Market Validation </a:t>
             </a:r>
-            <a:endParaRPr lang="en-AU" dirty="0"/>
           </a:p>
         </p:txBody>
       </p:sp>
@@ -17832,7 +19013,7 @@
           <a:p>
             <a:pPr algn="ctr"/>
             <a:r>
-              <a:rPr lang="en-AU" dirty="0" smtClean="0"/>
+              <a:rPr lang="en-AU" dirty="0"/>
               <a:t>Prototype + Business plan adjustment</a:t>
             </a:r>
           </a:p>
@@ -17875,7 +19056,7 @@
           <a:p>
             <a:pPr algn="ctr"/>
             <a:r>
-              <a:rPr lang="en-AU" dirty="0" smtClean="0"/>
+              <a:rPr lang="en-AU" dirty="0"/>
               <a:t>Finish development of initial prototype</a:t>
             </a:r>
           </a:p>
@@ -17918,10 +19099,9 @@
           <a:p>
             <a:pPr algn="ctr"/>
             <a:r>
-              <a:rPr lang="en-AU" dirty="0" smtClean="0"/>
+              <a:rPr lang="en-AU" dirty="0"/>
               <a:t>Accelerator + investor application process</a:t>
             </a:r>
-            <a:endParaRPr lang="en-AU" dirty="0"/>
           </a:p>
         </p:txBody>
       </p:sp>
@@ -17965,7 +19145,7 @@
           <a:p>
             <a:pPr algn="ctr"/>
             <a:r>
-              <a:rPr lang="en-AU" dirty="0" smtClean="0"/>
+              <a:rPr lang="en-AU" dirty="0"/>
               <a:t>Finalise development for version 1</a:t>
             </a:r>
           </a:p>
@@ -18011,10 +19191,9 @@
           <a:p>
             <a:pPr algn="ctr"/>
             <a:r>
-              <a:rPr lang="en-AU" dirty="0" smtClean="0"/>
+              <a:rPr lang="en-AU" dirty="0"/>
               <a:t>Launch on the Google Play store</a:t>
             </a:r>
-            <a:endParaRPr lang="en-AU" dirty="0"/>
           </a:p>
         </p:txBody>
       </p:sp>
@@ -18058,7 +19237,7 @@
           <a:p>
             <a:pPr algn="ctr"/>
             <a:r>
-              <a:rPr lang="en-AU" dirty="0" smtClean="0"/>
+              <a:rPr lang="en-AU" dirty="0"/>
               <a:t>Bug Fixes and customer support</a:t>
             </a:r>
           </a:p>
@@ -18104,18 +19283,17 @@
           <a:p>
             <a:pPr algn="ctr"/>
             <a:r>
-              <a:rPr lang="en-AU" dirty="0" smtClean="0"/>
+              <a:rPr lang="en-AU" dirty="0"/>
               <a:t>Launch on the </a:t>
             </a:r>
             <a:r>
-              <a:rPr lang="en-AU" dirty="0" err="1" smtClean="0"/>
+              <a:rPr lang="en-AU" dirty="0" err="1"/>
               <a:t>iOS</a:t>
             </a:r>
             <a:r>
-              <a:rPr lang="en-AU" dirty="0" smtClean="0"/>
+              <a:rPr lang="en-AU" dirty="0"/>
               <a:t> store</a:t>
             </a:r>
-            <a:endParaRPr lang="en-AU" dirty="0"/>
           </a:p>
         </p:txBody>
       </p:sp>
@@ -18159,7 +19337,7 @@
           <a:p>
             <a:pPr algn="ctr"/>
             <a:r>
-              <a:rPr lang="en-AU" dirty="0" smtClean="0"/>
+              <a:rPr lang="en-AU" dirty="0"/>
               <a:t>Begin marketing plan (Facebook)</a:t>
             </a:r>
           </a:p>
@@ -18205,10 +19383,9 @@
           <a:p>
             <a:pPr algn="ctr"/>
             <a:r>
-              <a:rPr lang="en-AU" dirty="0" smtClean="0"/>
+              <a:rPr lang="en-AU" dirty="0"/>
               <a:t>Partnership development</a:t>
             </a:r>
-            <a:endParaRPr lang="en-AU" dirty="0"/>
           </a:p>
         </p:txBody>
       </p:sp>
@@ -18252,10 +19429,9 @@
           <a:p>
             <a:pPr algn="ctr"/>
             <a:r>
-              <a:rPr lang="en-AU" dirty="0" smtClean="0"/>
+              <a:rPr lang="en-AU" dirty="0"/>
               <a:t>Travel blogger reviews</a:t>
             </a:r>
-            <a:endParaRPr lang="en-AU" dirty="0"/>
           </a:p>
         </p:txBody>
       </p:sp>
@@ -18299,10 +19475,9 @@
           <a:p>
             <a:pPr algn="ctr"/>
             <a:r>
-              <a:rPr lang="en-AU" dirty="0" smtClean="0"/>
+              <a:rPr lang="en-AU" dirty="0"/>
               <a:t>Bug fixes and review update</a:t>
             </a:r>
-            <a:endParaRPr lang="en-AU" dirty="0"/>
           </a:p>
         </p:txBody>
       </p:sp>
@@ -18346,15 +19521,15 @@
           <a:p>
             <a:pPr algn="ctr"/>
             <a:r>
-              <a:rPr lang="en-AU" dirty="0" smtClean="0"/>
+              <a:rPr lang="en-AU" dirty="0"/>
               <a:t>Roll out of full services (advertising, book </a:t>
             </a:r>
             <a:r>
-              <a:rPr lang="en-AU" dirty="0" err="1" smtClean="0"/>
+              <a:rPr lang="en-AU" dirty="0" err="1"/>
               <a:t>etc</a:t>
             </a:r>
             <a:r>
-              <a:rPr lang="en-AU" dirty="0" smtClean="0"/>
+              <a:rPr lang="en-AU" dirty="0"/>
               <a:t>)</a:t>
             </a:r>
           </a:p>
@@ -18400,10 +19575,9 @@
           <a:p>
             <a:pPr algn="ctr"/>
             <a:r>
-              <a:rPr lang="en-AU" dirty="0" smtClean="0"/>
+              <a:rPr lang="en-AU" dirty="0"/>
               <a:t>Revenue stream</a:t>
             </a:r>
-            <a:endParaRPr lang="en-AU" dirty="0"/>
           </a:p>
         </p:txBody>
       </p:sp>
@@ -18430,7 +19604,7 @@
           <a:lstStyle/>
           <a:p>
             <a:r>
-              <a:rPr lang="en-AU" dirty="0" smtClean="0"/>
+              <a:rPr lang="en-AU" dirty="0"/>
               <a:t>Phase 2 (pre-seed funding)</a:t>
             </a:r>
           </a:p>
@@ -18459,7 +19633,7 @@
           <a:lstStyle/>
           <a:p>
             <a:r>
-              <a:rPr lang="en-AU" dirty="0" smtClean="0"/>
+              <a:rPr lang="en-AU" dirty="0"/>
               <a:t>Phase 1 (pre-accelerator)</a:t>
             </a:r>
           </a:p>
@@ -18488,7 +19662,7 @@
           <a:lstStyle/>
           <a:p>
             <a:r>
-              <a:rPr lang="en-AU" dirty="0" smtClean="0"/>
+              <a:rPr lang="en-AU" dirty="0"/>
               <a:t>Phase 3 (last path to revenue)</a:t>
             </a:r>
           </a:p>
@@ -18940,7 +20114,7 @@
           <a:lstStyle/>
           <a:p>
             <a:r>
-              <a:rPr lang="en-US" sz="3200" dirty="0" smtClean="0"/>
+              <a:rPr lang="en-US" sz="3200" dirty="0"/>
               <a:t>Team Milestones</a:t>
             </a:r>
             <a:r>
@@ -18997,11 +20171,11 @@
           <a:lstStyle/>
           <a:p>
             <a:r>
-              <a:rPr lang="en-AU" dirty="0" smtClean="0"/>
+              <a:rPr lang="en-AU" dirty="0"/>
               <a:t>Founder Team </a:t>
             </a:r>
             <a:br>
-              <a:rPr lang="en-AU" dirty="0" smtClean="0"/>
+              <a:rPr lang="en-AU" dirty="0"/>
             </a:br>
             <a:r>
               <a:rPr lang="zh-CN" altLang="en-US" dirty="0"/>
@@ -19027,28 +20201,28 @@
           <a:lstStyle/>
           <a:p>
             <a:r>
-              <a:rPr lang="en-US" dirty="0" smtClean="0"/>
+              <a:rPr lang="en-US" dirty="0"/>
               <a:t>Founder team analysis and organizational structure </a:t>
             </a:r>
           </a:p>
           <a:p>
             <a:pPr lvl="1"/>
             <a:r>
-              <a:rPr lang="en-US" dirty="0" smtClean="0"/>
+              <a:rPr lang="en-US" dirty="0"/>
               <a:t>Team composition and division </a:t>
             </a:r>
           </a:p>
           <a:p>
             <a:pPr lvl="1"/>
             <a:r>
-              <a:rPr lang="en-US" dirty="0" smtClean="0"/>
+              <a:rPr lang="en-US" dirty="0"/>
               <a:t>Team advantages </a:t>
             </a:r>
           </a:p>
           <a:p>
             <a:pPr lvl="1"/>
             <a:r>
-              <a:rPr lang="en-US" dirty="0" smtClean="0"/>
+              <a:rPr lang="en-US" dirty="0"/>
               <a:t>Team building </a:t>
             </a:r>
           </a:p>
@@ -19099,7 +20273,23 @@
           <a:bodyPr/>
           <a:lstStyle/>
           <a:p>
-            <a:endParaRPr lang="en-US"/>
+            <a:r>
+              <a:rPr lang="en-US" dirty="0">
+                <a:solidFill>
+                  <a:schemeClr val="bg1"/>
+                </a:solidFill>
+              </a:rPr>
+              <a:t>Team-</a:t>
+            </a:r>
+            <a:r>
+              <a:rPr lang="zh-CN" altLang="en-US" dirty="0">
+                <a:solidFill>
+                  <a:schemeClr val="bg1"/>
+                </a:solidFill>
+              </a:rPr>
+              <a:t>团队 </a:t>
+            </a:r>
+            <a:endParaRPr lang="en-US" dirty="0"/>
           </a:p>
         </p:txBody>
       </p:sp>
@@ -19108,7 +20298,7 @@
           <p:cNvPr id="4" name="Content Placeholder 3">
             <a:extLst>
               <a:ext uri="{FF2B5EF4-FFF2-40B4-BE49-F238E27FC236}">
-                <a16:creationId xmlns:a16="http://schemas.microsoft.com/office/drawing/2014/main" xmlns="" id="{5FC2251B-E751-419A-8AF7-013BCFB08D62}"/>
+                <a16:creationId xmlns:a16="http://schemas.microsoft.com/office/drawing/2014/main" id="{5FC2251B-E751-419A-8AF7-013BCFB08D62}"/>
               </a:ext>
             </a:extLst>
           </p:cNvPr>
@@ -19189,11 +20379,11 @@
           <a:lstStyle/>
           <a:p>
             <a:r>
-              <a:rPr lang="en-US" dirty="0" smtClean="0"/>
+              <a:rPr lang="en-US" dirty="0"/>
               <a:t>Problem &amp; Solution </a:t>
             </a:r>
             <a:br>
-              <a:rPr lang="en-US" dirty="0" smtClean="0"/>
+              <a:rPr lang="en-US" dirty="0"/>
             </a:br>
             <a:r>
               <a:rPr lang="zh-CN" altLang="en-US" dirty="0"/>
@@ -19228,8 +20418,20 @@
                 <a:tableStyleId>{5C22544A-7EE6-4342-B048-85BDC9FD1C3A}</a:tableStyleId>
               </a:tblPr>
               <a:tblGrid>
-                <a:gridCol w="3283471"/>
-                <a:gridCol w="3283471"/>
+                <a:gridCol w="3283471">
+                  <a:extLst>
+                    <a:ext uri="{9D8B030D-6E8A-4147-A177-3AD203B41FA5}">
+                      <a16:colId xmlns:a16="http://schemas.microsoft.com/office/drawing/2014/main" val="20000"/>
+                    </a:ext>
+                  </a:extLst>
+                </a:gridCol>
+                <a:gridCol w="3283471">
+                  <a:extLst>
+                    <a:ext uri="{9D8B030D-6E8A-4147-A177-3AD203B41FA5}">
+                      <a16:colId xmlns:a16="http://schemas.microsoft.com/office/drawing/2014/main" val="20001"/>
+                    </a:ext>
+                  </a:extLst>
+                </a:gridCol>
               </a:tblGrid>
               <a:tr h="735355">
                 <a:tc>
@@ -19239,18 +20441,13 @@
                     <a:p>
                       <a:pPr algn="ctr"/>
                       <a:r>
-                        <a:rPr lang="en-US" dirty="0" smtClean="0">
+                        <a:rPr lang="en-US" dirty="0">
                           <a:latin typeface="Calibri" charset="0"/>
                           <a:ea typeface="Calibri" charset="0"/>
                           <a:cs typeface="Calibri" charset="0"/>
                         </a:rPr>
                         <a:t>Problem</a:t>
                       </a:r>
-                      <a:endParaRPr lang="en-US" dirty="0">
-                        <a:latin typeface="Calibri" charset="0"/>
-                        <a:ea typeface="Calibri" charset="0"/>
-                        <a:cs typeface="Calibri" charset="0"/>
-                      </a:endParaRPr>
                     </a:p>
                   </a:txBody>
                   <a:tcPr/>
@@ -19262,22 +20459,22 @@
                     <a:p>
                       <a:pPr algn="ctr"/>
                       <a:r>
-                        <a:rPr lang="en-US" dirty="0" smtClean="0">
+                        <a:rPr lang="en-US" dirty="0">
                           <a:latin typeface="Calibri" charset="0"/>
                           <a:ea typeface="Calibri" charset="0"/>
                           <a:cs typeface="Calibri" charset="0"/>
                         </a:rPr>
                         <a:t>Solution </a:t>
                       </a:r>
-                      <a:endParaRPr lang="en-US" dirty="0">
-                        <a:latin typeface="Calibri" charset="0"/>
-                        <a:ea typeface="Calibri" charset="0"/>
-                        <a:cs typeface="Calibri" charset="0"/>
-                      </a:endParaRPr>
                     </a:p>
                   </a:txBody>
                   <a:tcPr/>
                 </a:tc>
+                <a:extLst>
+                  <a:ext uri="{0D108BD9-81ED-4DB2-BD59-A6C34878D82A}">
+                    <a16:rowId xmlns:a16="http://schemas.microsoft.com/office/drawing/2014/main" val="10000"/>
+                  </a:ext>
+                </a:extLst>
               </a:tr>
               <a:tr h="4286213">
                 <a:tc>
@@ -19290,7 +20487,7 @@
                         <a:buChar char="-"/>
                       </a:pPr>
                       <a:r>
-                        <a:rPr lang="en-US" dirty="0" smtClean="0">
+                        <a:rPr lang="en-US" dirty="0">
                           <a:latin typeface="Calibri" charset="0"/>
                           <a:ea typeface="Calibri" charset="0"/>
                           <a:cs typeface="Calibri" charset="0"/>
@@ -19298,7 +20495,7 @@
                         <a:t>People</a:t>
                       </a:r>
                       <a:r>
-                        <a:rPr lang="en-US" baseline="0" dirty="0" smtClean="0">
+                        <a:rPr lang="en-US" baseline="0" dirty="0">
                           <a:latin typeface="Calibri" charset="0"/>
                           <a:ea typeface="Calibri" charset="0"/>
                           <a:cs typeface="Calibri" charset="0"/>
@@ -19306,7 +20503,7 @@
                         <a:t> want</a:t>
                       </a:r>
                       <a:r>
-                        <a:rPr lang="en-US" dirty="0" smtClean="0">
+                        <a:rPr lang="en-US" dirty="0">
                           <a:latin typeface="Calibri" charset="0"/>
                           <a:ea typeface="Calibri" charset="0"/>
                           <a:cs typeface="Calibri" charset="0"/>
@@ -19314,7 +20511,7 @@
                         <a:t> to remember their travels but</a:t>
                       </a:r>
                       <a:r>
-                        <a:rPr lang="en-US" baseline="0" dirty="0" smtClean="0">
+                        <a:rPr lang="en-US" baseline="0" dirty="0">
                           <a:latin typeface="Calibri" charset="0"/>
                           <a:ea typeface="Calibri" charset="0"/>
                           <a:cs typeface="Calibri" charset="0"/>
@@ -19328,7 +20525,7 @@
                         <a:buChar char="-"/>
                       </a:pPr>
                       <a:r>
-                        <a:rPr lang="en-US" baseline="0" dirty="0" smtClean="0">
+                        <a:rPr lang="en-US" baseline="0" dirty="0">
                           <a:latin typeface="Calibri" charset="0"/>
                           <a:ea typeface="Calibri" charset="0"/>
                           <a:cs typeface="Calibri" charset="0"/>
@@ -19341,7 +20538,7 @@
                         <a:buFontTx/>
                         <a:buChar char="-"/>
                       </a:pPr>
-                      <a:endParaRPr lang="en-US" dirty="0" smtClean="0">
+                      <a:endParaRPr lang="en-US" dirty="0">
                         <a:latin typeface="Calibri" charset="0"/>
                         <a:ea typeface="Calibri" charset="0"/>
                         <a:cs typeface="Calibri" charset="0"/>
@@ -19353,7 +20550,7 @@
                         <a:buChar char="-"/>
                       </a:pPr>
                       <a:r>
-                        <a:rPr lang="en-US" dirty="0" smtClean="0">
+                        <a:rPr lang="en-US" dirty="0">
                           <a:latin typeface="Calibri" charset="0"/>
                           <a:ea typeface="Calibri" charset="0"/>
                           <a:cs typeface="Calibri" charset="0"/>
@@ -19361,7 +20558,7 @@
                         <a:t>Information is spread</a:t>
                       </a:r>
                       <a:r>
-                        <a:rPr lang="en-US" baseline="0" dirty="0" smtClean="0">
+                        <a:rPr lang="en-US" baseline="0" dirty="0">
                           <a:latin typeface="Calibri" charset="0"/>
                           <a:ea typeface="Calibri" charset="0"/>
                           <a:cs typeface="Calibri" charset="0"/>
@@ -19387,7 +20584,7 @@
                         <a:buChar char="-"/>
                       </a:pPr>
                       <a:r>
-                        <a:rPr lang="en-US" dirty="0" smtClean="0">
+                        <a:rPr lang="en-US" dirty="0">
                           <a:latin typeface="Calibri" charset="0"/>
                           <a:ea typeface="Calibri" charset="0"/>
                           <a:cs typeface="Calibri" charset="0"/>
@@ -19401,7 +20598,7 @@
                         <a:buChar char="-"/>
                       </a:pPr>
                       <a:r>
-                        <a:rPr lang="en-US" dirty="0" smtClean="0">
+                        <a:rPr lang="en-US" dirty="0">
                           <a:latin typeface="Calibri" charset="0"/>
                           <a:ea typeface="Calibri" charset="0"/>
                           <a:cs typeface="Calibri" charset="0"/>
@@ -19415,7 +20612,7 @@
                         <a:buChar char="-"/>
                       </a:pPr>
                       <a:r>
-                        <a:rPr lang="en-US" dirty="0" smtClean="0">
+                        <a:rPr lang="en-US" dirty="0">
                           <a:latin typeface="Calibri" charset="0"/>
                           <a:ea typeface="Calibri" charset="0"/>
                           <a:cs typeface="Calibri" charset="0"/>
@@ -19423,14 +20620,14 @@
                         <a:t>You</a:t>
                       </a:r>
                       <a:r>
-                        <a:rPr lang="en-US" baseline="0" dirty="0" smtClean="0">
+                        <a:rPr lang="en-US" baseline="0" dirty="0">
                           <a:latin typeface="Calibri" charset="0"/>
                           <a:ea typeface="Calibri" charset="0"/>
                           <a:cs typeface="Calibri" charset="0"/>
                         </a:rPr>
                         <a:t> can follow people with similar interests to you so that you can plan and get feedback/ advice based on your preferences </a:t>
                       </a:r>
-                      <a:endParaRPr lang="en-US" dirty="0" smtClean="0">
+                      <a:endParaRPr lang="en-US" dirty="0">
                         <a:latin typeface="Calibri" charset="0"/>
                         <a:ea typeface="Calibri" charset="0"/>
                         <a:cs typeface="Calibri" charset="0"/>
@@ -19441,7 +20638,7 @@
                         <a:buFontTx/>
                         <a:buChar char="-"/>
                       </a:pPr>
-                      <a:endParaRPr lang="en-US" dirty="0" smtClean="0">
+                      <a:endParaRPr lang="en-US" dirty="0">
                         <a:latin typeface="Calibri" charset="0"/>
                         <a:ea typeface="Calibri" charset="0"/>
                         <a:cs typeface="Calibri" charset="0"/>
@@ -19461,6 +20658,11 @@
                   </a:txBody>
                   <a:tcPr/>
                 </a:tc>
+                <a:extLst>
+                  <a:ext uri="{0D108BD9-81ED-4DB2-BD59-A6C34878D82A}">
+                    <a16:rowId xmlns:a16="http://schemas.microsoft.com/office/drawing/2014/main" val="10001"/>
+                  </a:ext>
+                </a:extLst>
               </a:tr>
             </a:tbl>
           </a:graphicData>
@@ -19480,6 +20682,2070 @@
 </file>
 
 <file path=ppt/slides/slide20.xml><?xml version="1.0" encoding="utf-8"?>
+<p:sld xmlns:a="http://schemas.openxmlformats.org/drawingml/2006/main" xmlns:r="http://schemas.openxmlformats.org/officeDocument/2006/relationships" xmlns:p="http://schemas.openxmlformats.org/presentationml/2006/main">
+  <p:cSld>
+    <p:spTree>
+      <p:nvGrpSpPr>
+        <p:cNvPr id="1" name=""/>
+        <p:cNvGrpSpPr/>
+        <p:nvPr/>
+      </p:nvGrpSpPr>
+      <p:grpSpPr>
+        <a:xfrm>
+          <a:off x="0" y="0"/>
+          <a:ext cx="0" cy="0"/>
+          <a:chOff x="0" y="0"/>
+          <a:chExt cx="0" cy="0"/>
+        </a:xfrm>
+      </p:grpSpPr>
+      <p:sp>
+        <p:nvSpPr>
+          <p:cNvPr id="37" name="TextBox 36"/>
+          <p:cNvSpPr txBox="1"/>
+          <p:nvPr/>
+        </p:nvSpPr>
+        <p:spPr>
+          <a:xfrm>
+            <a:off x="317713" y="356365"/>
+            <a:ext cx="11714135" cy="584775"/>
+          </a:xfrm>
+          <a:prstGeom prst="rect">
+            <a:avLst/>
+          </a:prstGeom>
+          <a:noFill/>
+        </p:spPr>
+        <p:txBody>
+          <a:bodyPr wrap="square" rtlCol="0">
+            <a:spAutoFit/>
+          </a:bodyPr>
+          <a:lstStyle/>
+          <a:p>
+            <a:r>
+              <a:rPr lang="en-US" sz="3200" dirty="0"/>
+              <a:t>Team - </a:t>
+            </a:r>
+            <a:r>
+              <a:rPr lang="zh-CN" altLang="en-US" sz="3200" dirty="0"/>
+              <a:t>团队</a:t>
+            </a:r>
+            <a:endParaRPr lang="en-US" sz="3200" dirty="0"/>
+          </a:p>
+        </p:txBody>
+      </p:sp>
+      <p:pic>
+        <p:nvPicPr>
+          <p:cNvPr id="41" name="Picture 40">
+            <a:extLst>
+              <a:ext uri="{FF2B5EF4-FFF2-40B4-BE49-F238E27FC236}">
+                <a16:creationId xmlns:a16="http://schemas.microsoft.com/office/drawing/2014/main" id="{94067920-D77B-478C-A77B-17AA3169DC2D}"/>
+              </a:ext>
+            </a:extLst>
+          </p:cNvPr>
+          <p:cNvPicPr>
+            <a:picLocks noChangeAspect="1"/>
+          </p:cNvPicPr>
+          <p:nvPr/>
+        </p:nvPicPr>
+        <p:blipFill>
+          <a:blip r:embed="rId2">
+            <a:extLst>
+              <a:ext uri="{28A0092B-C50C-407E-A947-70E740481C1C}">
+                <a14:useLocalDpi xmlns:a14="http://schemas.microsoft.com/office/drawing/2010/main" val="0"/>
+              </a:ext>
+            </a:extLst>
+          </a:blip>
+          <a:stretch>
+            <a:fillRect/>
+          </a:stretch>
+        </p:blipFill>
+        <p:spPr>
+          <a:xfrm>
+            <a:off x="1577184" y="2376055"/>
+            <a:ext cx="2105890" cy="2105890"/>
+          </a:xfrm>
+          <a:prstGeom prst="rect">
+            <a:avLst/>
+          </a:prstGeom>
+        </p:spPr>
+      </p:pic>
+      <p:sp>
+        <p:nvSpPr>
+          <p:cNvPr id="42" name="TextBox 41">
+            <a:extLst>
+              <a:ext uri="{FF2B5EF4-FFF2-40B4-BE49-F238E27FC236}">
+                <a16:creationId xmlns:a16="http://schemas.microsoft.com/office/drawing/2014/main" id="{4A3F7263-CAE9-4071-9820-ABF7258653ED}"/>
+              </a:ext>
+            </a:extLst>
+          </p:cNvPr>
+          <p:cNvSpPr txBox="1"/>
+          <p:nvPr/>
+        </p:nvSpPr>
+        <p:spPr>
+          <a:xfrm>
+            <a:off x="1385455" y="1664333"/>
+            <a:ext cx="2650084" cy="461665"/>
+          </a:xfrm>
+          <a:prstGeom prst="rect">
+            <a:avLst/>
+          </a:prstGeom>
+          <a:noFill/>
+        </p:spPr>
+        <p:txBody>
+          <a:bodyPr wrap="none" rtlCol="0">
+            <a:spAutoFit/>
+          </a:bodyPr>
+          <a:lstStyle/>
+          <a:p>
+            <a:pPr algn="ctr"/>
+            <a:r>
+              <a:rPr lang="en-US" altLang="zh-CN" sz="2400" u="sng" dirty="0"/>
+              <a:t>Connor Cashman</a:t>
+            </a:r>
+            <a:endParaRPr lang="en-US" sz="2400" u="sng" dirty="0"/>
+          </a:p>
+        </p:txBody>
+      </p:sp>
+      <p:sp>
+        <p:nvSpPr>
+          <p:cNvPr id="43" name="TextBox 42">
+            <a:extLst>
+              <a:ext uri="{FF2B5EF4-FFF2-40B4-BE49-F238E27FC236}">
+                <a16:creationId xmlns:a16="http://schemas.microsoft.com/office/drawing/2014/main" id="{E371D595-3D82-49A9-952D-6650E7AE5E5D}"/>
+              </a:ext>
+            </a:extLst>
+          </p:cNvPr>
+          <p:cNvSpPr txBox="1"/>
+          <p:nvPr/>
+        </p:nvSpPr>
+        <p:spPr>
+          <a:xfrm>
+            <a:off x="4585855" y="1751617"/>
+            <a:ext cx="7708649" cy="3354765"/>
+          </a:xfrm>
+          <a:prstGeom prst="rect">
+            <a:avLst/>
+          </a:prstGeom>
+          <a:noFill/>
+        </p:spPr>
+        <p:txBody>
+          <a:bodyPr wrap="none" rtlCol="0">
+            <a:spAutoFit/>
+          </a:bodyPr>
+          <a:lstStyle/>
+          <a:p>
+            <a:pPr marL="342900" indent="-342900">
+              <a:buFont typeface="Arial" panose="020B0604020202020204" pitchFamily="34" charset="0"/>
+              <a:buChar char="•"/>
+            </a:pPr>
+            <a:r>
+              <a:rPr lang="en-GB" sz="2300" dirty="0"/>
+              <a:t>Chiefly responsible for the project schedule and </a:t>
+            </a:r>
+          </a:p>
+          <a:p>
+            <a:r>
+              <a:rPr lang="en-GB" sz="2300" dirty="0"/>
+              <a:t>project plan and how progress compares to the plan. </a:t>
+            </a:r>
+          </a:p>
+          <a:p>
+            <a:endParaRPr lang="en-GB" sz="500" dirty="0"/>
+          </a:p>
+          <a:p>
+            <a:pPr marL="342900" indent="-342900">
+              <a:buFont typeface="Arial" panose="020B0604020202020204" pitchFamily="34" charset="0"/>
+              <a:buChar char="•"/>
+            </a:pPr>
+            <a:r>
+              <a:rPr lang="en-GB" sz="2300" dirty="0"/>
+              <a:t>The programmer is responsible for turning the </a:t>
+            </a:r>
+          </a:p>
+          <a:p>
+            <a:r>
+              <a:rPr lang="en-GB" sz="2300" dirty="0"/>
+              <a:t>need for system capabilities into something a computer</a:t>
+            </a:r>
+          </a:p>
+          <a:p>
+            <a:r>
+              <a:rPr lang="en-GB" sz="2300" dirty="0"/>
+              <a:t>with actually run. Responsible for realising, as closely </a:t>
+            </a:r>
+          </a:p>
+          <a:p>
+            <a:r>
+              <a:rPr lang="en-GB" sz="2300" dirty="0"/>
+              <a:t>as possible, the requirements and designs developed </a:t>
+            </a:r>
+          </a:p>
+          <a:p>
+            <a:r>
+              <a:rPr lang="en-GB" sz="2300" dirty="0"/>
+              <a:t>by the team. This helps ensure that what the </a:t>
+            </a:r>
+          </a:p>
+          <a:p>
+            <a:r>
+              <a:rPr lang="en-GB" sz="2300" dirty="0"/>
+              <a:t>programmer produces is what the stakeholders </a:t>
+            </a:r>
+          </a:p>
+          <a:p>
+            <a:r>
+              <a:rPr lang="en-GB" sz="2300" dirty="0"/>
+              <a:t>actually want.</a:t>
+            </a:r>
+            <a:endParaRPr lang="en-US" sz="2300" dirty="0"/>
+          </a:p>
+        </p:txBody>
+      </p:sp>
+      <p:sp>
+        <p:nvSpPr>
+          <p:cNvPr id="44" name="TextBox 43">
+            <a:extLst>
+              <a:ext uri="{FF2B5EF4-FFF2-40B4-BE49-F238E27FC236}">
+                <a16:creationId xmlns:a16="http://schemas.microsoft.com/office/drawing/2014/main" id="{AB6552D6-2C9D-4D55-A0DD-865C76B319DD}"/>
+              </a:ext>
+            </a:extLst>
+          </p:cNvPr>
+          <p:cNvSpPr txBox="1"/>
+          <p:nvPr/>
+        </p:nvSpPr>
+        <p:spPr>
+          <a:xfrm>
+            <a:off x="860984" y="4440313"/>
+            <a:ext cx="3592138" cy="461665"/>
+          </a:xfrm>
+          <a:prstGeom prst="rect">
+            <a:avLst/>
+          </a:prstGeom>
+          <a:noFill/>
+        </p:spPr>
+        <p:txBody>
+          <a:bodyPr wrap="none" rtlCol="0">
+            <a:spAutoFit/>
+          </a:bodyPr>
+          <a:lstStyle/>
+          <a:p>
+            <a:pPr algn="ctr"/>
+            <a:r>
+              <a:rPr lang="en-US" altLang="zh-CN" sz="2400" u="sng" dirty="0"/>
+              <a:t>Manager &amp; </a:t>
+            </a:r>
+            <a:r>
+              <a:rPr lang="en-US" sz="2400" u="sng" dirty="0"/>
+              <a:t>Programmer</a:t>
+            </a:r>
+          </a:p>
+        </p:txBody>
+      </p:sp>
+    </p:spTree>
+    <p:extLst>
+      <p:ext uri="{BB962C8B-B14F-4D97-AF65-F5344CB8AC3E}">
+        <p14:creationId xmlns:p14="http://schemas.microsoft.com/office/powerpoint/2010/main" val="2609667207"/>
+      </p:ext>
+    </p:extLst>
+  </p:cSld>
+  <p:clrMapOvr>
+    <a:masterClrMapping/>
+  </p:clrMapOvr>
+</p:sld>
+</file>
+
+<file path=ppt/slides/slide21.xml><?xml version="1.0" encoding="utf-8"?>
+<p:sld xmlns:a="http://schemas.openxmlformats.org/drawingml/2006/main" xmlns:r="http://schemas.openxmlformats.org/officeDocument/2006/relationships" xmlns:p="http://schemas.openxmlformats.org/presentationml/2006/main">
+  <p:cSld>
+    <p:spTree>
+      <p:nvGrpSpPr>
+        <p:cNvPr id="1" name=""/>
+        <p:cNvGrpSpPr/>
+        <p:nvPr/>
+      </p:nvGrpSpPr>
+      <p:grpSpPr>
+        <a:xfrm>
+          <a:off x="0" y="0"/>
+          <a:ext cx="0" cy="0"/>
+          <a:chOff x="0" y="0"/>
+          <a:chExt cx="0" cy="0"/>
+        </a:xfrm>
+      </p:grpSpPr>
+      <p:pic>
+        <p:nvPicPr>
+          <p:cNvPr id="7" name="Picture 6">
+            <a:extLst>
+              <a:ext uri="{FF2B5EF4-FFF2-40B4-BE49-F238E27FC236}">
+                <a16:creationId xmlns:a16="http://schemas.microsoft.com/office/drawing/2014/main" id="{A5F379C7-7FA6-4ED9-A374-613F9AF24A54}"/>
+              </a:ext>
+            </a:extLst>
+          </p:cNvPr>
+          <p:cNvPicPr>
+            <a:picLocks noChangeAspect="1"/>
+          </p:cNvPicPr>
+          <p:nvPr/>
+        </p:nvPicPr>
+        <p:blipFill>
+          <a:blip r:embed="rId2">
+            <a:extLst>
+              <a:ext uri="{28A0092B-C50C-407E-A947-70E740481C1C}">
+                <a14:useLocalDpi xmlns:a14="http://schemas.microsoft.com/office/drawing/2010/main" val="0"/>
+              </a:ext>
+            </a:extLst>
+          </a:blip>
+          <a:stretch>
+            <a:fillRect/>
+          </a:stretch>
+        </p:blipFill>
+        <p:spPr>
+          <a:xfrm>
+            <a:off x="1715729" y="2317063"/>
+            <a:ext cx="1828800" cy="1828800"/>
+          </a:xfrm>
+          <a:prstGeom prst="rect">
+            <a:avLst/>
+          </a:prstGeom>
+        </p:spPr>
+      </p:pic>
+      <p:sp>
+        <p:nvSpPr>
+          <p:cNvPr id="37" name="TextBox 36"/>
+          <p:cNvSpPr txBox="1"/>
+          <p:nvPr/>
+        </p:nvSpPr>
+        <p:spPr>
+          <a:xfrm>
+            <a:off x="317713" y="356365"/>
+            <a:ext cx="11714135" cy="584775"/>
+          </a:xfrm>
+          <a:prstGeom prst="rect">
+            <a:avLst/>
+          </a:prstGeom>
+          <a:noFill/>
+        </p:spPr>
+        <p:txBody>
+          <a:bodyPr wrap="square" rtlCol="0">
+            <a:spAutoFit/>
+          </a:bodyPr>
+          <a:lstStyle/>
+          <a:p>
+            <a:r>
+              <a:rPr lang="en-US" sz="3200" dirty="0"/>
+              <a:t>Team - </a:t>
+            </a:r>
+            <a:r>
+              <a:rPr lang="zh-CN" altLang="en-US" sz="3200" dirty="0"/>
+              <a:t>团队</a:t>
+            </a:r>
+            <a:endParaRPr lang="en-US" sz="3200" dirty="0"/>
+          </a:p>
+        </p:txBody>
+      </p:sp>
+      <p:sp>
+        <p:nvSpPr>
+          <p:cNvPr id="42" name="TextBox 41">
+            <a:extLst>
+              <a:ext uri="{FF2B5EF4-FFF2-40B4-BE49-F238E27FC236}">
+                <a16:creationId xmlns:a16="http://schemas.microsoft.com/office/drawing/2014/main" id="{4A3F7263-CAE9-4071-9820-ABF7258653ED}"/>
+              </a:ext>
+            </a:extLst>
+          </p:cNvPr>
+          <p:cNvSpPr txBox="1"/>
+          <p:nvPr/>
+        </p:nvSpPr>
+        <p:spPr>
+          <a:xfrm>
+            <a:off x="1393636" y="1664333"/>
+            <a:ext cx="2472986" cy="461665"/>
+          </a:xfrm>
+          <a:prstGeom prst="rect">
+            <a:avLst/>
+          </a:prstGeom>
+          <a:noFill/>
+        </p:spPr>
+        <p:txBody>
+          <a:bodyPr wrap="none" rtlCol="0">
+            <a:spAutoFit/>
+          </a:bodyPr>
+          <a:lstStyle/>
+          <a:p>
+            <a:pPr algn="ctr"/>
+            <a:r>
+              <a:rPr lang="en-US" altLang="zh-CN" sz="2400" u="sng" dirty="0"/>
+              <a:t>Edward </a:t>
+            </a:r>
+            <a:r>
+              <a:rPr lang="en-US" altLang="zh-CN" sz="2400" u="sng" dirty="0" err="1"/>
+              <a:t>Southall</a:t>
+            </a:r>
+            <a:endParaRPr lang="en-US" sz="2400" u="sng" dirty="0"/>
+          </a:p>
+        </p:txBody>
+      </p:sp>
+      <p:sp>
+        <p:nvSpPr>
+          <p:cNvPr id="43" name="TextBox 42">
+            <a:extLst>
+              <a:ext uri="{FF2B5EF4-FFF2-40B4-BE49-F238E27FC236}">
+                <a16:creationId xmlns:a16="http://schemas.microsoft.com/office/drawing/2014/main" id="{E371D595-3D82-49A9-952D-6650E7AE5E5D}"/>
+              </a:ext>
+            </a:extLst>
+          </p:cNvPr>
+          <p:cNvSpPr txBox="1"/>
+          <p:nvPr/>
+        </p:nvSpPr>
+        <p:spPr>
+          <a:xfrm>
+            <a:off x="4512622" y="2238920"/>
+            <a:ext cx="7470187" cy="2215991"/>
+          </a:xfrm>
+          <a:prstGeom prst="rect">
+            <a:avLst/>
+          </a:prstGeom>
+          <a:noFill/>
+        </p:spPr>
+        <p:txBody>
+          <a:bodyPr wrap="none" rtlCol="0">
+            <a:spAutoFit/>
+          </a:bodyPr>
+          <a:lstStyle/>
+          <a:p>
+            <a:pPr marL="342900" indent="-342900">
+              <a:buFont typeface="Arial" panose="020B0604020202020204" pitchFamily="34" charset="0"/>
+              <a:buChar char="•"/>
+            </a:pPr>
+            <a:r>
+              <a:rPr lang="en-GB" sz="2300" dirty="0"/>
+              <a:t>Understands the overall structure of the software </a:t>
+            </a:r>
+          </a:p>
+          <a:p>
+            <a:r>
+              <a:rPr lang="en-GB" sz="2300" dirty="0"/>
+              <a:t>system. Must ensure a modular system and keeps </a:t>
+            </a:r>
+          </a:p>
+          <a:p>
+            <a:r>
+              <a:rPr lang="en-GB" sz="2300" dirty="0"/>
+              <a:t>an eye on the bigger picture. </a:t>
+            </a:r>
+          </a:p>
+          <a:p>
+            <a:pPr marL="342900" indent="-342900">
+              <a:buFont typeface="Arial" panose="020B0604020202020204" pitchFamily="34" charset="0"/>
+              <a:buChar char="•"/>
+            </a:pPr>
+            <a:r>
+              <a:rPr lang="en-GB" sz="2300" dirty="0"/>
+              <a:t>As with other roles, part of the build-master's job is </a:t>
+            </a:r>
+          </a:p>
+          <a:p>
+            <a:r>
+              <a:rPr lang="en-GB" sz="2300" dirty="0"/>
+              <a:t>to establish practices for others, and part is to </a:t>
+            </a:r>
+          </a:p>
+          <a:p>
+            <a:r>
+              <a:rPr lang="en-GB" sz="2300" dirty="0"/>
+              <a:t>administer the version and configuration system. </a:t>
+            </a:r>
+            <a:endParaRPr lang="en-US" sz="2300" u="sng" dirty="0"/>
+          </a:p>
+        </p:txBody>
+      </p:sp>
+      <p:sp>
+        <p:nvSpPr>
+          <p:cNvPr id="44" name="TextBox 43">
+            <a:extLst>
+              <a:ext uri="{FF2B5EF4-FFF2-40B4-BE49-F238E27FC236}">
+                <a16:creationId xmlns:a16="http://schemas.microsoft.com/office/drawing/2014/main" id="{AB6552D6-2C9D-4D55-A0DD-865C76B319DD}"/>
+              </a:ext>
+            </a:extLst>
+          </p:cNvPr>
+          <p:cNvSpPr txBox="1"/>
+          <p:nvPr/>
+        </p:nvSpPr>
+        <p:spPr>
+          <a:xfrm>
+            <a:off x="991379" y="4039413"/>
+            <a:ext cx="3277500" cy="830997"/>
+          </a:xfrm>
+          <a:prstGeom prst="rect">
+            <a:avLst/>
+          </a:prstGeom>
+          <a:noFill/>
+        </p:spPr>
+        <p:txBody>
+          <a:bodyPr wrap="none" rtlCol="0">
+            <a:spAutoFit/>
+          </a:bodyPr>
+          <a:lstStyle/>
+          <a:p>
+            <a:pPr algn="ctr"/>
+            <a:r>
+              <a:rPr lang="en-US" sz="2400" u="sng" dirty="0"/>
+              <a:t>System Architect &amp; </a:t>
+            </a:r>
+          </a:p>
+          <a:p>
+            <a:pPr algn="ctr"/>
+            <a:r>
+              <a:rPr lang="en-US" sz="2400" u="sng" dirty="0"/>
+              <a:t>Configuration Control</a:t>
+            </a:r>
+          </a:p>
+        </p:txBody>
+      </p:sp>
+    </p:spTree>
+    <p:extLst>
+      <p:ext uri="{BB962C8B-B14F-4D97-AF65-F5344CB8AC3E}">
+        <p14:creationId xmlns:p14="http://schemas.microsoft.com/office/powerpoint/2010/main" val="1371713412"/>
+      </p:ext>
+    </p:extLst>
+  </p:cSld>
+  <p:clrMapOvr>
+    <a:masterClrMapping/>
+  </p:clrMapOvr>
+</p:sld>
+</file>
+
+<file path=ppt/slides/slide22.xml><?xml version="1.0" encoding="utf-8"?>
+<p:sld xmlns:a="http://schemas.openxmlformats.org/drawingml/2006/main" xmlns:r="http://schemas.openxmlformats.org/officeDocument/2006/relationships" xmlns:p="http://schemas.openxmlformats.org/presentationml/2006/main">
+  <p:cSld>
+    <p:spTree>
+      <p:nvGrpSpPr>
+        <p:cNvPr id="1" name=""/>
+        <p:cNvGrpSpPr/>
+        <p:nvPr/>
+      </p:nvGrpSpPr>
+      <p:grpSpPr>
+        <a:xfrm>
+          <a:off x="0" y="0"/>
+          <a:ext cx="0" cy="0"/>
+          <a:chOff x="0" y="0"/>
+          <a:chExt cx="0" cy="0"/>
+        </a:xfrm>
+      </p:grpSpPr>
+      <p:pic>
+        <p:nvPicPr>
+          <p:cNvPr id="7" name="Picture 6">
+            <a:extLst>
+              <a:ext uri="{FF2B5EF4-FFF2-40B4-BE49-F238E27FC236}">
+                <a16:creationId xmlns:a16="http://schemas.microsoft.com/office/drawing/2014/main" id="{6184E221-A19B-4089-9D1E-9A31C16DA663}"/>
+              </a:ext>
+            </a:extLst>
+          </p:cNvPr>
+          <p:cNvPicPr>
+            <a:picLocks noChangeAspect="1"/>
+          </p:cNvPicPr>
+          <p:nvPr/>
+        </p:nvPicPr>
+        <p:blipFill>
+          <a:blip r:embed="rId2">
+            <a:extLst>
+              <a:ext uri="{28A0092B-C50C-407E-A947-70E740481C1C}">
+                <a14:useLocalDpi xmlns:a14="http://schemas.microsoft.com/office/drawing/2010/main" val="0"/>
+              </a:ext>
+            </a:extLst>
+          </a:blip>
+          <a:stretch>
+            <a:fillRect/>
+          </a:stretch>
+        </p:blipFill>
+        <p:spPr>
+          <a:xfrm>
+            <a:off x="1577184" y="2336738"/>
+            <a:ext cx="2142892" cy="2142892"/>
+          </a:xfrm>
+          <a:prstGeom prst="rect">
+            <a:avLst/>
+          </a:prstGeom>
+        </p:spPr>
+      </p:pic>
+      <p:sp>
+        <p:nvSpPr>
+          <p:cNvPr id="37" name="TextBox 36"/>
+          <p:cNvSpPr txBox="1"/>
+          <p:nvPr/>
+        </p:nvSpPr>
+        <p:spPr>
+          <a:xfrm>
+            <a:off x="317713" y="356365"/>
+            <a:ext cx="11714135" cy="584775"/>
+          </a:xfrm>
+          <a:prstGeom prst="rect">
+            <a:avLst/>
+          </a:prstGeom>
+          <a:noFill/>
+        </p:spPr>
+        <p:txBody>
+          <a:bodyPr wrap="square" rtlCol="0">
+            <a:spAutoFit/>
+          </a:bodyPr>
+          <a:lstStyle/>
+          <a:p>
+            <a:r>
+              <a:rPr lang="en-US" sz="3200" dirty="0"/>
+              <a:t>Team - </a:t>
+            </a:r>
+            <a:r>
+              <a:rPr lang="zh-CN" altLang="en-US" sz="3200" dirty="0"/>
+              <a:t>团队</a:t>
+            </a:r>
+            <a:endParaRPr lang="en-US" sz="3200" dirty="0"/>
+          </a:p>
+        </p:txBody>
+      </p:sp>
+      <p:sp>
+        <p:nvSpPr>
+          <p:cNvPr id="42" name="TextBox 41">
+            <a:extLst>
+              <a:ext uri="{FF2B5EF4-FFF2-40B4-BE49-F238E27FC236}">
+                <a16:creationId xmlns:a16="http://schemas.microsoft.com/office/drawing/2014/main" id="{4A3F7263-CAE9-4071-9820-ABF7258653ED}"/>
+              </a:ext>
+            </a:extLst>
+          </p:cNvPr>
+          <p:cNvSpPr txBox="1"/>
+          <p:nvPr/>
+        </p:nvSpPr>
+        <p:spPr>
+          <a:xfrm>
+            <a:off x="1845519" y="1664333"/>
+            <a:ext cx="1729961" cy="461665"/>
+          </a:xfrm>
+          <a:prstGeom prst="rect">
+            <a:avLst/>
+          </a:prstGeom>
+          <a:noFill/>
+        </p:spPr>
+        <p:txBody>
+          <a:bodyPr wrap="none" rtlCol="0">
+            <a:spAutoFit/>
+          </a:bodyPr>
+          <a:lstStyle/>
+          <a:p>
+            <a:pPr algn="ctr"/>
+            <a:r>
+              <a:rPr lang="en-US" altLang="zh-CN" sz="2400" u="sng" dirty="0"/>
+              <a:t>Zhao </a:t>
+            </a:r>
+            <a:r>
+              <a:rPr lang="en-US" altLang="zh-CN" sz="2400" u="sng" dirty="0" err="1"/>
+              <a:t>Zihao</a:t>
+            </a:r>
+            <a:endParaRPr lang="en-US" sz="2400" u="sng" dirty="0"/>
+          </a:p>
+        </p:txBody>
+      </p:sp>
+      <p:sp>
+        <p:nvSpPr>
+          <p:cNvPr id="43" name="TextBox 42">
+            <a:extLst>
+              <a:ext uri="{FF2B5EF4-FFF2-40B4-BE49-F238E27FC236}">
+                <a16:creationId xmlns:a16="http://schemas.microsoft.com/office/drawing/2014/main" id="{E371D595-3D82-49A9-952D-6650E7AE5E5D}"/>
+              </a:ext>
+            </a:extLst>
+          </p:cNvPr>
+          <p:cNvSpPr txBox="1"/>
+          <p:nvPr/>
+        </p:nvSpPr>
+        <p:spPr>
+          <a:xfrm>
+            <a:off x="4585855" y="2654131"/>
+            <a:ext cx="7546297" cy="1508105"/>
+          </a:xfrm>
+          <a:prstGeom prst="rect">
+            <a:avLst/>
+          </a:prstGeom>
+          <a:noFill/>
+        </p:spPr>
+        <p:txBody>
+          <a:bodyPr wrap="none" rtlCol="0">
+            <a:spAutoFit/>
+          </a:bodyPr>
+          <a:lstStyle/>
+          <a:p>
+            <a:r>
+              <a:rPr lang="en-GB" sz="2300" dirty="0"/>
+              <a:t>Ensures that quality goals are being met. Produces a </a:t>
+            </a:r>
+          </a:p>
+          <a:p>
+            <a:r>
+              <a:rPr lang="en-GB" sz="2300" dirty="0"/>
+              <a:t>good iteration and test plan and ensures it is executed </a:t>
+            </a:r>
+          </a:p>
+          <a:p>
+            <a:r>
+              <a:rPr lang="en-GB" sz="2300" dirty="0"/>
+              <a:t>at a high standard. Must establish standard practices </a:t>
+            </a:r>
+          </a:p>
+          <a:p>
+            <a:r>
+              <a:rPr lang="en-GB" sz="2300" dirty="0"/>
+              <a:t>and expectations. </a:t>
+            </a:r>
+            <a:endParaRPr lang="en-US" sz="2300" u="sng" dirty="0"/>
+          </a:p>
+        </p:txBody>
+      </p:sp>
+      <p:sp>
+        <p:nvSpPr>
+          <p:cNvPr id="44" name="TextBox 43">
+            <a:extLst>
+              <a:ext uri="{FF2B5EF4-FFF2-40B4-BE49-F238E27FC236}">
+                <a16:creationId xmlns:a16="http://schemas.microsoft.com/office/drawing/2014/main" id="{AB6552D6-2C9D-4D55-A0DD-865C76B319DD}"/>
+              </a:ext>
+            </a:extLst>
+          </p:cNvPr>
+          <p:cNvSpPr txBox="1"/>
+          <p:nvPr/>
+        </p:nvSpPr>
+        <p:spPr>
+          <a:xfrm>
+            <a:off x="1480837" y="4440313"/>
+            <a:ext cx="2352440" cy="461665"/>
+          </a:xfrm>
+          <a:prstGeom prst="rect">
+            <a:avLst/>
+          </a:prstGeom>
+          <a:noFill/>
+        </p:spPr>
+        <p:txBody>
+          <a:bodyPr wrap="none" rtlCol="0">
+            <a:spAutoFit/>
+          </a:bodyPr>
+          <a:lstStyle/>
+          <a:p>
+            <a:pPr algn="ctr"/>
+            <a:r>
+              <a:rPr lang="en-US" altLang="zh-CN" sz="2400" u="sng" dirty="0"/>
+              <a:t>Quality Control</a:t>
+            </a:r>
+            <a:endParaRPr lang="en-US" sz="2400" u="sng" dirty="0"/>
+          </a:p>
+        </p:txBody>
+      </p:sp>
+    </p:spTree>
+    <p:extLst>
+      <p:ext uri="{BB962C8B-B14F-4D97-AF65-F5344CB8AC3E}">
+        <p14:creationId xmlns:p14="http://schemas.microsoft.com/office/powerpoint/2010/main" val="3131802293"/>
+      </p:ext>
+    </p:extLst>
+  </p:cSld>
+  <p:clrMapOvr>
+    <a:masterClrMapping/>
+  </p:clrMapOvr>
+</p:sld>
+</file>
+
+<file path=ppt/slides/slide23.xml><?xml version="1.0" encoding="utf-8"?>
+<p:sld xmlns:a="http://schemas.openxmlformats.org/drawingml/2006/main" xmlns:r="http://schemas.openxmlformats.org/officeDocument/2006/relationships" xmlns:p="http://schemas.openxmlformats.org/presentationml/2006/main">
+  <p:cSld>
+    <p:spTree>
+      <p:nvGrpSpPr>
+        <p:cNvPr id="1" name=""/>
+        <p:cNvGrpSpPr/>
+        <p:nvPr/>
+      </p:nvGrpSpPr>
+      <p:grpSpPr>
+        <a:xfrm>
+          <a:off x="0" y="0"/>
+          <a:ext cx="0" cy="0"/>
+          <a:chOff x="0" y="0"/>
+          <a:chExt cx="0" cy="0"/>
+        </a:xfrm>
+      </p:grpSpPr>
+      <p:pic>
+        <p:nvPicPr>
+          <p:cNvPr id="7" name="Picture 6">
+            <a:extLst>
+              <a:ext uri="{FF2B5EF4-FFF2-40B4-BE49-F238E27FC236}">
+                <a16:creationId xmlns:a16="http://schemas.microsoft.com/office/drawing/2014/main" id="{16B5D336-88EB-4F30-81E8-9FD2F62BF8CD}"/>
+              </a:ext>
+            </a:extLst>
+          </p:cNvPr>
+          <p:cNvPicPr>
+            <a:picLocks noChangeAspect="1"/>
+          </p:cNvPicPr>
+          <p:nvPr/>
+        </p:nvPicPr>
+        <p:blipFill>
+          <a:blip r:embed="rId2">
+            <a:extLst>
+              <a:ext uri="{28A0092B-C50C-407E-A947-70E740481C1C}">
+                <a14:useLocalDpi xmlns:a14="http://schemas.microsoft.com/office/drawing/2010/main" val="0"/>
+              </a:ext>
+            </a:extLst>
+          </a:blip>
+          <a:stretch>
+            <a:fillRect/>
+          </a:stretch>
+        </p:blipFill>
+        <p:spPr>
+          <a:xfrm>
+            <a:off x="1543378" y="2376055"/>
+            <a:ext cx="2139696" cy="2139696"/>
+          </a:xfrm>
+          <a:prstGeom prst="rect">
+            <a:avLst/>
+          </a:prstGeom>
+        </p:spPr>
+      </p:pic>
+      <p:sp>
+        <p:nvSpPr>
+          <p:cNvPr id="37" name="TextBox 36"/>
+          <p:cNvSpPr txBox="1"/>
+          <p:nvPr/>
+        </p:nvSpPr>
+        <p:spPr>
+          <a:xfrm>
+            <a:off x="317713" y="356365"/>
+            <a:ext cx="11714135" cy="584775"/>
+          </a:xfrm>
+          <a:prstGeom prst="rect">
+            <a:avLst/>
+          </a:prstGeom>
+          <a:noFill/>
+        </p:spPr>
+        <p:txBody>
+          <a:bodyPr wrap="square" rtlCol="0">
+            <a:spAutoFit/>
+          </a:bodyPr>
+          <a:lstStyle/>
+          <a:p>
+            <a:r>
+              <a:rPr lang="en-US" sz="3200" dirty="0"/>
+              <a:t>Team - </a:t>
+            </a:r>
+            <a:r>
+              <a:rPr lang="zh-CN" altLang="en-US" sz="3200" dirty="0"/>
+              <a:t>团队</a:t>
+            </a:r>
+            <a:endParaRPr lang="en-US" sz="3200" dirty="0"/>
+          </a:p>
+        </p:txBody>
+      </p:sp>
+      <p:sp>
+        <p:nvSpPr>
+          <p:cNvPr id="42" name="TextBox 41">
+            <a:extLst>
+              <a:ext uri="{FF2B5EF4-FFF2-40B4-BE49-F238E27FC236}">
+                <a16:creationId xmlns:a16="http://schemas.microsoft.com/office/drawing/2014/main" id="{4A3F7263-CAE9-4071-9820-ABF7258653ED}"/>
+              </a:ext>
+            </a:extLst>
+          </p:cNvPr>
+          <p:cNvSpPr txBox="1"/>
+          <p:nvPr/>
+        </p:nvSpPr>
+        <p:spPr>
+          <a:xfrm>
+            <a:off x="1747607" y="1664333"/>
+            <a:ext cx="1925784" cy="461665"/>
+          </a:xfrm>
+          <a:prstGeom prst="rect">
+            <a:avLst/>
+          </a:prstGeom>
+          <a:noFill/>
+        </p:spPr>
+        <p:txBody>
+          <a:bodyPr wrap="none" rtlCol="0">
+            <a:spAutoFit/>
+          </a:bodyPr>
+          <a:lstStyle/>
+          <a:p>
+            <a:pPr algn="ctr"/>
+            <a:r>
+              <a:rPr lang="en-US" altLang="zh-CN" sz="2400" u="sng" dirty="0"/>
+              <a:t>Wang Si Wei</a:t>
+            </a:r>
+            <a:endParaRPr lang="en-US" sz="2400" u="sng" dirty="0"/>
+          </a:p>
+        </p:txBody>
+      </p:sp>
+      <p:sp>
+        <p:nvSpPr>
+          <p:cNvPr id="43" name="TextBox 42">
+            <a:extLst>
+              <a:ext uri="{FF2B5EF4-FFF2-40B4-BE49-F238E27FC236}">
+                <a16:creationId xmlns:a16="http://schemas.microsoft.com/office/drawing/2014/main" id="{E371D595-3D82-49A9-952D-6650E7AE5E5D}"/>
+              </a:ext>
+            </a:extLst>
+          </p:cNvPr>
+          <p:cNvSpPr txBox="1"/>
+          <p:nvPr/>
+        </p:nvSpPr>
+        <p:spPr>
+          <a:xfrm>
+            <a:off x="4483500" y="2674947"/>
+            <a:ext cx="7548348" cy="1508105"/>
+          </a:xfrm>
+          <a:prstGeom prst="rect">
+            <a:avLst/>
+          </a:prstGeom>
+          <a:noFill/>
+        </p:spPr>
+        <p:txBody>
+          <a:bodyPr wrap="none" rtlCol="0">
+            <a:spAutoFit/>
+          </a:bodyPr>
+          <a:lstStyle/>
+          <a:p>
+            <a:r>
+              <a:rPr lang="en-GB" sz="2300" dirty="0"/>
+              <a:t>Creates documentation for the users of the software </a:t>
+            </a:r>
+          </a:p>
+          <a:p>
+            <a:r>
+              <a:rPr lang="en-GB" sz="2300" dirty="0"/>
+              <a:t>system (end users and administration). Documentation</a:t>
+            </a:r>
+          </a:p>
+          <a:p>
+            <a:r>
+              <a:rPr lang="en-GB" sz="2300" dirty="0"/>
+              <a:t>may include user manuals, online help, web based </a:t>
+            </a:r>
+          </a:p>
+          <a:p>
+            <a:r>
+              <a:rPr lang="en-GB" sz="2300" dirty="0"/>
+              <a:t>documents and FAQs and information.</a:t>
+            </a:r>
+            <a:endParaRPr lang="en-US" sz="2300" u="sng" dirty="0"/>
+          </a:p>
+        </p:txBody>
+      </p:sp>
+      <p:sp>
+        <p:nvSpPr>
+          <p:cNvPr id="44" name="TextBox 43">
+            <a:extLst>
+              <a:ext uri="{FF2B5EF4-FFF2-40B4-BE49-F238E27FC236}">
+                <a16:creationId xmlns:a16="http://schemas.microsoft.com/office/drawing/2014/main" id="{AB6552D6-2C9D-4D55-A0DD-865C76B319DD}"/>
+              </a:ext>
+            </a:extLst>
+          </p:cNvPr>
+          <p:cNvSpPr txBox="1"/>
+          <p:nvPr/>
+        </p:nvSpPr>
+        <p:spPr>
+          <a:xfrm>
+            <a:off x="1126832" y="4440313"/>
+            <a:ext cx="3060453" cy="461665"/>
+          </a:xfrm>
+          <a:prstGeom prst="rect">
+            <a:avLst/>
+          </a:prstGeom>
+          <a:noFill/>
+        </p:spPr>
+        <p:txBody>
+          <a:bodyPr wrap="none" rtlCol="0">
+            <a:spAutoFit/>
+          </a:bodyPr>
+          <a:lstStyle/>
+          <a:p>
+            <a:pPr algn="ctr"/>
+            <a:r>
+              <a:rPr lang="en-US" altLang="zh-CN" sz="2400" u="sng" dirty="0"/>
+              <a:t>User Documentation</a:t>
+            </a:r>
+            <a:endParaRPr lang="en-US" sz="2400" u="sng" dirty="0"/>
+          </a:p>
+        </p:txBody>
+      </p:sp>
+    </p:spTree>
+    <p:extLst>
+      <p:ext uri="{BB962C8B-B14F-4D97-AF65-F5344CB8AC3E}">
+        <p14:creationId xmlns:p14="http://schemas.microsoft.com/office/powerpoint/2010/main" val="1077096825"/>
+      </p:ext>
+    </p:extLst>
+  </p:cSld>
+  <p:clrMapOvr>
+    <a:masterClrMapping/>
+  </p:clrMapOvr>
+</p:sld>
+</file>
+
+<file path=ppt/slides/slide24.xml><?xml version="1.0" encoding="utf-8"?>
+<p:sld xmlns:a="http://schemas.openxmlformats.org/drawingml/2006/main" xmlns:r="http://schemas.openxmlformats.org/officeDocument/2006/relationships" xmlns:p="http://schemas.openxmlformats.org/presentationml/2006/main">
+  <p:cSld>
+    <p:spTree>
+      <p:nvGrpSpPr>
+        <p:cNvPr id="1" name=""/>
+        <p:cNvGrpSpPr/>
+        <p:nvPr/>
+      </p:nvGrpSpPr>
+      <p:grpSpPr>
+        <a:xfrm>
+          <a:off x="0" y="0"/>
+          <a:ext cx="0" cy="0"/>
+          <a:chOff x="0" y="0"/>
+          <a:chExt cx="0" cy="0"/>
+        </a:xfrm>
+      </p:grpSpPr>
+      <p:pic>
+        <p:nvPicPr>
+          <p:cNvPr id="7" name="Picture 6">
+            <a:extLst>
+              <a:ext uri="{FF2B5EF4-FFF2-40B4-BE49-F238E27FC236}">
+                <a16:creationId xmlns:a16="http://schemas.microsoft.com/office/drawing/2014/main" id="{A4CA4BC7-3C37-476D-9DB5-6110BB9DEE0D}"/>
+              </a:ext>
+            </a:extLst>
+          </p:cNvPr>
+          <p:cNvPicPr>
+            <a:picLocks noChangeAspect="1"/>
+          </p:cNvPicPr>
+          <p:nvPr/>
+        </p:nvPicPr>
+        <p:blipFill>
+          <a:blip r:embed="rId2">
+            <a:extLst>
+              <a:ext uri="{28A0092B-C50C-407E-A947-70E740481C1C}">
+                <a14:useLocalDpi xmlns:a14="http://schemas.microsoft.com/office/drawing/2010/main" val="0"/>
+              </a:ext>
+            </a:extLst>
+          </a:blip>
+          <a:stretch>
+            <a:fillRect/>
+          </a:stretch>
+        </p:blipFill>
+        <p:spPr>
+          <a:xfrm>
+            <a:off x="1543378" y="2342249"/>
+            <a:ext cx="2139696" cy="2139696"/>
+          </a:xfrm>
+          <a:prstGeom prst="rect">
+            <a:avLst/>
+          </a:prstGeom>
+        </p:spPr>
+      </p:pic>
+      <p:sp>
+        <p:nvSpPr>
+          <p:cNvPr id="37" name="TextBox 36"/>
+          <p:cNvSpPr txBox="1"/>
+          <p:nvPr/>
+        </p:nvSpPr>
+        <p:spPr>
+          <a:xfrm>
+            <a:off x="317713" y="356365"/>
+            <a:ext cx="11714135" cy="584775"/>
+          </a:xfrm>
+          <a:prstGeom prst="rect">
+            <a:avLst/>
+          </a:prstGeom>
+          <a:noFill/>
+        </p:spPr>
+        <p:txBody>
+          <a:bodyPr wrap="square" rtlCol="0">
+            <a:spAutoFit/>
+          </a:bodyPr>
+          <a:lstStyle/>
+          <a:p>
+            <a:r>
+              <a:rPr lang="en-US" sz="3200" dirty="0"/>
+              <a:t>Team - </a:t>
+            </a:r>
+            <a:r>
+              <a:rPr lang="zh-CN" altLang="en-US" sz="3200" dirty="0"/>
+              <a:t>团队</a:t>
+            </a:r>
+            <a:endParaRPr lang="en-US" sz="3200" dirty="0"/>
+          </a:p>
+        </p:txBody>
+      </p:sp>
+      <p:sp>
+        <p:nvSpPr>
+          <p:cNvPr id="42" name="TextBox 41">
+            <a:extLst>
+              <a:ext uri="{FF2B5EF4-FFF2-40B4-BE49-F238E27FC236}">
+                <a16:creationId xmlns:a16="http://schemas.microsoft.com/office/drawing/2014/main" id="{4A3F7263-CAE9-4071-9820-ABF7258653ED}"/>
+              </a:ext>
+            </a:extLst>
+          </p:cNvPr>
+          <p:cNvSpPr txBox="1"/>
+          <p:nvPr/>
+        </p:nvSpPr>
+        <p:spPr>
+          <a:xfrm>
+            <a:off x="1757353" y="1664333"/>
+            <a:ext cx="1906291" cy="461665"/>
+          </a:xfrm>
+          <a:prstGeom prst="rect">
+            <a:avLst/>
+          </a:prstGeom>
+          <a:noFill/>
+        </p:spPr>
+        <p:txBody>
+          <a:bodyPr wrap="none" rtlCol="0">
+            <a:spAutoFit/>
+          </a:bodyPr>
+          <a:lstStyle/>
+          <a:p>
+            <a:pPr algn="ctr"/>
+            <a:r>
+              <a:rPr lang="en-US" altLang="zh-CN" sz="2400" u="sng" dirty="0"/>
+              <a:t>Hannah Jury</a:t>
+            </a:r>
+            <a:endParaRPr lang="en-US" sz="2400" u="sng" dirty="0"/>
+          </a:p>
+        </p:txBody>
+      </p:sp>
+      <p:sp>
+        <p:nvSpPr>
+          <p:cNvPr id="43" name="TextBox 42">
+            <a:extLst>
+              <a:ext uri="{FF2B5EF4-FFF2-40B4-BE49-F238E27FC236}">
+                <a16:creationId xmlns:a16="http://schemas.microsoft.com/office/drawing/2014/main" id="{E371D595-3D82-49A9-952D-6650E7AE5E5D}"/>
+              </a:ext>
+            </a:extLst>
+          </p:cNvPr>
+          <p:cNvSpPr txBox="1"/>
+          <p:nvPr/>
+        </p:nvSpPr>
+        <p:spPr>
+          <a:xfrm>
+            <a:off x="4553947" y="2481073"/>
+            <a:ext cx="7638053" cy="1862048"/>
+          </a:xfrm>
+          <a:prstGeom prst="rect">
+            <a:avLst/>
+          </a:prstGeom>
+          <a:noFill/>
+        </p:spPr>
+        <p:txBody>
+          <a:bodyPr wrap="none" rtlCol="0">
+            <a:spAutoFit/>
+          </a:bodyPr>
+          <a:lstStyle/>
+          <a:p>
+            <a:r>
+              <a:rPr lang="en-GB" sz="2300" dirty="0"/>
+              <a:t>Understanding and communication the system </a:t>
+            </a:r>
+          </a:p>
+          <a:p>
+            <a:r>
+              <a:rPr lang="en-GB" sz="2300" dirty="0"/>
+              <a:t>requirements (which define the functional behaviour </a:t>
+            </a:r>
+          </a:p>
+          <a:p>
+            <a:r>
+              <a:rPr lang="en-GB" sz="2300" dirty="0"/>
+              <a:t>and qualities). Identifies the stakeholders, eliciting </a:t>
+            </a:r>
+          </a:p>
+          <a:p>
+            <a:r>
+              <a:rPr lang="en-GB" sz="2300" dirty="0"/>
+              <a:t>requirements, establishing priorities and documenting </a:t>
+            </a:r>
+          </a:p>
+          <a:p>
+            <a:r>
+              <a:rPr lang="en-GB" sz="2300" dirty="0"/>
+              <a:t>progress. </a:t>
+            </a:r>
+            <a:endParaRPr lang="en-US" sz="2300" u="sng" dirty="0"/>
+          </a:p>
+        </p:txBody>
+      </p:sp>
+      <p:sp>
+        <p:nvSpPr>
+          <p:cNvPr id="44" name="TextBox 43">
+            <a:extLst>
+              <a:ext uri="{FF2B5EF4-FFF2-40B4-BE49-F238E27FC236}">
+                <a16:creationId xmlns:a16="http://schemas.microsoft.com/office/drawing/2014/main" id="{AB6552D6-2C9D-4D55-A0DD-865C76B319DD}"/>
+              </a:ext>
+            </a:extLst>
+          </p:cNvPr>
+          <p:cNvSpPr txBox="1"/>
+          <p:nvPr/>
+        </p:nvSpPr>
+        <p:spPr>
+          <a:xfrm>
+            <a:off x="1025361" y="4440313"/>
+            <a:ext cx="3263394" cy="461665"/>
+          </a:xfrm>
+          <a:prstGeom prst="rect">
+            <a:avLst/>
+          </a:prstGeom>
+          <a:noFill/>
+        </p:spPr>
+        <p:txBody>
+          <a:bodyPr wrap="none" rtlCol="0">
+            <a:spAutoFit/>
+          </a:bodyPr>
+          <a:lstStyle/>
+          <a:p>
+            <a:pPr algn="ctr"/>
+            <a:r>
+              <a:rPr lang="en-US" altLang="zh-CN" sz="2400" u="sng" dirty="0"/>
+              <a:t>Requirements Analyst</a:t>
+            </a:r>
+            <a:endParaRPr lang="en-US" sz="2400" u="sng" dirty="0"/>
+          </a:p>
+        </p:txBody>
+      </p:sp>
+    </p:spTree>
+    <p:extLst>
+      <p:ext uri="{BB962C8B-B14F-4D97-AF65-F5344CB8AC3E}">
+        <p14:creationId xmlns:p14="http://schemas.microsoft.com/office/powerpoint/2010/main" val="621675475"/>
+      </p:ext>
+    </p:extLst>
+  </p:cSld>
+  <p:clrMapOvr>
+    <a:masterClrMapping/>
+  </p:clrMapOvr>
+</p:sld>
+</file>
+
+<file path=ppt/slides/slide25.xml><?xml version="1.0" encoding="utf-8"?>
+<p:sld xmlns:a="http://schemas.openxmlformats.org/drawingml/2006/main" xmlns:r="http://schemas.openxmlformats.org/officeDocument/2006/relationships" xmlns:p="http://schemas.openxmlformats.org/presentationml/2006/main">
+  <p:cSld>
+    <p:spTree>
+      <p:nvGrpSpPr>
+        <p:cNvPr id="1" name=""/>
+        <p:cNvGrpSpPr/>
+        <p:nvPr/>
+      </p:nvGrpSpPr>
+      <p:grpSpPr>
+        <a:xfrm>
+          <a:off x="0" y="0"/>
+          <a:ext cx="0" cy="0"/>
+          <a:chOff x="0" y="0"/>
+          <a:chExt cx="0" cy="0"/>
+        </a:xfrm>
+      </p:grpSpPr>
+      <p:pic>
+        <p:nvPicPr>
+          <p:cNvPr id="7" name="Picture 6">
+            <a:extLst>
+              <a:ext uri="{FF2B5EF4-FFF2-40B4-BE49-F238E27FC236}">
+                <a16:creationId xmlns:a16="http://schemas.microsoft.com/office/drawing/2014/main" id="{CB5B3A05-3618-4452-B08B-E3E13C408F7B}"/>
+              </a:ext>
+            </a:extLst>
+          </p:cNvPr>
+          <p:cNvPicPr>
+            <a:picLocks noChangeAspect="1"/>
+          </p:cNvPicPr>
+          <p:nvPr/>
+        </p:nvPicPr>
+        <p:blipFill>
+          <a:blip r:embed="rId2">
+            <a:extLst>
+              <a:ext uri="{28A0092B-C50C-407E-A947-70E740481C1C}">
+                <a14:useLocalDpi xmlns:a14="http://schemas.microsoft.com/office/drawing/2010/main" val="0"/>
+              </a:ext>
+            </a:extLst>
+          </a:blip>
+          <a:stretch>
+            <a:fillRect/>
+          </a:stretch>
+        </p:blipFill>
+        <p:spPr>
+          <a:xfrm>
+            <a:off x="1543378" y="2300617"/>
+            <a:ext cx="2139696" cy="2139696"/>
+          </a:xfrm>
+          <a:prstGeom prst="rect">
+            <a:avLst/>
+          </a:prstGeom>
+        </p:spPr>
+      </p:pic>
+      <p:sp>
+        <p:nvSpPr>
+          <p:cNvPr id="37" name="TextBox 36"/>
+          <p:cNvSpPr txBox="1"/>
+          <p:nvPr/>
+        </p:nvSpPr>
+        <p:spPr>
+          <a:xfrm>
+            <a:off x="317713" y="356365"/>
+            <a:ext cx="11714135" cy="584775"/>
+          </a:xfrm>
+          <a:prstGeom prst="rect">
+            <a:avLst/>
+          </a:prstGeom>
+          <a:noFill/>
+        </p:spPr>
+        <p:txBody>
+          <a:bodyPr wrap="square" rtlCol="0">
+            <a:spAutoFit/>
+          </a:bodyPr>
+          <a:lstStyle/>
+          <a:p>
+            <a:r>
+              <a:rPr lang="en-US" sz="3200" dirty="0"/>
+              <a:t>Team - </a:t>
+            </a:r>
+            <a:r>
+              <a:rPr lang="zh-CN" altLang="en-US" sz="3200" dirty="0"/>
+              <a:t>团队</a:t>
+            </a:r>
+            <a:endParaRPr lang="en-US" sz="3200" dirty="0"/>
+          </a:p>
+        </p:txBody>
+      </p:sp>
+      <p:sp>
+        <p:nvSpPr>
+          <p:cNvPr id="42" name="TextBox 41">
+            <a:extLst>
+              <a:ext uri="{FF2B5EF4-FFF2-40B4-BE49-F238E27FC236}">
+                <a16:creationId xmlns:a16="http://schemas.microsoft.com/office/drawing/2014/main" id="{4A3F7263-CAE9-4071-9820-ABF7258653ED}"/>
+              </a:ext>
+            </a:extLst>
+          </p:cNvPr>
+          <p:cNvSpPr txBox="1"/>
+          <p:nvPr/>
+        </p:nvSpPr>
+        <p:spPr>
+          <a:xfrm>
+            <a:off x="1656367" y="1664333"/>
+            <a:ext cx="2108270" cy="461665"/>
+          </a:xfrm>
+          <a:prstGeom prst="rect">
+            <a:avLst/>
+          </a:prstGeom>
+          <a:noFill/>
+        </p:spPr>
+        <p:txBody>
+          <a:bodyPr wrap="none" rtlCol="0">
+            <a:spAutoFit/>
+          </a:bodyPr>
+          <a:lstStyle/>
+          <a:p>
+            <a:pPr algn="ctr"/>
+            <a:r>
+              <a:rPr lang="en-US" altLang="zh-CN" sz="2400" u="sng" dirty="0"/>
+              <a:t>Samuel Eadie</a:t>
+            </a:r>
+            <a:endParaRPr lang="en-US" sz="2400" u="sng" dirty="0"/>
+          </a:p>
+        </p:txBody>
+      </p:sp>
+      <p:sp>
+        <p:nvSpPr>
+          <p:cNvPr id="43" name="TextBox 42">
+            <a:extLst>
+              <a:ext uri="{FF2B5EF4-FFF2-40B4-BE49-F238E27FC236}">
+                <a16:creationId xmlns:a16="http://schemas.microsoft.com/office/drawing/2014/main" id="{E371D595-3D82-49A9-952D-6650E7AE5E5D}"/>
+              </a:ext>
+            </a:extLst>
+          </p:cNvPr>
+          <p:cNvSpPr txBox="1"/>
+          <p:nvPr/>
+        </p:nvSpPr>
+        <p:spPr>
+          <a:xfrm>
+            <a:off x="4585855" y="2439441"/>
+            <a:ext cx="7586179" cy="1862048"/>
+          </a:xfrm>
+          <a:prstGeom prst="rect">
+            <a:avLst/>
+          </a:prstGeom>
+          <a:noFill/>
+        </p:spPr>
+        <p:txBody>
+          <a:bodyPr wrap="none" rtlCol="0">
+            <a:spAutoFit/>
+          </a:bodyPr>
+          <a:lstStyle/>
+          <a:p>
+            <a:r>
+              <a:rPr lang="en-GB" sz="2300" dirty="0"/>
+              <a:t>Documentation written for developers and maintainers</a:t>
+            </a:r>
+          </a:p>
+          <a:p>
+            <a:r>
+              <a:rPr lang="en-GB" sz="2300" dirty="0"/>
+              <a:t>of a system. Includes formal requirements, design </a:t>
+            </a:r>
+          </a:p>
+          <a:p>
+            <a:r>
+              <a:rPr lang="en-GB" sz="2300" dirty="0"/>
+              <a:t>documents, README files and comments in code. </a:t>
+            </a:r>
+          </a:p>
+          <a:p>
+            <a:r>
+              <a:rPr lang="en-GB" sz="2300" dirty="0"/>
+              <a:t>Also coordinates work of several people to ensure it </a:t>
+            </a:r>
+          </a:p>
+          <a:p>
+            <a:r>
+              <a:rPr lang="en-GB" sz="2300" dirty="0"/>
+              <a:t>is consistent.</a:t>
+            </a:r>
+            <a:endParaRPr lang="en-US" sz="2300" u="sng" dirty="0"/>
+          </a:p>
+        </p:txBody>
+      </p:sp>
+      <p:sp>
+        <p:nvSpPr>
+          <p:cNvPr id="44" name="TextBox 43">
+            <a:extLst>
+              <a:ext uri="{FF2B5EF4-FFF2-40B4-BE49-F238E27FC236}">
+                <a16:creationId xmlns:a16="http://schemas.microsoft.com/office/drawing/2014/main" id="{AB6552D6-2C9D-4D55-A0DD-865C76B319DD}"/>
+              </a:ext>
+            </a:extLst>
+          </p:cNvPr>
+          <p:cNvSpPr txBox="1"/>
+          <p:nvPr/>
+        </p:nvSpPr>
+        <p:spPr>
+          <a:xfrm>
+            <a:off x="777022" y="4440313"/>
+            <a:ext cx="3760068" cy="461665"/>
+          </a:xfrm>
+          <a:prstGeom prst="rect">
+            <a:avLst/>
+          </a:prstGeom>
+          <a:noFill/>
+        </p:spPr>
+        <p:txBody>
+          <a:bodyPr wrap="none" rtlCol="0">
+            <a:spAutoFit/>
+          </a:bodyPr>
+          <a:lstStyle/>
+          <a:p>
+            <a:pPr algn="ctr"/>
+            <a:r>
+              <a:rPr lang="en-US" altLang="zh-CN" sz="2400" u="sng" dirty="0"/>
+              <a:t>Technical Documentation</a:t>
+            </a:r>
+            <a:endParaRPr lang="en-US" sz="2400" u="sng" dirty="0"/>
+          </a:p>
+        </p:txBody>
+      </p:sp>
+    </p:spTree>
+    <p:extLst>
+      <p:ext uri="{BB962C8B-B14F-4D97-AF65-F5344CB8AC3E}">
+        <p14:creationId xmlns:p14="http://schemas.microsoft.com/office/powerpoint/2010/main" val="3398729559"/>
+      </p:ext>
+    </p:extLst>
+  </p:cSld>
+  <p:clrMapOvr>
+    <a:masterClrMapping/>
+  </p:clrMapOvr>
+</p:sld>
+</file>
+
+<file path=ppt/slides/slide26.xml><?xml version="1.0" encoding="utf-8"?>
+<p:sld xmlns:a="http://schemas.openxmlformats.org/drawingml/2006/main" xmlns:r="http://schemas.openxmlformats.org/officeDocument/2006/relationships" xmlns:p="http://schemas.openxmlformats.org/presentationml/2006/main">
+  <p:cSld>
+    <p:spTree>
+      <p:nvGrpSpPr>
+        <p:cNvPr id="1" name=""/>
+        <p:cNvGrpSpPr/>
+        <p:nvPr/>
+      </p:nvGrpSpPr>
+      <p:grpSpPr>
+        <a:xfrm>
+          <a:off x="0" y="0"/>
+          <a:ext cx="0" cy="0"/>
+          <a:chOff x="0" y="0"/>
+          <a:chExt cx="0" cy="0"/>
+        </a:xfrm>
+      </p:grpSpPr>
+      <p:pic>
+        <p:nvPicPr>
+          <p:cNvPr id="7" name="Picture 6">
+            <a:extLst>
+              <a:ext uri="{FF2B5EF4-FFF2-40B4-BE49-F238E27FC236}">
+                <a16:creationId xmlns:a16="http://schemas.microsoft.com/office/drawing/2014/main" id="{9361A174-62E6-4E37-A9A4-030F4E68485C}"/>
+              </a:ext>
+            </a:extLst>
+          </p:cNvPr>
+          <p:cNvPicPr>
+            <a:picLocks noChangeAspect="1"/>
+          </p:cNvPicPr>
+          <p:nvPr/>
+        </p:nvPicPr>
+        <p:blipFill>
+          <a:blip r:embed="rId2">
+            <a:extLst>
+              <a:ext uri="{28A0092B-C50C-407E-A947-70E740481C1C}">
+                <a14:useLocalDpi xmlns:a14="http://schemas.microsoft.com/office/drawing/2010/main" val="0"/>
+              </a:ext>
+            </a:extLst>
+          </a:blip>
+          <a:stretch>
+            <a:fillRect/>
+          </a:stretch>
+        </p:blipFill>
+        <p:spPr>
+          <a:xfrm>
+            <a:off x="1577184" y="2376055"/>
+            <a:ext cx="2139696" cy="2139696"/>
+          </a:xfrm>
+          <a:prstGeom prst="rect">
+            <a:avLst/>
+          </a:prstGeom>
+        </p:spPr>
+      </p:pic>
+      <p:sp>
+        <p:nvSpPr>
+          <p:cNvPr id="37" name="TextBox 36"/>
+          <p:cNvSpPr txBox="1"/>
+          <p:nvPr/>
+        </p:nvSpPr>
+        <p:spPr>
+          <a:xfrm>
+            <a:off x="317713" y="356365"/>
+            <a:ext cx="11714135" cy="584775"/>
+          </a:xfrm>
+          <a:prstGeom prst="rect">
+            <a:avLst/>
+          </a:prstGeom>
+          <a:noFill/>
+        </p:spPr>
+        <p:txBody>
+          <a:bodyPr wrap="square" rtlCol="0">
+            <a:spAutoFit/>
+          </a:bodyPr>
+          <a:lstStyle/>
+          <a:p>
+            <a:r>
+              <a:rPr lang="en-US" sz="3200" dirty="0"/>
+              <a:t>Team - </a:t>
+            </a:r>
+            <a:r>
+              <a:rPr lang="zh-CN" altLang="en-US" sz="3200" dirty="0"/>
+              <a:t>团队</a:t>
+            </a:r>
+            <a:endParaRPr lang="en-US" sz="3200" dirty="0"/>
+          </a:p>
+        </p:txBody>
+      </p:sp>
+      <p:sp>
+        <p:nvSpPr>
+          <p:cNvPr id="42" name="TextBox 41">
+            <a:extLst>
+              <a:ext uri="{FF2B5EF4-FFF2-40B4-BE49-F238E27FC236}">
+                <a16:creationId xmlns:a16="http://schemas.microsoft.com/office/drawing/2014/main" id="{4A3F7263-CAE9-4071-9820-ABF7258653ED}"/>
+              </a:ext>
+            </a:extLst>
+          </p:cNvPr>
+          <p:cNvSpPr txBox="1"/>
+          <p:nvPr/>
+        </p:nvSpPr>
+        <p:spPr>
+          <a:xfrm>
+            <a:off x="1462275" y="1664333"/>
+            <a:ext cx="2496453" cy="461665"/>
+          </a:xfrm>
+          <a:prstGeom prst="rect">
+            <a:avLst/>
+          </a:prstGeom>
+          <a:noFill/>
+        </p:spPr>
+        <p:txBody>
+          <a:bodyPr wrap="none" rtlCol="0">
+            <a:spAutoFit/>
+          </a:bodyPr>
+          <a:lstStyle/>
+          <a:p>
+            <a:pPr algn="ctr"/>
+            <a:r>
+              <a:rPr lang="en-US" altLang="zh-CN" sz="2400" u="sng" dirty="0"/>
+              <a:t>Adrian </a:t>
+            </a:r>
+            <a:r>
+              <a:rPr lang="en-US" altLang="zh-CN" sz="2400" u="sng" dirty="0" err="1"/>
+              <a:t>Rahardjo</a:t>
+            </a:r>
+            <a:endParaRPr lang="en-US" sz="2400" u="sng" dirty="0"/>
+          </a:p>
+        </p:txBody>
+      </p:sp>
+      <p:sp>
+        <p:nvSpPr>
+          <p:cNvPr id="43" name="TextBox 42">
+            <a:extLst>
+              <a:ext uri="{FF2B5EF4-FFF2-40B4-BE49-F238E27FC236}">
+                <a16:creationId xmlns:a16="http://schemas.microsoft.com/office/drawing/2014/main" id="{E371D595-3D82-49A9-952D-6650E7AE5E5D}"/>
+              </a:ext>
+            </a:extLst>
+          </p:cNvPr>
+          <p:cNvSpPr txBox="1"/>
+          <p:nvPr/>
+        </p:nvSpPr>
+        <p:spPr>
+          <a:xfrm>
+            <a:off x="4533300" y="2851919"/>
+            <a:ext cx="7658700" cy="1154162"/>
+          </a:xfrm>
+          <a:prstGeom prst="rect">
+            <a:avLst/>
+          </a:prstGeom>
+          <a:noFill/>
+        </p:spPr>
+        <p:txBody>
+          <a:bodyPr wrap="none" rtlCol="0">
+            <a:spAutoFit/>
+          </a:bodyPr>
+          <a:lstStyle/>
+          <a:p>
+            <a:r>
+              <a:rPr lang="en-GB" sz="2300" dirty="0"/>
+              <a:t>Usability expert who takes usability into consideration. </a:t>
+            </a:r>
+          </a:p>
+          <a:p>
+            <a:r>
+              <a:rPr lang="en-GB" sz="2300" dirty="0"/>
+              <a:t>Responsible for ensuring that usability decisions are </a:t>
+            </a:r>
+          </a:p>
+          <a:p>
+            <a:r>
+              <a:rPr lang="en-GB" sz="2300" dirty="0"/>
+              <a:t>not overlooked. </a:t>
+            </a:r>
+            <a:endParaRPr lang="en-US" sz="2300" u="sng" dirty="0"/>
+          </a:p>
+        </p:txBody>
+      </p:sp>
+      <p:sp>
+        <p:nvSpPr>
+          <p:cNvPr id="44" name="TextBox 43">
+            <a:extLst>
+              <a:ext uri="{FF2B5EF4-FFF2-40B4-BE49-F238E27FC236}">
+                <a16:creationId xmlns:a16="http://schemas.microsoft.com/office/drawing/2014/main" id="{AB6552D6-2C9D-4D55-A0DD-865C76B319DD}"/>
+              </a:ext>
+            </a:extLst>
+          </p:cNvPr>
+          <p:cNvSpPr txBox="1"/>
+          <p:nvPr/>
+        </p:nvSpPr>
+        <p:spPr>
+          <a:xfrm>
+            <a:off x="1565411" y="4440313"/>
+            <a:ext cx="2183290" cy="461665"/>
+          </a:xfrm>
+          <a:prstGeom prst="rect">
+            <a:avLst/>
+          </a:prstGeom>
+          <a:noFill/>
+        </p:spPr>
+        <p:txBody>
+          <a:bodyPr wrap="none" rtlCol="0">
+            <a:spAutoFit/>
+          </a:bodyPr>
+          <a:lstStyle/>
+          <a:p>
+            <a:pPr algn="ctr"/>
+            <a:r>
+              <a:rPr lang="en-US" altLang="zh-CN" sz="2400" u="sng" dirty="0"/>
+              <a:t>User Interface</a:t>
+            </a:r>
+            <a:endParaRPr lang="en-US" sz="2400" u="sng" dirty="0"/>
+          </a:p>
+        </p:txBody>
+      </p:sp>
+    </p:spTree>
+    <p:extLst>
+      <p:ext uri="{BB962C8B-B14F-4D97-AF65-F5344CB8AC3E}">
+        <p14:creationId xmlns:p14="http://schemas.microsoft.com/office/powerpoint/2010/main" val="1481896911"/>
+      </p:ext>
+    </p:extLst>
+  </p:cSld>
+  <p:clrMapOvr>
+    <a:masterClrMapping/>
+  </p:clrMapOvr>
+</p:sld>
+</file>
+
+<file path=ppt/slides/slide27.xml><?xml version="1.0" encoding="utf-8"?>
+<p:sld xmlns:a="http://schemas.openxmlformats.org/drawingml/2006/main" xmlns:r="http://schemas.openxmlformats.org/officeDocument/2006/relationships" xmlns:p="http://schemas.openxmlformats.org/presentationml/2006/main">
+  <p:cSld>
+    <p:spTree>
+      <p:nvGrpSpPr>
+        <p:cNvPr id="1" name=""/>
+        <p:cNvGrpSpPr/>
+        <p:nvPr/>
+      </p:nvGrpSpPr>
+      <p:grpSpPr>
+        <a:xfrm>
+          <a:off x="0" y="0"/>
+          <a:ext cx="0" cy="0"/>
+          <a:chOff x="0" y="0"/>
+          <a:chExt cx="0" cy="0"/>
+        </a:xfrm>
+      </p:grpSpPr>
+      <p:sp>
+        <p:nvSpPr>
+          <p:cNvPr id="37" name="TextBox 36"/>
+          <p:cNvSpPr txBox="1"/>
+          <p:nvPr/>
+        </p:nvSpPr>
+        <p:spPr>
+          <a:xfrm>
+            <a:off x="317713" y="356365"/>
+            <a:ext cx="11714135" cy="584775"/>
+          </a:xfrm>
+          <a:prstGeom prst="rect">
+            <a:avLst/>
+          </a:prstGeom>
+          <a:noFill/>
+        </p:spPr>
+        <p:txBody>
+          <a:bodyPr wrap="square" rtlCol="0">
+            <a:spAutoFit/>
+          </a:bodyPr>
+          <a:lstStyle/>
+          <a:p>
+            <a:r>
+              <a:rPr lang="en-US" sz="3200" dirty="0"/>
+              <a:t>Team - </a:t>
+            </a:r>
+            <a:r>
+              <a:rPr lang="zh-CN" altLang="en-US" sz="3200" dirty="0"/>
+              <a:t>团队</a:t>
+            </a:r>
+            <a:endParaRPr lang="en-US" sz="3200" dirty="0"/>
+          </a:p>
+        </p:txBody>
+      </p:sp>
+      <p:sp>
+        <p:nvSpPr>
+          <p:cNvPr id="42" name="TextBox 41">
+            <a:extLst>
+              <a:ext uri="{FF2B5EF4-FFF2-40B4-BE49-F238E27FC236}">
+                <a16:creationId xmlns:a16="http://schemas.microsoft.com/office/drawing/2014/main" id="{4A3F7263-CAE9-4071-9820-ABF7258653ED}"/>
+              </a:ext>
+            </a:extLst>
+          </p:cNvPr>
+          <p:cNvSpPr txBox="1"/>
+          <p:nvPr/>
+        </p:nvSpPr>
+        <p:spPr>
+          <a:xfrm>
+            <a:off x="9350027" y="3359373"/>
+            <a:ext cx="1725024" cy="461665"/>
+          </a:xfrm>
+          <a:prstGeom prst="rect">
+            <a:avLst/>
+          </a:prstGeom>
+          <a:noFill/>
+        </p:spPr>
+        <p:txBody>
+          <a:bodyPr wrap="none" rtlCol="0">
+            <a:spAutoFit/>
+          </a:bodyPr>
+          <a:lstStyle/>
+          <a:p>
+            <a:pPr algn="ctr"/>
+            <a:r>
+              <a:rPr lang="en-US" altLang="zh-CN" sz="2400" u="sng" dirty="0"/>
+              <a:t>Work Ratio</a:t>
+            </a:r>
+            <a:endParaRPr lang="en-US" sz="2400" u="sng" dirty="0"/>
+          </a:p>
+        </p:txBody>
+      </p:sp>
+      <p:graphicFrame>
+        <p:nvGraphicFramePr>
+          <p:cNvPr id="8" name="Chart 7">
+            <a:extLst>
+              <a:ext uri="{FF2B5EF4-FFF2-40B4-BE49-F238E27FC236}">
+                <a16:creationId xmlns:a16="http://schemas.microsoft.com/office/drawing/2014/main" id="{524703DB-4F59-4BF9-B87C-4F602742A549}"/>
+              </a:ext>
+            </a:extLst>
+          </p:cNvPr>
+          <p:cNvGraphicFramePr/>
+          <p:nvPr>
+            <p:extLst>
+              <p:ext uri="{D42A27DB-BD31-4B8C-83A1-F6EECF244321}">
+                <p14:modId xmlns:p14="http://schemas.microsoft.com/office/powerpoint/2010/main" val="1706586848"/>
+              </p:ext>
+            </p:extLst>
+          </p:nvPr>
+        </p:nvGraphicFramePr>
+        <p:xfrm>
+          <a:off x="371527" y="1141031"/>
+          <a:ext cx="8128000" cy="5418667"/>
+        </p:xfrm>
+        <a:graphic>
+          <a:graphicData uri="http://schemas.openxmlformats.org/drawingml/2006/chart">
+            <c:chart xmlns:c="http://schemas.openxmlformats.org/drawingml/2006/chart" xmlns:r="http://schemas.openxmlformats.org/officeDocument/2006/relationships" r:id="rId2"/>
+          </a:graphicData>
+        </a:graphic>
+      </p:graphicFrame>
+      <p:pic>
+        <p:nvPicPr>
+          <p:cNvPr id="9" name="Content Placeholder 4">
+            <a:extLst>
+              <a:ext uri="{FF2B5EF4-FFF2-40B4-BE49-F238E27FC236}">
+                <a16:creationId xmlns:a16="http://schemas.microsoft.com/office/drawing/2014/main" id="{5367C686-215F-48B9-8C2C-07D40F32A9F4}"/>
+              </a:ext>
+            </a:extLst>
+          </p:cNvPr>
+          <p:cNvPicPr>
+            <a:picLocks noGrp="1" noChangeAspect="1"/>
+          </p:cNvPicPr>
+          <p:nvPr>
+            <p:ph idx="1"/>
+          </p:nvPr>
+        </p:nvPicPr>
+        <p:blipFill>
+          <a:blip r:embed="rId3">
+            <a:extLst>
+              <a:ext uri="{28A0092B-C50C-407E-A947-70E740481C1C}">
+                <a14:useLocalDpi xmlns:a14="http://schemas.microsoft.com/office/drawing/2010/main" val="0"/>
+              </a:ext>
+            </a:extLst>
+          </a:blip>
+          <a:stretch>
+            <a:fillRect/>
+          </a:stretch>
+        </p:blipFill>
+        <p:spPr>
+          <a:xfrm>
+            <a:off x="2346235" y="3705930"/>
+            <a:ext cx="914400" cy="914400"/>
+          </a:xfrm>
+        </p:spPr>
+      </p:pic>
+      <p:pic>
+        <p:nvPicPr>
+          <p:cNvPr id="10" name="Picture 9">
+            <a:extLst>
+              <a:ext uri="{FF2B5EF4-FFF2-40B4-BE49-F238E27FC236}">
+                <a16:creationId xmlns:a16="http://schemas.microsoft.com/office/drawing/2014/main" id="{F528E3E4-B79C-4AD4-AA39-3D2DFCFC8F6A}"/>
+              </a:ext>
+            </a:extLst>
+          </p:cNvPr>
+          <p:cNvPicPr>
+            <a:picLocks noChangeAspect="1"/>
+          </p:cNvPicPr>
+          <p:nvPr/>
+        </p:nvPicPr>
+        <p:blipFill>
+          <a:blip r:embed="rId4">
+            <a:extLst>
+              <a:ext uri="{28A0092B-C50C-407E-A947-70E740481C1C}">
+                <a14:useLocalDpi xmlns:a14="http://schemas.microsoft.com/office/drawing/2010/main" val="0"/>
+              </a:ext>
+            </a:extLst>
+          </a:blip>
+          <a:stretch>
+            <a:fillRect/>
+          </a:stretch>
+        </p:blipFill>
+        <p:spPr>
+          <a:xfrm>
+            <a:off x="2565810" y="2680962"/>
+            <a:ext cx="914400" cy="914400"/>
+          </a:xfrm>
+          <a:prstGeom prst="rect">
+            <a:avLst/>
+          </a:prstGeom>
+        </p:spPr>
+      </p:pic>
+      <p:pic>
+        <p:nvPicPr>
+          <p:cNvPr id="11" name="Picture 10">
+            <a:extLst>
+              <a:ext uri="{FF2B5EF4-FFF2-40B4-BE49-F238E27FC236}">
+                <a16:creationId xmlns:a16="http://schemas.microsoft.com/office/drawing/2014/main" id="{07F7AA9F-E3B7-4E2F-902E-3B7C2319FA72}"/>
+              </a:ext>
+            </a:extLst>
+          </p:cNvPr>
+          <p:cNvPicPr>
+            <a:picLocks noChangeAspect="1"/>
+          </p:cNvPicPr>
+          <p:nvPr/>
+        </p:nvPicPr>
+        <p:blipFill>
+          <a:blip r:embed="rId5">
+            <a:extLst>
+              <a:ext uri="{28A0092B-C50C-407E-A947-70E740481C1C}">
+                <a14:useLocalDpi xmlns:a14="http://schemas.microsoft.com/office/drawing/2010/main" val="0"/>
+              </a:ext>
+            </a:extLst>
+          </a:blip>
+          <a:stretch>
+            <a:fillRect/>
+          </a:stretch>
+        </p:blipFill>
+        <p:spPr>
+          <a:xfrm>
+            <a:off x="2958833" y="4678093"/>
+            <a:ext cx="914400" cy="914400"/>
+          </a:xfrm>
+          <a:prstGeom prst="rect">
+            <a:avLst/>
+          </a:prstGeom>
+        </p:spPr>
+      </p:pic>
+      <p:pic>
+        <p:nvPicPr>
+          <p:cNvPr id="12" name="Picture 11">
+            <a:extLst>
+              <a:ext uri="{FF2B5EF4-FFF2-40B4-BE49-F238E27FC236}">
+                <a16:creationId xmlns:a16="http://schemas.microsoft.com/office/drawing/2014/main" id="{6CBD8403-F6FD-4C87-A620-7DA7D2A45E48}"/>
+              </a:ext>
+            </a:extLst>
+          </p:cNvPr>
+          <p:cNvPicPr>
+            <a:picLocks noChangeAspect="1"/>
+          </p:cNvPicPr>
+          <p:nvPr/>
+        </p:nvPicPr>
+        <p:blipFill>
+          <a:blip r:embed="rId6">
+            <a:extLst>
+              <a:ext uri="{28A0092B-C50C-407E-A947-70E740481C1C}">
+                <a14:useLocalDpi xmlns:a14="http://schemas.microsoft.com/office/drawing/2010/main" val="0"/>
+              </a:ext>
+            </a:extLst>
+          </a:blip>
+          <a:stretch>
+            <a:fillRect/>
+          </a:stretch>
+        </p:blipFill>
+        <p:spPr>
+          <a:xfrm>
+            <a:off x="5610420" y="3763693"/>
+            <a:ext cx="914400" cy="914400"/>
+          </a:xfrm>
+          <a:prstGeom prst="rect">
+            <a:avLst/>
+          </a:prstGeom>
+        </p:spPr>
+      </p:pic>
+      <p:pic>
+        <p:nvPicPr>
+          <p:cNvPr id="13" name="Picture 12">
+            <a:extLst>
+              <a:ext uri="{FF2B5EF4-FFF2-40B4-BE49-F238E27FC236}">
+                <a16:creationId xmlns:a16="http://schemas.microsoft.com/office/drawing/2014/main" id="{19A99463-709A-40A6-9615-2A30DA42E572}"/>
+              </a:ext>
+            </a:extLst>
+          </p:cNvPr>
+          <p:cNvPicPr>
+            <a:picLocks noChangeAspect="1"/>
+          </p:cNvPicPr>
+          <p:nvPr/>
+        </p:nvPicPr>
+        <p:blipFill>
+          <a:blip r:embed="rId7">
+            <a:extLst>
+              <a:ext uri="{28A0092B-C50C-407E-A947-70E740481C1C}">
+                <a14:useLocalDpi xmlns:a14="http://schemas.microsoft.com/office/drawing/2010/main" val="0"/>
+              </a:ext>
+            </a:extLst>
+          </a:blip>
+          <a:stretch>
+            <a:fillRect/>
+          </a:stretch>
+        </p:blipFill>
+        <p:spPr>
+          <a:xfrm>
+            <a:off x="3457393" y="1995162"/>
+            <a:ext cx="914400" cy="914400"/>
+          </a:xfrm>
+          <a:prstGeom prst="rect">
+            <a:avLst/>
+          </a:prstGeom>
+        </p:spPr>
+      </p:pic>
+      <p:pic>
+        <p:nvPicPr>
+          <p:cNvPr id="14" name="Picture 13">
+            <a:extLst>
+              <a:ext uri="{FF2B5EF4-FFF2-40B4-BE49-F238E27FC236}">
+                <a16:creationId xmlns:a16="http://schemas.microsoft.com/office/drawing/2014/main" id="{5A5C0F32-B29F-4F80-BF4A-FBAE7B2C6E62}"/>
+              </a:ext>
+            </a:extLst>
+          </p:cNvPr>
+          <p:cNvPicPr>
+            <a:picLocks noChangeAspect="1"/>
+          </p:cNvPicPr>
+          <p:nvPr/>
+        </p:nvPicPr>
+        <p:blipFill>
+          <a:blip r:embed="rId8">
+            <a:extLst>
+              <a:ext uri="{28A0092B-C50C-407E-A947-70E740481C1C}">
+                <a14:useLocalDpi xmlns:a14="http://schemas.microsoft.com/office/drawing/2010/main" val="0"/>
+              </a:ext>
+            </a:extLst>
+          </a:blip>
+          <a:stretch>
+            <a:fillRect/>
+          </a:stretch>
+        </p:blipFill>
+        <p:spPr>
+          <a:xfrm>
+            <a:off x="4853609" y="2437475"/>
+            <a:ext cx="914400" cy="914400"/>
+          </a:xfrm>
+          <a:prstGeom prst="rect">
+            <a:avLst/>
+          </a:prstGeom>
+        </p:spPr>
+      </p:pic>
+      <p:pic>
+        <p:nvPicPr>
+          <p:cNvPr id="15" name="Picture 14">
+            <a:extLst>
+              <a:ext uri="{FF2B5EF4-FFF2-40B4-BE49-F238E27FC236}">
+                <a16:creationId xmlns:a16="http://schemas.microsoft.com/office/drawing/2014/main" id="{EEF23582-A6DF-4A78-B7D4-ECB4DE28164C}"/>
+              </a:ext>
+            </a:extLst>
+          </p:cNvPr>
+          <p:cNvPicPr>
+            <a:picLocks noChangeAspect="1"/>
+          </p:cNvPicPr>
+          <p:nvPr/>
+        </p:nvPicPr>
+        <p:blipFill>
+          <a:blip r:embed="rId9">
+            <a:extLst>
+              <a:ext uri="{28A0092B-C50C-407E-A947-70E740481C1C}">
+                <a14:useLocalDpi xmlns:a14="http://schemas.microsoft.com/office/drawing/2010/main" val="0"/>
+              </a:ext>
+            </a:extLst>
+          </a:blip>
+          <a:stretch>
+            <a:fillRect/>
+          </a:stretch>
+        </p:blipFill>
+        <p:spPr>
+          <a:xfrm>
+            <a:off x="4422605" y="4648319"/>
+            <a:ext cx="914400" cy="914400"/>
+          </a:xfrm>
+          <a:prstGeom prst="rect">
+            <a:avLst/>
+          </a:prstGeom>
+        </p:spPr>
+      </p:pic>
+    </p:spTree>
+    <p:extLst>
+      <p:ext uri="{BB962C8B-B14F-4D97-AF65-F5344CB8AC3E}">
+        <p14:creationId xmlns:p14="http://schemas.microsoft.com/office/powerpoint/2010/main" val="3461123784"/>
+      </p:ext>
+    </p:extLst>
+  </p:cSld>
+  <p:clrMapOvr>
+    <a:masterClrMapping/>
+  </p:clrMapOvr>
+</p:sld>
+</file>
+
+<file path=ppt/slides/slide28.xml><?xml version="1.0" encoding="utf-8"?>
 <p:sld xmlns:a="http://schemas.openxmlformats.org/drawingml/2006/main" xmlns:r="http://schemas.openxmlformats.org/officeDocument/2006/relationships" xmlns:p="http://schemas.openxmlformats.org/presentationml/2006/main">
   <p:cSld>
     <p:spTree>
@@ -19521,10 +22787,34 @@
                 <a:tableStyleId>{073A0DAA-6AF3-43AB-8588-CEC1D06C72B9}</a:tableStyleId>
               </a:tblPr>
               <a:tblGrid>
-                <a:gridCol w="1576307"/>
-                <a:gridCol w="1576307"/>
-                <a:gridCol w="1576307"/>
-                <a:gridCol w="1576307"/>
+                <a:gridCol w="1576307">
+                  <a:extLst>
+                    <a:ext uri="{9D8B030D-6E8A-4147-A177-3AD203B41FA5}">
+                      <a16:colId xmlns:a16="http://schemas.microsoft.com/office/drawing/2014/main" val="20000"/>
+                    </a:ext>
+                  </a:extLst>
+                </a:gridCol>
+                <a:gridCol w="1576307">
+                  <a:extLst>
+                    <a:ext uri="{9D8B030D-6E8A-4147-A177-3AD203B41FA5}">
+                      <a16:colId xmlns:a16="http://schemas.microsoft.com/office/drawing/2014/main" val="20001"/>
+                    </a:ext>
+                  </a:extLst>
+                </a:gridCol>
+                <a:gridCol w="1576307">
+                  <a:extLst>
+                    <a:ext uri="{9D8B030D-6E8A-4147-A177-3AD203B41FA5}">
+                      <a16:colId xmlns:a16="http://schemas.microsoft.com/office/drawing/2014/main" val="20002"/>
+                    </a:ext>
+                  </a:extLst>
+                </a:gridCol>
+                <a:gridCol w="1576307">
+                  <a:extLst>
+                    <a:ext uri="{9D8B030D-6E8A-4147-A177-3AD203B41FA5}">
+                      <a16:colId xmlns:a16="http://schemas.microsoft.com/office/drawing/2014/main" val="20003"/>
+                    </a:ext>
+                  </a:extLst>
+                </a:gridCol>
               </a:tblGrid>
               <a:tr h="108432">
                 <a:tc gridSpan="2">
@@ -19594,6 +22884,11 @@
                   </a:txBody>
                   <a:tcPr marL="6350" marR="6350" marT="6350" marB="0" anchor="b"/>
                 </a:tc>
+                <a:extLst>
+                  <a:ext uri="{0D108BD9-81ED-4DB2-BD59-A6C34878D82A}">
+                    <a16:rowId xmlns:a16="http://schemas.microsoft.com/office/drawing/2014/main" val="10000"/>
+                  </a:ext>
+                </a:extLst>
               </a:tr>
               <a:tr h="449535">
                 <a:tc>
@@ -19688,6 +22983,11 @@
                   </a:txBody>
                   <a:tcPr marL="6350" marR="6350" marT="6350" marB="0" anchor="b"/>
                 </a:tc>
+                <a:extLst>
+                  <a:ext uri="{0D108BD9-81ED-4DB2-BD59-A6C34878D82A}">
+                    <a16:rowId xmlns:a16="http://schemas.microsoft.com/office/drawing/2014/main" val="10001"/>
+                  </a:ext>
+                </a:extLst>
               </a:tr>
               <a:tr h="250670">
                 <a:tc>
@@ -19782,6 +23082,11 @@
                   </a:txBody>
                   <a:tcPr marL="6350" marR="6350" marT="6350" marB="0" anchor="b"/>
                 </a:tc>
+                <a:extLst>
+                  <a:ext uri="{0D108BD9-81ED-4DB2-BD59-A6C34878D82A}">
+                    <a16:rowId xmlns:a16="http://schemas.microsoft.com/office/drawing/2014/main" val="10002"/>
+                  </a:ext>
+                </a:extLst>
               </a:tr>
               <a:tr h="451205">
                 <a:tc>
@@ -19876,6 +23181,11 @@
                   </a:txBody>
                   <a:tcPr marL="6350" marR="6350" marT="6350" marB="0" anchor="b"/>
                 </a:tc>
+                <a:extLst>
+                  <a:ext uri="{0D108BD9-81ED-4DB2-BD59-A6C34878D82A}">
+                    <a16:rowId xmlns:a16="http://schemas.microsoft.com/office/drawing/2014/main" val="10003"/>
+                  </a:ext>
+                </a:extLst>
               </a:tr>
               <a:tr h="1090414">
                 <a:tc>
@@ -19970,6 +23280,11 @@
                   </a:txBody>
                   <a:tcPr marL="6350" marR="6350" marT="6350" marB="0" anchor="b"/>
                 </a:tc>
+                <a:extLst>
+                  <a:ext uri="{0D108BD9-81ED-4DB2-BD59-A6C34878D82A}">
+                    <a16:rowId xmlns:a16="http://schemas.microsoft.com/office/drawing/2014/main" val="10004"/>
+                  </a:ext>
+                </a:extLst>
               </a:tr>
               <a:tr h="601606">
                 <a:tc>
@@ -20058,6 +23373,11 @@
                   </a:txBody>
                   <a:tcPr marL="6350" marR="6350" marT="6350" marB="0" anchor="b"/>
                 </a:tc>
+                <a:extLst>
+                  <a:ext uri="{0D108BD9-81ED-4DB2-BD59-A6C34878D82A}">
+                    <a16:rowId xmlns:a16="http://schemas.microsoft.com/office/drawing/2014/main" val="10005"/>
+                  </a:ext>
+                </a:extLst>
               </a:tr>
               <a:tr h="449535">
                 <a:tc>
@@ -20152,6 +23472,11 @@
                   </a:txBody>
                   <a:tcPr marL="6350" marR="6350" marT="6350" marB="0" anchor="b"/>
                 </a:tc>
+                <a:extLst>
+                  <a:ext uri="{0D108BD9-81ED-4DB2-BD59-A6C34878D82A}">
+                    <a16:rowId xmlns:a16="http://schemas.microsoft.com/office/drawing/2014/main" val="10006"/>
+                  </a:ext>
+                </a:extLst>
               </a:tr>
               <a:tr h="449535">
                 <a:tc>
@@ -20246,6 +23571,11 @@
                   </a:txBody>
                   <a:tcPr marL="6350" marR="6350" marT="6350" marB="0" anchor="b"/>
                 </a:tc>
+                <a:extLst>
+                  <a:ext uri="{0D108BD9-81ED-4DB2-BD59-A6C34878D82A}">
+                    <a16:rowId xmlns:a16="http://schemas.microsoft.com/office/drawing/2014/main" val="10007"/>
+                  </a:ext>
+                </a:extLst>
               </a:tr>
               <a:tr h="250670">
                 <a:tc>
@@ -20334,6 +23664,11 @@
                   </a:txBody>
                   <a:tcPr marL="6350" marR="6350" marT="6350" marB="0" anchor="b"/>
                 </a:tc>
+                <a:extLst>
+                  <a:ext uri="{0D108BD9-81ED-4DB2-BD59-A6C34878D82A}">
+                    <a16:rowId xmlns:a16="http://schemas.microsoft.com/office/drawing/2014/main" val="10008"/>
+                  </a:ext>
+                </a:extLst>
               </a:tr>
               <a:tr h="141369">
                 <a:tc>
@@ -20416,6 +23751,11 @@
                   </a:txBody>
                   <a:tcPr marL="6350" marR="6350" marT="6350" marB="0" anchor="b"/>
                 </a:tc>
+                <a:extLst>
+                  <a:ext uri="{0D108BD9-81ED-4DB2-BD59-A6C34878D82A}">
+                    <a16:rowId xmlns:a16="http://schemas.microsoft.com/office/drawing/2014/main" val="10009"/>
+                  </a:ext>
+                </a:extLst>
               </a:tr>
             </a:tbl>
           </a:graphicData>
@@ -20442,22 +23782,18 @@
           <a:lstStyle/>
           <a:p>
             <a:r>
-              <a:rPr lang="en-AU" dirty="0" smtClean="0"/>
+              <a:rPr lang="en-AU" dirty="0"/>
               <a:t>Financial Plan </a:t>
             </a:r>
             <a:br>
-              <a:rPr lang="en-AU" dirty="0" smtClean="0"/>
+              <a:rPr lang="en-AU" dirty="0"/>
             </a:br>
             <a:r>
               <a:rPr lang="zh-CN" altLang="en-US" dirty="0"/>
               <a:t> 融资计划 </a:t>
             </a:r>
-            <a:r>
-              <a:rPr lang="en-AU" dirty="0" smtClean="0"/>
-              <a:t/>
-            </a:r>
             <a:br>
-              <a:rPr lang="en-AU" dirty="0" smtClean="0"/>
+              <a:rPr lang="en-AU" dirty="0"/>
             </a:br>
             <a:endParaRPr lang="en-US" dirty="0"/>
           </a:p>
@@ -20476,7 +23812,7 @@
 </p:sld>
 </file>
 
-<file path=ppt/slides/slide21.xml><?xml version="1.0" encoding="utf-8"?>
+<file path=ppt/slides/slide29.xml><?xml version="1.0" encoding="utf-8"?>
 <p:sld xmlns:a="http://schemas.openxmlformats.org/drawingml/2006/main" xmlns:r="http://schemas.openxmlformats.org/officeDocument/2006/relationships" xmlns:p="http://schemas.openxmlformats.org/presentationml/2006/main">
   <p:cSld>
     <p:spTree>
@@ -20511,19 +23847,15 @@
           <a:lstStyle/>
           <a:p>
             <a:r>
-              <a:rPr lang="en-US" dirty="0" smtClean="0"/>
+              <a:rPr lang="en-US" dirty="0"/>
               <a:t>Teamwork/ Management </a:t>
             </a:r>
             <a:br>
-              <a:rPr lang="en-US" dirty="0" smtClean="0"/>
+              <a:rPr lang="en-US" dirty="0"/>
             </a:br>
             <a:r>
               <a:rPr lang="zh-CN" altLang="en-US" dirty="0"/>
-              <a:t>团队合作与管</a:t>
-            </a:r>
-            <a:r>
-              <a:rPr lang="zh-CN" altLang="en-US" dirty="0" smtClean="0"/>
-              <a:t>理</a:t>
+              <a:t>团队合作与管理</a:t>
             </a:r>
             <a:endParaRPr lang="en-US" dirty="0"/>
           </a:p>
@@ -20553,7 +23885,7 @@
           <a:p>
             <a:pPr algn="ctr"/>
             <a:r>
-              <a:rPr lang="en-US" b="1" dirty="0" smtClean="0">
+              <a:rPr lang="en-US" b="1" dirty="0">
                 <a:solidFill>
                   <a:schemeClr val="accent1">
                     <a:lumMod val="75000"/>
@@ -20569,7 +23901,7 @@
               <a:buChar char="•"/>
             </a:pPr>
             <a:r>
-              <a:rPr lang="en-US" dirty="0" smtClean="0">
+              <a:rPr lang="en-US" dirty="0">
                 <a:solidFill>
                   <a:schemeClr val="accent1">
                     <a:lumMod val="75000"/>
@@ -20585,7 +23917,7 @@
               <a:buChar char="•"/>
             </a:pPr>
             <a:r>
-              <a:rPr lang="en-US" dirty="0" smtClean="0">
+              <a:rPr lang="en-US" dirty="0">
                 <a:solidFill>
                   <a:schemeClr val="accent1">
                     <a:lumMod val="75000"/>
@@ -20594,13 +23926,6 @@
               </a:rPr>
               <a:t>Created initial idea</a:t>
             </a:r>
-            <a:endParaRPr lang="en-US" dirty="0">
-              <a:solidFill>
-                <a:schemeClr val="accent1">
-                  <a:lumMod val="75000"/>
-                </a:schemeClr>
-              </a:solidFill>
-            </a:endParaRPr>
           </a:p>
         </p:txBody>
       </p:sp>
@@ -20628,7 +23953,7 @@
           <a:p>
             <a:pPr algn="ctr"/>
             <a:r>
-              <a:rPr lang="en-US" b="1" dirty="0" smtClean="0">
+              <a:rPr lang="en-US" b="1" dirty="0">
                 <a:solidFill>
                   <a:schemeClr val="accent1">
                     <a:lumMod val="75000"/>
@@ -20644,7 +23969,7 @@
               <a:buChar char="•"/>
             </a:pPr>
             <a:r>
-              <a:rPr lang="en-US" dirty="0" smtClean="0">
+              <a:rPr lang="en-US" dirty="0">
                 <a:solidFill>
                   <a:schemeClr val="accent1">
                     <a:lumMod val="75000"/>
@@ -20660,7 +23985,7 @@
               <a:buChar char="•"/>
             </a:pPr>
             <a:r>
-              <a:rPr lang="en-US" dirty="0" smtClean="0">
+              <a:rPr lang="en-US" dirty="0">
                 <a:solidFill>
                   <a:schemeClr val="accent1">
                     <a:lumMod val="75000"/>
@@ -20676,7 +24001,7 @@
               <a:buChar char="•"/>
             </a:pPr>
             <a:r>
-              <a:rPr lang="en-US" dirty="0" smtClean="0">
+              <a:rPr lang="en-US" dirty="0">
                 <a:solidFill>
                   <a:schemeClr val="accent1">
                     <a:lumMod val="75000"/>
@@ -20692,7 +24017,7 @@
               <a:buChar char="•"/>
             </a:pPr>
             <a:r>
-              <a:rPr lang="en-US" dirty="0" smtClean="0">
+              <a:rPr lang="en-US" dirty="0">
                 <a:solidFill>
                   <a:schemeClr val="accent1">
                     <a:lumMod val="75000"/>
@@ -20701,13 +24026,6 @@
               </a:rPr>
               <a:t>Created initial documentation</a:t>
             </a:r>
-            <a:endParaRPr lang="en-US" dirty="0">
-              <a:solidFill>
-                <a:schemeClr val="accent1">
-                  <a:lumMod val="75000"/>
-                </a:schemeClr>
-              </a:solidFill>
-            </a:endParaRPr>
           </a:p>
         </p:txBody>
       </p:sp>
@@ -20735,7 +24053,7 @@
           <a:p>
             <a:pPr algn="ctr"/>
             <a:r>
-              <a:rPr lang="en-US" b="1" dirty="0" smtClean="0">
+              <a:rPr lang="en-US" b="1" dirty="0">
                 <a:solidFill>
                   <a:schemeClr val="accent1">
                     <a:lumMod val="75000"/>
@@ -20751,7 +24069,7 @@
               <a:buChar char="•"/>
             </a:pPr>
             <a:r>
-              <a:rPr lang="en-US" dirty="0" smtClean="0">
+              <a:rPr lang="en-US" dirty="0">
                 <a:solidFill>
                   <a:schemeClr val="accent1">
                     <a:lumMod val="75000"/>
@@ -20767,7 +24085,7 @@
               <a:buChar char="•"/>
             </a:pPr>
             <a:r>
-              <a:rPr lang="en-AU" dirty="0" smtClean="0">
+              <a:rPr lang="en-AU" dirty="0">
                 <a:solidFill>
                   <a:schemeClr val="accent1">
                     <a:lumMod val="75000"/>
@@ -20777,7 +24095,7 @@
               <a:t>Finalised</a:t>
             </a:r>
             <a:r>
-              <a:rPr lang="en-US" dirty="0" smtClean="0">
+              <a:rPr lang="en-US" dirty="0">
                 <a:solidFill>
                   <a:schemeClr val="accent1">
                     <a:lumMod val="75000"/>
@@ -20793,7 +24111,7 @@
               <a:buChar char="•"/>
             </a:pPr>
             <a:r>
-              <a:rPr lang="en-US" dirty="0" smtClean="0">
+              <a:rPr lang="en-US" dirty="0">
                 <a:solidFill>
                   <a:schemeClr val="accent1">
                     <a:lumMod val="75000"/>
@@ -20809,7 +24127,7 @@
               <a:buChar char="•"/>
             </a:pPr>
             <a:r>
-              <a:rPr lang="en-US" dirty="0" smtClean="0">
+              <a:rPr lang="en-US" dirty="0">
                 <a:solidFill>
                   <a:schemeClr val="accent1">
                     <a:lumMod val="75000"/>
@@ -20819,7 +24137,7 @@
               <a:t>Moved documentation to </a:t>
             </a:r>
             <a:r>
-              <a:rPr lang="en-US" dirty="0" err="1" smtClean="0">
+              <a:rPr lang="en-US" dirty="0" err="1">
                 <a:solidFill>
                   <a:schemeClr val="accent1">
                     <a:lumMod val="75000"/>
@@ -20829,7 +24147,7 @@
               <a:t>Github</a:t>
             </a:r>
             <a:r>
-              <a:rPr lang="en-US" dirty="0" smtClean="0">
+              <a:rPr lang="en-US" dirty="0">
                 <a:solidFill>
                   <a:schemeClr val="accent1">
                     <a:lumMod val="75000"/>
@@ -20838,13 +24156,6 @@
               </a:rPr>
               <a:t> Wiki</a:t>
             </a:r>
-            <a:endParaRPr lang="en-US" dirty="0">
-              <a:solidFill>
-                <a:schemeClr val="accent1">
-                  <a:lumMod val="75000"/>
-                </a:schemeClr>
-              </a:solidFill>
-            </a:endParaRPr>
           </a:p>
         </p:txBody>
       </p:sp>
@@ -20872,7 +24183,7 @@
           <a:p>
             <a:pPr algn="ctr"/>
             <a:r>
-              <a:rPr lang="en-US" b="1" dirty="0" smtClean="0">
+              <a:rPr lang="en-US" b="1" dirty="0">
                 <a:solidFill>
                   <a:schemeClr val="accent1">
                     <a:lumMod val="75000"/>
@@ -20888,7 +24199,7 @@
               <a:buChar char="•"/>
             </a:pPr>
             <a:r>
-              <a:rPr lang="en-US" dirty="0" smtClean="0">
+              <a:rPr lang="en-US" dirty="0">
                 <a:solidFill>
                   <a:schemeClr val="accent1">
                     <a:lumMod val="75000"/>
@@ -20904,7 +24215,7 @@
               <a:buChar char="•"/>
             </a:pPr>
             <a:r>
-              <a:rPr lang="en-US" dirty="0" smtClean="0">
+              <a:rPr lang="en-US" dirty="0">
                 <a:solidFill>
                   <a:schemeClr val="accent1">
                     <a:lumMod val="75000"/>
@@ -20914,7 +24225,7 @@
               <a:t>Made a </a:t>
             </a:r>
             <a:r>
-              <a:rPr lang="en-AU" dirty="0" smtClean="0">
+              <a:rPr lang="en-AU" dirty="0">
                 <a:solidFill>
                   <a:schemeClr val="accent1">
                     <a:lumMod val="75000"/>
@@ -20924,7 +24235,7 @@
               <a:t>marketing</a:t>
             </a:r>
             <a:r>
-              <a:rPr lang="en-US" dirty="0" smtClean="0">
+              <a:rPr lang="en-US" dirty="0">
                 <a:solidFill>
                   <a:schemeClr val="accent1">
                     <a:lumMod val="75000"/>
@@ -20940,7 +24251,7 @@
               <a:buChar char="•"/>
             </a:pPr>
             <a:r>
-              <a:rPr lang="en-US" dirty="0" smtClean="0">
+              <a:rPr lang="en-US" dirty="0">
                 <a:solidFill>
                   <a:schemeClr val="accent1">
                     <a:lumMod val="75000"/>
@@ -20949,13 +24260,6 @@
               </a:rPr>
               <a:t>Analyzed industry</a:t>
             </a:r>
-            <a:endParaRPr lang="en-US" dirty="0">
-              <a:solidFill>
-                <a:schemeClr val="accent1">
-                  <a:lumMod val="75000"/>
-                </a:schemeClr>
-              </a:solidFill>
-            </a:endParaRPr>
           </a:p>
         </p:txBody>
       </p:sp>
@@ -20963,81 +24267,6 @@
     <p:extLst>
       <p:ext uri="{BB962C8B-B14F-4D97-AF65-F5344CB8AC3E}">
         <p14:creationId xmlns:p14="http://schemas.microsoft.com/office/powerpoint/2010/main" val="311246004"/>
-      </p:ext>
-    </p:extLst>
-  </p:cSld>
-  <p:clrMapOvr>
-    <a:masterClrMapping/>
-  </p:clrMapOvr>
-</p:sld>
-</file>
-
-<file path=ppt/slides/slide22.xml><?xml version="1.0" encoding="utf-8"?>
-<p:sld xmlns:a="http://schemas.openxmlformats.org/drawingml/2006/main" xmlns:r="http://schemas.openxmlformats.org/officeDocument/2006/relationships" xmlns:p="http://schemas.openxmlformats.org/presentationml/2006/main">
-  <p:cSld>
-    <p:spTree>
-      <p:nvGrpSpPr>
-        <p:cNvPr id="1" name=""/>
-        <p:cNvGrpSpPr/>
-        <p:nvPr/>
-      </p:nvGrpSpPr>
-      <p:grpSpPr>
-        <a:xfrm>
-          <a:off x="0" y="0"/>
-          <a:ext cx="0" cy="0"/>
-          <a:chOff x="0" y="0"/>
-          <a:chExt cx="0" cy="0"/>
-        </a:xfrm>
-      </p:grpSpPr>
-      <p:sp>
-        <p:nvSpPr>
-          <p:cNvPr id="2" name="Title 1"/>
-          <p:cNvSpPr>
-            <a:spLocks noGrp="1"/>
-          </p:cNvSpPr>
-          <p:nvPr>
-            <p:ph type="ctrTitle"/>
-          </p:nvPr>
-        </p:nvSpPr>
-        <p:spPr/>
-        <p:txBody>
-          <a:bodyPr/>
-          <a:lstStyle/>
-          <a:p>
-            <a:r>
-              <a:rPr lang="en-US" dirty="0" smtClean="0"/>
-              <a:t>Thank </a:t>
-            </a:r>
-            <a:r>
-              <a:rPr lang="en-US" dirty="0"/>
-              <a:t>you！ 谢谢大家！</a:t>
-            </a:r>
-          </a:p>
-        </p:txBody>
-      </p:sp>
-      <p:sp>
-        <p:nvSpPr>
-          <p:cNvPr id="3" name="Subtitle 2"/>
-          <p:cNvSpPr>
-            <a:spLocks noGrp="1"/>
-          </p:cNvSpPr>
-          <p:nvPr>
-            <p:ph type="subTitle" idx="1"/>
-          </p:nvPr>
-        </p:nvSpPr>
-        <p:spPr/>
-        <p:txBody>
-          <a:bodyPr/>
-          <a:lstStyle/>
-          <a:p>
-            <a:endParaRPr lang="en-US" dirty="0" smtClean="0"/>
-          </a:p>
-        </p:txBody>
-      </p:sp>
-    </p:spTree>
-    <p:extLst>
-      <p:ext uri="{BB962C8B-B14F-4D97-AF65-F5344CB8AC3E}">
-        <p14:creationId xmlns:p14="http://schemas.microsoft.com/office/powerpoint/2010/main" val="414604794"/>
       </p:ext>
     </p:extLst>
   </p:cSld>
@@ -21080,11 +24309,11 @@
           <a:lstStyle/>
           <a:p>
             <a:r>
-              <a:rPr lang="en-US" dirty="0" smtClean="0"/>
+              <a:rPr lang="en-US" dirty="0"/>
               <a:t>Product Description</a:t>
             </a:r>
             <a:br>
-              <a:rPr lang="en-US" dirty="0" smtClean="0"/>
+              <a:rPr lang="en-US" dirty="0"/>
             </a:br>
             <a:r>
               <a:rPr lang="zh-CN" altLang="en-US" dirty="0"/>
@@ -21110,7 +24339,7 @@
           <a:lstStyle/>
           <a:p>
             <a:r>
-              <a:rPr lang="en-US" smtClean="0">
+              <a:rPr lang="en-US">
                 <a:latin typeface="Calibri" charset="0"/>
                 <a:ea typeface="Calibri" charset="0"/>
                 <a:cs typeface="Calibri" charset="0"/>
@@ -21125,11 +24354,6 @@
               </a:rPr>
               <a:t>more private custom-tailored travel app. Our app has all the information necessary to travel, and adds the ability to automatically generate travel diaries, where people can record all the experiences during the trip and support print services.</a:t>
             </a:r>
-            <a:endParaRPr lang="en-US" dirty="0">
-              <a:latin typeface="Calibri" charset="0"/>
-              <a:ea typeface="Calibri" charset="0"/>
-              <a:cs typeface="Calibri" charset="0"/>
-            </a:endParaRPr>
           </a:p>
         </p:txBody>
       </p:sp>
@@ -21137,6 +24361,77 @@
     <p:extLst>
       <p:ext uri="{BB962C8B-B14F-4D97-AF65-F5344CB8AC3E}">
         <p14:creationId xmlns:p14="http://schemas.microsoft.com/office/powerpoint/2010/main" val="1601111623"/>
+      </p:ext>
+    </p:extLst>
+  </p:cSld>
+  <p:clrMapOvr>
+    <a:masterClrMapping/>
+  </p:clrMapOvr>
+</p:sld>
+</file>
+
+<file path=ppt/slides/slide30.xml><?xml version="1.0" encoding="utf-8"?>
+<p:sld xmlns:a="http://schemas.openxmlformats.org/drawingml/2006/main" xmlns:r="http://schemas.openxmlformats.org/officeDocument/2006/relationships" xmlns:p="http://schemas.openxmlformats.org/presentationml/2006/main">
+  <p:cSld>
+    <p:spTree>
+      <p:nvGrpSpPr>
+        <p:cNvPr id="1" name=""/>
+        <p:cNvGrpSpPr/>
+        <p:nvPr/>
+      </p:nvGrpSpPr>
+      <p:grpSpPr>
+        <a:xfrm>
+          <a:off x="0" y="0"/>
+          <a:ext cx="0" cy="0"/>
+          <a:chOff x="0" y="0"/>
+          <a:chExt cx="0" cy="0"/>
+        </a:xfrm>
+      </p:grpSpPr>
+      <p:sp>
+        <p:nvSpPr>
+          <p:cNvPr id="2" name="Title 1"/>
+          <p:cNvSpPr>
+            <a:spLocks noGrp="1"/>
+          </p:cNvSpPr>
+          <p:nvPr>
+            <p:ph type="ctrTitle"/>
+          </p:nvPr>
+        </p:nvSpPr>
+        <p:spPr/>
+        <p:txBody>
+          <a:bodyPr/>
+          <a:lstStyle/>
+          <a:p>
+            <a:r>
+              <a:rPr lang="en-US" dirty="0"/>
+              <a:t>Thank you！ 谢谢大家！</a:t>
+            </a:r>
+          </a:p>
+        </p:txBody>
+      </p:sp>
+      <p:sp>
+        <p:nvSpPr>
+          <p:cNvPr id="3" name="Subtitle 2"/>
+          <p:cNvSpPr>
+            <a:spLocks noGrp="1"/>
+          </p:cNvSpPr>
+          <p:nvPr>
+            <p:ph type="subTitle" idx="1"/>
+          </p:nvPr>
+        </p:nvSpPr>
+        <p:spPr/>
+        <p:txBody>
+          <a:bodyPr/>
+          <a:lstStyle/>
+          <a:p>
+            <a:endParaRPr lang="en-US" dirty="0"/>
+          </a:p>
+        </p:txBody>
+      </p:sp>
+    </p:spTree>
+    <p:extLst>
+      <p:ext uri="{BB962C8B-B14F-4D97-AF65-F5344CB8AC3E}">
+        <p14:creationId xmlns:p14="http://schemas.microsoft.com/office/powerpoint/2010/main" val="414604794"/>
       </p:ext>
     </p:extLst>
   </p:cSld>
@@ -21190,7 +24485,7 @@
           <p:cNvPr id="4" name="Picture 3">
             <a:extLst>
               <a:ext uri="{FF2B5EF4-FFF2-40B4-BE49-F238E27FC236}">
-                <a16:creationId xmlns:a16="http://schemas.microsoft.com/office/drawing/2014/main" xmlns="" id="{19A3F956-5DEE-4846-A837-83CCE0296816}"/>
+                <a16:creationId xmlns:a16="http://schemas.microsoft.com/office/drawing/2014/main" id="{19A3F956-5DEE-4846-A837-83CCE0296816}"/>
               </a:ext>
             </a:extLst>
           </p:cNvPr>
@@ -21226,7 +24521,7 @@
           <p:cNvPr id="5" name="Picture 4">
             <a:extLst>
               <a:ext uri="{FF2B5EF4-FFF2-40B4-BE49-F238E27FC236}">
-                <a16:creationId xmlns:a16="http://schemas.microsoft.com/office/drawing/2014/main" xmlns="" id="{F2E282B9-5E9A-415F-8EE9-466698E30D6A}"/>
+                <a16:creationId xmlns:a16="http://schemas.microsoft.com/office/drawing/2014/main" id="{F2E282B9-5E9A-415F-8EE9-466698E30D6A}"/>
               </a:ext>
             </a:extLst>
           </p:cNvPr>
@@ -21262,7 +24557,7 @@
           <p:cNvPr id="6" name="Picture 5">
             <a:extLst>
               <a:ext uri="{FF2B5EF4-FFF2-40B4-BE49-F238E27FC236}">
-                <a16:creationId xmlns:a16="http://schemas.microsoft.com/office/drawing/2014/main" xmlns="" id="{AC6D21F7-46F9-49F3-B2F8-D60E710B6F88}"/>
+                <a16:creationId xmlns:a16="http://schemas.microsoft.com/office/drawing/2014/main" id="{AC6D21F7-46F9-49F3-B2F8-D60E710B6F88}"/>
               </a:ext>
             </a:extLst>
           </p:cNvPr>
@@ -21298,7 +24593,7 @@
           <p:cNvPr id="7" name="Picture 6">
             <a:extLst>
               <a:ext uri="{FF2B5EF4-FFF2-40B4-BE49-F238E27FC236}">
-                <a16:creationId xmlns:a16="http://schemas.microsoft.com/office/drawing/2014/main" xmlns="" id="{891E1D6C-0DE2-4421-B904-71D89DBB3C62}"/>
+                <a16:creationId xmlns:a16="http://schemas.microsoft.com/office/drawing/2014/main" id="{891E1D6C-0DE2-4421-B904-71D89DBB3C62}"/>
               </a:ext>
             </a:extLst>
           </p:cNvPr>
@@ -21334,7 +24629,7 @@
           <p:cNvPr id="8" name="Picture 7">
             <a:extLst>
               <a:ext uri="{FF2B5EF4-FFF2-40B4-BE49-F238E27FC236}">
-                <a16:creationId xmlns:a16="http://schemas.microsoft.com/office/drawing/2014/main" xmlns="" id="{7066E439-2279-427A-8712-F6D43218D2FD}"/>
+                <a16:creationId xmlns:a16="http://schemas.microsoft.com/office/drawing/2014/main" id="{7066E439-2279-427A-8712-F6D43218D2FD}"/>
               </a:ext>
             </a:extLst>
           </p:cNvPr>
@@ -21370,7 +24665,7 @@
           <p:cNvPr id="9" name="Rectangle 8">
             <a:extLst>
               <a:ext uri="{FF2B5EF4-FFF2-40B4-BE49-F238E27FC236}">
-                <a16:creationId xmlns:a16="http://schemas.microsoft.com/office/drawing/2014/main" xmlns="" id="{ACFA27DD-F1C2-4E63-B396-3D1EC30C63C3}"/>
+                <a16:creationId xmlns:a16="http://schemas.microsoft.com/office/drawing/2014/main" id="{ACFA27DD-F1C2-4E63-B396-3D1EC30C63C3}"/>
               </a:ext>
             </a:extLst>
           </p:cNvPr>
@@ -21408,7 +24703,7 @@
           <p:cNvPr id="10" name="Rectangle 9">
             <a:extLst>
               <a:ext uri="{FF2B5EF4-FFF2-40B4-BE49-F238E27FC236}">
-                <a16:creationId xmlns:a16="http://schemas.microsoft.com/office/drawing/2014/main" xmlns="" id="{69B5F618-6313-40B2-885B-E6ADFF399B1A}"/>
+                <a16:creationId xmlns:a16="http://schemas.microsoft.com/office/drawing/2014/main" id="{69B5F618-6313-40B2-885B-E6ADFF399B1A}"/>
               </a:ext>
             </a:extLst>
           </p:cNvPr>
@@ -21446,7 +24741,7 @@
           <p:cNvPr id="11" name="Rectangle 10">
             <a:extLst>
               <a:ext uri="{FF2B5EF4-FFF2-40B4-BE49-F238E27FC236}">
-                <a16:creationId xmlns:a16="http://schemas.microsoft.com/office/drawing/2014/main" xmlns="" id="{72F3420C-EC7B-4A58-B31D-6BD1DA847FF4}"/>
+                <a16:creationId xmlns:a16="http://schemas.microsoft.com/office/drawing/2014/main" id="{72F3420C-EC7B-4A58-B31D-6BD1DA847FF4}"/>
               </a:ext>
             </a:extLst>
           </p:cNvPr>
@@ -21484,7 +24779,7 @@
           <p:cNvPr id="12" name="Rectangle 11">
             <a:extLst>
               <a:ext uri="{FF2B5EF4-FFF2-40B4-BE49-F238E27FC236}">
-                <a16:creationId xmlns:a16="http://schemas.microsoft.com/office/drawing/2014/main" xmlns="" id="{5ACEA5FF-DC5F-4328-9F49-6AE92F87D06C}"/>
+                <a16:creationId xmlns:a16="http://schemas.microsoft.com/office/drawing/2014/main" id="{5ACEA5FF-DC5F-4328-9F49-6AE92F87D06C}"/>
               </a:ext>
             </a:extLst>
           </p:cNvPr>
@@ -21522,7 +24817,7 @@
           <p:cNvPr id="13" name="Rectangle 12">
             <a:extLst>
               <a:ext uri="{FF2B5EF4-FFF2-40B4-BE49-F238E27FC236}">
-                <a16:creationId xmlns:a16="http://schemas.microsoft.com/office/drawing/2014/main" xmlns="" id="{A1D635CD-CF08-4CC4-B988-AB3F9C5251A0}"/>
+                <a16:creationId xmlns:a16="http://schemas.microsoft.com/office/drawing/2014/main" id="{A1D635CD-CF08-4CC4-B988-AB3F9C5251A0}"/>
               </a:ext>
             </a:extLst>
           </p:cNvPr>
@@ -21590,7 +24885,7 @@
           <p:cNvPr id="2" name="Title 1">
             <a:extLst>
               <a:ext uri="{FF2B5EF4-FFF2-40B4-BE49-F238E27FC236}">
-                <a16:creationId xmlns:a16="http://schemas.microsoft.com/office/drawing/2014/main" xmlns="" id="{ED7BE7A4-8FA8-403D-A235-E62378B4AD2D}"/>
+                <a16:creationId xmlns:a16="http://schemas.microsoft.com/office/drawing/2014/main" id="{ED7BE7A4-8FA8-403D-A235-E62378B4AD2D}"/>
               </a:ext>
             </a:extLst>
           </p:cNvPr>
@@ -21608,13 +24903,8 @@
           <a:p>
             <a:r>
               <a:rPr lang="en-AU" dirty="0"/>
-              <a:t>Story Board 1: Create </a:t>
-            </a:r>
-            <a:r>
-              <a:rPr lang="en-AU" dirty="0" smtClean="0"/>
-              <a:t>Diaries</a:t>
-            </a:r>
-            <a:endParaRPr lang="en-AU" dirty="0"/>
+              <a:t>Story Board 1: Create Diaries</a:t>
+            </a:r>
           </a:p>
         </p:txBody>
       </p:sp>
@@ -21623,7 +24913,7 @@
           <p:cNvPr id="5" name="Content Placeholder 4">
             <a:extLst>
               <a:ext uri="{FF2B5EF4-FFF2-40B4-BE49-F238E27FC236}">
-                <a16:creationId xmlns:a16="http://schemas.microsoft.com/office/drawing/2014/main" xmlns="" id="{DD1073F5-6932-4EE5-B21E-A3C96C0802B0}"/>
+                <a16:creationId xmlns:a16="http://schemas.microsoft.com/office/drawing/2014/main" id="{DD1073F5-6932-4EE5-B21E-A3C96C0802B0}"/>
               </a:ext>
             </a:extLst>
           </p:cNvPr>
@@ -21686,7 +24976,7 @@
           <p:cNvPr id="2" name="Title 1">
             <a:extLst>
               <a:ext uri="{FF2B5EF4-FFF2-40B4-BE49-F238E27FC236}">
-                <a16:creationId xmlns:a16="http://schemas.microsoft.com/office/drawing/2014/main" xmlns="" id="{206E01C9-55B4-43C4-9F54-CD6964C3DEE3}"/>
+                <a16:creationId xmlns:a16="http://schemas.microsoft.com/office/drawing/2014/main" id="{206E01C9-55B4-43C4-9F54-CD6964C3DEE3}"/>
               </a:ext>
             </a:extLst>
           </p:cNvPr>
@@ -21714,7 +25004,7 @@
           <p:cNvPr id="5" name="Content Placeholder 4">
             <a:extLst>
               <a:ext uri="{FF2B5EF4-FFF2-40B4-BE49-F238E27FC236}">
-                <a16:creationId xmlns:a16="http://schemas.microsoft.com/office/drawing/2014/main" xmlns="" id="{829433C2-2C28-4C62-8907-B35AEB1BCD8B}"/>
+                <a16:creationId xmlns:a16="http://schemas.microsoft.com/office/drawing/2014/main" id="{829433C2-2C28-4C62-8907-B35AEB1BCD8B}"/>
               </a:ext>
             </a:extLst>
           </p:cNvPr>
@@ -21776,7 +25066,7 @@
           <p:cNvPr id="2" name="Title 1">
             <a:extLst>
               <a:ext uri="{FF2B5EF4-FFF2-40B4-BE49-F238E27FC236}">
-                <a16:creationId xmlns:a16="http://schemas.microsoft.com/office/drawing/2014/main" xmlns="" id="{051FE53D-F48A-4658-A751-C1BB55169C5D}"/>
+                <a16:creationId xmlns:a16="http://schemas.microsoft.com/office/drawing/2014/main" id="{051FE53D-F48A-4658-A751-C1BB55169C5D}"/>
               </a:ext>
             </a:extLst>
           </p:cNvPr>
@@ -21804,7 +25094,7 @@
           <p:cNvPr id="5" name="Content Placeholder 4">
             <a:extLst>
               <a:ext uri="{FF2B5EF4-FFF2-40B4-BE49-F238E27FC236}">
-                <a16:creationId xmlns:a16="http://schemas.microsoft.com/office/drawing/2014/main" xmlns="" id="{9C20E178-8216-4E7E-902F-17ADC1155572}"/>
+                <a16:creationId xmlns:a16="http://schemas.microsoft.com/office/drawing/2014/main" id="{9C20E178-8216-4E7E-902F-17ADC1155572}"/>
               </a:ext>
             </a:extLst>
           </p:cNvPr>
@@ -21843,13 +25133,6 @@
   <p:clrMapOvr>
     <a:masterClrMapping/>
   </p:clrMapOvr>
-  <p:timing>
-    <p:tnLst>
-      <p:par>
-        <p:cTn id="1" dur="indefinite" restart="never" nodeType="tmRoot"/>
-      </p:par>
-    </p:tnLst>
-  </p:timing>
 </p:sld>
 </file>
 
@@ -21961,13 +25244,55 @@
             <a:tbl>
               <a:tblPr firstRow="1" bandRow="1"/>
               <a:tblGrid>
-                <a:gridCol w="1941096"/>
-                <a:gridCol w="1579001"/>
-                <a:gridCol w="1760048"/>
-                <a:gridCol w="1760048"/>
-                <a:gridCol w="1760048"/>
-                <a:gridCol w="1760048"/>
-                <a:gridCol w="1631708"/>
+                <a:gridCol w="1941096">
+                  <a:extLst>
+                    <a:ext uri="{9D8B030D-6E8A-4147-A177-3AD203B41FA5}">
+                      <a16:colId xmlns:a16="http://schemas.microsoft.com/office/drawing/2014/main" val="20000"/>
+                    </a:ext>
+                  </a:extLst>
+                </a:gridCol>
+                <a:gridCol w="1579001">
+                  <a:extLst>
+                    <a:ext uri="{9D8B030D-6E8A-4147-A177-3AD203B41FA5}">
+                      <a16:colId xmlns:a16="http://schemas.microsoft.com/office/drawing/2014/main" val="20001"/>
+                    </a:ext>
+                  </a:extLst>
+                </a:gridCol>
+                <a:gridCol w="1760048">
+                  <a:extLst>
+                    <a:ext uri="{9D8B030D-6E8A-4147-A177-3AD203B41FA5}">
+                      <a16:colId xmlns:a16="http://schemas.microsoft.com/office/drawing/2014/main" val="20002"/>
+                    </a:ext>
+                  </a:extLst>
+                </a:gridCol>
+                <a:gridCol w="1760048">
+                  <a:extLst>
+                    <a:ext uri="{9D8B030D-6E8A-4147-A177-3AD203B41FA5}">
+                      <a16:colId xmlns:a16="http://schemas.microsoft.com/office/drawing/2014/main" val="20003"/>
+                    </a:ext>
+                  </a:extLst>
+                </a:gridCol>
+                <a:gridCol w="1760048">
+                  <a:extLst>
+                    <a:ext uri="{9D8B030D-6E8A-4147-A177-3AD203B41FA5}">
+                      <a16:colId xmlns:a16="http://schemas.microsoft.com/office/drawing/2014/main" val="20004"/>
+                    </a:ext>
+                  </a:extLst>
+                </a:gridCol>
+                <a:gridCol w="1760048">
+                  <a:extLst>
+                    <a:ext uri="{9D8B030D-6E8A-4147-A177-3AD203B41FA5}">
+                      <a16:colId xmlns:a16="http://schemas.microsoft.com/office/drawing/2014/main" val="20005"/>
+                    </a:ext>
+                  </a:extLst>
+                </a:gridCol>
+                <a:gridCol w="1631708">
+                  <a:extLst>
+                    <a:ext uri="{9D8B030D-6E8A-4147-A177-3AD203B41FA5}">
+                      <a16:colId xmlns:a16="http://schemas.microsoft.com/office/drawing/2014/main" val="20006"/>
+                    </a:ext>
+                  </a:extLst>
+                </a:gridCol>
               </a:tblGrid>
               <a:tr h="401804">
                 <a:tc gridSpan="3">
@@ -21977,18 +25302,13 @@
                     <a:p>
                       <a:pPr algn="ctr"/>
                       <a:r>
-                        <a:rPr lang="en-US" sz="1800" b="1" dirty="0" smtClean="0">
+                        <a:rPr lang="en-US" sz="1800" b="1" dirty="0">
                           <a:solidFill>
                             <a:schemeClr val="bg1"/>
                           </a:solidFill>
                         </a:rPr>
                         <a:t>Infrastructure</a:t>
                       </a:r>
-                      <a:endParaRPr lang="en-US" sz="1800" b="1" dirty="0">
-                        <a:solidFill>
-                          <a:schemeClr val="bg1"/>
-                        </a:solidFill>
-                      </a:endParaRPr>
                     </a:p>
                   </a:txBody>
                   <a:tcPr>
@@ -22024,18 +25344,13 @@
                     <a:p>
                       <a:pPr algn="ctr"/>
                       <a:r>
-                        <a:rPr lang="en-US" sz="1800" b="1" dirty="0" smtClean="0">
+                        <a:rPr lang="en-US" sz="1800" b="1" dirty="0">
                           <a:solidFill>
                             <a:schemeClr val="bg1"/>
                           </a:solidFill>
                         </a:rPr>
                         <a:t>Offer</a:t>
                       </a:r>
-                      <a:endParaRPr lang="en-US" sz="1800" b="1" dirty="0">
-                        <a:solidFill>
-                          <a:schemeClr val="bg1"/>
-                        </a:solidFill>
-                      </a:endParaRPr>
                     </a:p>
                   </a:txBody>
                   <a:tcPr>
@@ -22051,18 +25366,13 @@
                     <a:p>
                       <a:pPr algn="ctr"/>
                       <a:r>
-                        <a:rPr lang="en-US" sz="1800" b="1" dirty="0" smtClean="0">
+                        <a:rPr lang="en-US" sz="1800" b="1" dirty="0">
                           <a:solidFill>
                             <a:schemeClr val="bg1"/>
                           </a:solidFill>
                         </a:rPr>
                         <a:t>Customers</a:t>
                       </a:r>
-                      <a:endParaRPr lang="en-US" sz="1800" b="1" dirty="0">
-                        <a:solidFill>
-                          <a:schemeClr val="bg1"/>
-                        </a:solidFill>
-                      </a:endParaRPr>
                     </a:p>
                   </a:txBody>
                   <a:tcPr>
@@ -22091,6 +25401,11 @@
                   </a:txBody>
                   <a:tcPr/>
                 </a:tc>
+                <a:extLst>
+                  <a:ext uri="{0D108BD9-81ED-4DB2-BD59-A6C34878D82A}">
+                    <a16:rowId xmlns:a16="http://schemas.microsoft.com/office/drawing/2014/main" val="10000"/>
+                  </a:ext>
+                </a:extLst>
               </a:tr>
               <a:tr h="555967">
                 <a:tc>
@@ -22099,11 +25414,11 @@
                     <a:lstStyle/>
                     <a:p>
                       <a:r>
-                        <a:rPr lang="en-US" sz="1400" dirty="0" smtClean="0"/>
+                        <a:rPr lang="en-US" sz="1400" dirty="0"/>
                         <a:t>Core</a:t>
                       </a:r>
                       <a:r>
-                        <a:rPr lang="en-US" sz="1400" baseline="0" dirty="0" smtClean="0"/>
+                        <a:rPr lang="en-US" sz="1400" baseline="0" dirty="0"/>
                         <a:t> Capabilities</a:t>
                       </a:r>
                       <a:endParaRPr lang="en-US" sz="1400" dirty="0"/>
@@ -22117,10 +25432,9 @@
                     <a:lstStyle/>
                     <a:p>
                       <a:r>
-                        <a:rPr lang="en-US" sz="1400" dirty="0" smtClean="0"/>
+                        <a:rPr lang="en-US" sz="1400" dirty="0"/>
                         <a:t>Network</a:t>
                       </a:r>
-                      <a:endParaRPr lang="en-US" sz="1400" dirty="0"/>
                     </a:p>
                   </a:txBody>
                   <a:tcPr/>
@@ -22131,10 +25445,9 @@
                     <a:lstStyle/>
                     <a:p>
                       <a:r>
-                        <a:rPr lang="en-US" sz="1400" dirty="0" smtClean="0"/>
+                        <a:rPr lang="en-US" sz="1400" dirty="0"/>
                         <a:t>Value Configuration</a:t>
                       </a:r>
-                      <a:endParaRPr lang="en-US" sz="1400" dirty="0"/>
                     </a:p>
                   </a:txBody>
                   <a:tcPr/>
@@ -22145,10 +25458,9 @@
                     <a:lstStyle/>
                     <a:p>
                       <a:r>
-                        <a:rPr lang="en-US" sz="1400" dirty="0" smtClean="0"/>
+                        <a:rPr lang="en-US" sz="1400" dirty="0"/>
                         <a:t>Value Proposition </a:t>
                       </a:r>
-                      <a:endParaRPr lang="en-US" sz="1400" dirty="0"/>
                     </a:p>
                   </a:txBody>
                   <a:tcPr/>
@@ -22159,11 +25471,11 @@
                     <a:lstStyle/>
                     <a:p>
                       <a:r>
-                        <a:rPr lang="en-US" sz="1400" dirty="0" smtClean="0"/>
+                        <a:rPr lang="en-US" sz="1400" dirty="0"/>
                         <a:t>Target Customers</a:t>
                       </a:r>
                       <a:r>
-                        <a:rPr lang="en-US" sz="1400" baseline="0" dirty="0" smtClean="0"/>
+                        <a:rPr lang="en-US" sz="1400" baseline="0" dirty="0"/>
                         <a:t> </a:t>
                       </a:r>
                       <a:endParaRPr lang="en-US" sz="1400" dirty="0"/>
@@ -22177,10 +25489,9 @@
                     <a:lstStyle/>
                     <a:p>
                       <a:r>
-                        <a:rPr lang="en-US" sz="1400" dirty="0" smtClean="0"/>
+                        <a:rPr lang="en-US" sz="1400" dirty="0"/>
                         <a:t>Delivery Method </a:t>
                       </a:r>
-                      <a:endParaRPr lang="en-US" sz="1400" dirty="0"/>
                     </a:p>
                   </a:txBody>
                   <a:tcPr/>
@@ -22191,11 +25502,11 @@
                     <a:lstStyle/>
                     <a:p>
                       <a:r>
-                        <a:rPr lang="en-US" sz="1400" dirty="0" smtClean="0"/>
+                        <a:rPr lang="en-US" sz="1400" dirty="0"/>
                         <a:t>Customer Relationships</a:t>
                       </a:r>
                       <a:r>
-                        <a:rPr lang="en-US" sz="1400" baseline="0" dirty="0" smtClean="0"/>
+                        <a:rPr lang="en-US" sz="1400" baseline="0" dirty="0"/>
                         <a:t> </a:t>
                       </a:r>
                       <a:endParaRPr lang="en-US" sz="1400" dirty="0"/>
@@ -22203,6 +25514,11 @@
                   </a:txBody>
                   <a:tcPr/>
                 </a:tc>
+                <a:extLst>
+                  <a:ext uri="{0D108BD9-81ED-4DB2-BD59-A6C34878D82A}">
+                    <a16:rowId xmlns:a16="http://schemas.microsoft.com/office/drawing/2014/main" val="10001"/>
+                  </a:ext>
+                </a:extLst>
               </a:tr>
               <a:tr h="3055835">
                 <a:tc>
@@ -22215,15 +25531,15 @@
                         <a:buChar char="•"/>
                       </a:pPr>
                       <a:r>
-                        <a:rPr lang="en-US" sz="1400" dirty="0" smtClean="0"/>
+                        <a:rPr lang="en-US" sz="1400" dirty="0"/>
                         <a:t>Basic</a:t>
                       </a:r>
                       <a:r>
-                        <a:rPr lang="en-US" sz="1400" baseline="0" dirty="0" smtClean="0"/>
+                        <a:rPr lang="en-US" sz="1400" baseline="0" dirty="0"/>
                         <a:t> </a:t>
                       </a:r>
                       <a:r>
-                        <a:rPr lang="en-US" sz="1400" dirty="0" smtClean="0"/>
+                        <a:rPr lang="en-US" sz="1400" dirty="0"/>
                         <a:t>city info</a:t>
                       </a:r>
                     </a:p>
@@ -22233,7 +25549,7 @@
                         <a:buChar char="•"/>
                       </a:pPr>
                       <a:r>
-                        <a:rPr lang="en-US" sz="1400" dirty="0" smtClean="0"/>
+                        <a:rPr lang="en-US" sz="1400" dirty="0"/>
                         <a:t>Link Travelers to each other</a:t>
                       </a:r>
                     </a:p>
@@ -22243,7 +25559,7 @@
                         <a:buChar char="•"/>
                       </a:pPr>
                       <a:r>
-                        <a:rPr lang="en-US" sz="1400" dirty="0" smtClean="0"/>
+                        <a:rPr lang="en-US" sz="1400" dirty="0"/>
                         <a:t>Automate Diary Creation</a:t>
                       </a:r>
                     </a:p>
@@ -22253,7 +25569,7 @@
                         <a:buChar char="•"/>
                       </a:pPr>
                       <a:r>
-                        <a:rPr lang="en-US" sz="1400" dirty="0" smtClean="0"/>
+                        <a:rPr lang="en-US" sz="1400" dirty="0"/>
                         <a:t>Create online/physical diary</a:t>
                       </a:r>
                     </a:p>
@@ -22263,7 +25579,7 @@
                         <a:buChar char="•"/>
                       </a:pPr>
                       <a:r>
-                        <a:rPr lang="en-US" sz="1400" dirty="0" smtClean="0"/>
+                        <a:rPr lang="en-US" sz="1400" dirty="0"/>
                         <a:t>Recommend tourism services on preference</a:t>
                       </a:r>
                     </a:p>
@@ -22273,10 +25589,9 @@
                         <a:buChar char="•"/>
                       </a:pPr>
                       <a:r>
-                        <a:rPr lang="en-US" sz="1400" dirty="0" smtClean="0"/>
+                        <a:rPr lang="en-US" sz="1400" dirty="0"/>
                         <a:t>Advertise tourism </a:t>
                       </a:r>
-                      <a:endParaRPr lang="en-US" sz="1400" dirty="0"/>
                     </a:p>
                   </a:txBody>
                   <a:tcPr/>
@@ -22291,7 +25606,7 @@
                         <a:buChar char="•"/>
                       </a:pPr>
                       <a:r>
-                        <a:rPr lang="en-US" sz="1400" dirty="0" smtClean="0"/>
+                        <a:rPr lang="en-US" sz="1400" dirty="0"/>
                         <a:t>Travel Agency</a:t>
                       </a:r>
                     </a:p>
@@ -22301,7 +25616,7 @@
                         <a:buChar char="•"/>
                       </a:pPr>
                       <a:r>
-                        <a:rPr lang="en-US" sz="1400" dirty="0" smtClean="0"/>
+                        <a:rPr lang="en-US" sz="1400" dirty="0"/>
                         <a:t>Local Tour Companies</a:t>
                       </a:r>
                     </a:p>
@@ -22311,10 +25626,10 @@
                         <a:buChar char="•"/>
                       </a:pPr>
                       <a:r>
-                        <a:rPr lang="en-US" sz="1400" dirty="0" smtClean="0"/>
+                        <a:rPr lang="en-US" sz="1400" dirty="0"/>
                         <a:t>Government</a:t>
                       </a:r>
-                      <a:endParaRPr lang="en-US" sz="1400" b="1" u="sng" dirty="0" smtClean="0"/>
+                      <a:endParaRPr lang="en-US" sz="1400" b="1" u="sng" dirty="0"/>
                     </a:p>
                     <a:p>
                       <a:endParaRPr lang="en-US" sz="1400" dirty="0"/>
@@ -22332,7 +25647,7 @@
                         <a:buChar char="•"/>
                       </a:pPr>
                       <a:r>
-                        <a:rPr lang="en-US" sz="1400" dirty="0" smtClean="0"/>
+                        <a:rPr lang="en-US" sz="1400" dirty="0"/>
                         <a:t>Content sharing</a:t>
                       </a:r>
                     </a:p>
@@ -22342,7 +25657,7 @@
                         <a:buChar char="•"/>
                       </a:pPr>
                       <a:r>
-                        <a:rPr lang="en-US" sz="1400" dirty="0" smtClean="0"/>
+                        <a:rPr lang="en-US" sz="1400" dirty="0"/>
                         <a:t>Story curation</a:t>
                       </a:r>
                     </a:p>
@@ -22352,7 +25667,7 @@
                         <a:buChar char="•"/>
                       </a:pPr>
                       <a:r>
-                        <a:rPr lang="en-US" sz="1400" dirty="0" smtClean="0"/>
+                        <a:rPr lang="en-US" sz="1400" dirty="0"/>
                         <a:t>Information Moderation</a:t>
                       </a:r>
                     </a:p>
@@ -22362,7 +25677,7 @@
                         <a:buChar char="•"/>
                       </a:pPr>
                       <a:r>
-                        <a:rPr lang="en-US" sz="1400" dirty="0" smtClean="0"/>
+                        <a:rPr lang="en-US" sz="1400" dirty="0"/>
                         <a:t>Sharing incentives</a:t>
                       </a:r>
                     </a:p>
@@ -22372,10 +25687,10 @@
                         <a:buChar char="•"/>
                       </a:pPr>
                       <a:r>
-                        <a:rPr lang="en-US" sz="1400" dirty="0" smtClean="0"/>
+                        <a:rPr lang="en-US" sz="1400" dirty="0"/>
                         <a:t>Book Process</a:t>
                       </a:r>
-                      <a:endParaRPr lang="en-US" sz="1400" b="1" u="sng" dirty="0" smtClean="0"/>
+                      <a:endParaRPr lang="en-US" sz="1400" b="1" u="sng" dirty="0"/>
                     </a:p>
                     <a:p>
                       <a:endParaRPr lang="en-US" sz="1400" dirty="0"/>
@@ -22393,7 +25708,7 @@
                         <a:buChar char="•"/>
                       </a:pPr>
                       <a:r>
-                        <a:rPr lang="en-US" sz="1400" dirty="0" smtClean="0"/>
+                        <a:rPr lang="en-US" sz="1400" dirty="0"/>
                         <a:t>Help make memories</a:t>
                       </a:r>
                     </a:p>
@@ -22403,7 +25718,7 @@
                         <a:buChar char="•"/>
                       </a:pPr>
                       <a:r>
-                        <a:rPr lang="en-US" sz="1400" dirty="0" smtClean="0"/>
+                        <a:rPr lang="en-US" sz="1400" dirty="0"/>
                         <a:t>Help keep memories</a:t>
                       </a:r>
                     </a:p>
@@ -22413,7 +25728,7 @@
                         <a:buChar char="•"/>
                       </a:pPr>
                       <a:r>
-                        <a:rPr lang="en-US" sz="1400" dirty="0" smtClean="0"/>
+                        <a:rPr lang="en-US" sz="1400" dirty="0"/>
                         <a:t>Target real-time advertising</a:t>
                       </a:r>
                     </a:p>
@@ -22433,7 +25748,7 @@
                         <a:buChar char="•"/>
                       </a:pPr>
                       <a:r>
-                        <a:rPr lang="en-US" sz="1400" dirty="0" smtClean="0"/>
+                        <a:rPr lang="en-US" sz="1400" dirty="0"/>
                         <a:t>Traveler</a:t>
                       </a:r>
                     </a:p>
@@ -22443,7 +25758,7 @@
                         <a:buChar char="•"/>
                       </a:pPr>
                       <a:r>
-                        <a:rPr lang="en-US" sz="1400" dirty="0" smtClean="0"/>
+                        <a:rPr lang="en-US" sz="1400" dirty="0"/>
                         <a:t>Tourism Businesses</a:t>
                       </a:r>
                     </a:p>
@@ -22463,7 +25778,7 @@
                         <a:buChar char="•"/>
                       </a:pPr>
                       <a:r>
-                        <a:rPr lang="en-US" sz="1400" dirty="0" smtClean="0"/>
+                        <a:rPr lang="en-US" sz="1400" dirty="0"/>
                         <a:t>Local Guide Supply</a:t>
                       </a:r>
                     </a:p>
@@ -22473,7 +25788,7 @@
                         <a:buChar char="•"/>
                       </a:pPr>
                       <a:r>
-                        <a:rPr lang="en-US" sz="1400" dirty="0" smtClean="0"/>
+                        <a:rPr lang="en-US" sz="1400" dirty="0"/>
                         <a:t>Mobile App</a:t>
                       </a:r>
                     </a:p>
@@ -22483,7 +25798,7 @@
                         <a:buChar char="•"/>
                       </a:pPr>
                       <a:r>
-                        <a:rPr lang="en-US" sz="1400" dirty="0" smtClean="0"/>
+                        <a:rPr lang="en-US" sz="1400" dirty="0"/>
                         <a:t>Website</a:t>
                       </a:r>
                     </a:p>
@@ -22493,7 +25808,7 @@
                         <a:buChar char="•"/>
                       </a:pPr>
                       <a:r>
-                        <a:rPr lang="en-US" sz="1400" dirty="0" smtClean="0"/>
+                        <a:rPr lang="en-US" sz="1400" dirty="0"/>
                         <a:t>Print books</a:t>
                       </a:r>
                     </a:p>
@@ -22503,10 +25818,10 @@
                         <a:buChar char="•"/>
                       </a:pPr>
                       <a:r>
-                        <a:rPr lang="en-US" sz="1400" dirty="0" smtClean="0"/>
+                        <a:rPr lang="en-US" sz="1400" dirty="0"/>
                         <a:t>Business Website Portal</a:t>
                       </a:r>
-                      <a:endParaRPr lang="en-US" sz="1400" b="1" u="sng" dirty="0" smtClean="0"/>
+                      <a:endParaRPr lang="en-US" sz="1400" b="1" u="sng" dirty="0"/>
                     </a:p>
                     <a:p>
                       <a:endParaRPr lang="en-US" sz="1400" dirty="0"/>
@@ -22524,7 +25839,7 @@
                         <a:buChar char="•"/>
                       </a:pPr>
                       <a:r>
-                        <a:rPr lang="en-US" sz="1400" dirty="0" smtClean="0"/>
+                        <a:rPr lang="en-US" sz="1400" dirty="0"/>
                         <a:t>Free base product</a:t>
                       </a:r>
                     </a:p>
@@ -22534,7 +25849,7 @@
                         <a:buChar char="•"/>
                       </a:pPr>
                       <a:r>
-                        <a:rPr lang="en-US" sz="1400" dirty="0" smtClean="0"/>
+                        <a:rPr lang="en-US" sz="1400" dirty="0"/>
                         <a:t>Social Networking Community</a:t>
                       </a:r>
                     </a:p>
@@ -22544,7 +25859,7 @@
                         <a:buChar char="•"/>
                       </a:pPr>
                       <a:r>
-                        <a:rPr lang="en-US" sz="1400" dirty="0" smtClean="0"/>
+                        <a:rPr lang="en-US" sz="1400" dirty="0"/>
                         <a:t>Build large user base</a:t>
                       </a:r>
                     </a:p>
@@ -22554,7 +25869,7 @@
                         <a:buChar char="•"/>
                       </a:pPr>
                       <a:r>
-                        <a:rPr lang="en-US" sz="1400" dirty="0" smtClean="0"/>
+                        <a:rPr lang="en-US" sz="1400" dirty="0"/>
                         <a:t>Partner for special offers</a:t>
                       </a:r>
                     </a:p>
@@ -22564,6 +25879,11 @@
                   </a:txBody>
                   <a:tcPr/>
                 </a:tc>
+                <a:extLst>
+                  <a:ext uri="{0D108BD9-81ED-4DB2-BD59-A6C34878D82A}">
+                    <a16:rowId xmlns:a16="http://schemas.microsoft.com/office/drawing/2014/main" val="10002"/>
+                  </a:ext>
+                </a:extLst>
               </a:tr>
               <a:tr h="2006422">
                 <a:tc gridSpan="3">
@@ -22573,11 +25893,11 @@
                     <a:p>
                       <a:pPr algn="ctr"/>
                       <a:r>
-                        <a:rPr lang="en-US" sz="1400" dirty="0" smtClean="0"/>
+                        <a:rPr lang="en-US" sz="1400" dirty="0"/>
                         <a:t>Cost</a:t>
                       </a:r>
                       <a:r>
-                        <a:rPr lang="en-US" sz="1400" baseline="0" dirty="0" smtClean="0"/>
+                        <a:rPr lang="en-US" sz="1400" baseline="0" dirty="0"/>
                         <a:t> Structure</a:t>
                       </a:r>
                     </a:p>
@@ -22587,7 +25907,7 @@
                         <a:buChar char="•"/>
                       </a:pPr>
                       <a:r>
-                        <a:rPr lang="en-US" sz="1400" dirty="0" smtClean="0"/>
+                        <a:rPr lang="en-US" sz="1400" dirty="0"/>
                         <a:t>Large database costs</a:t>
                       </a:r>
                     </a:p>
@@ -22597,7 +25917,7 @@
                         <a:buChar char="•"/>
                       </a:pPr>
                       <a:r>
-                        <a:rPr lang="en-US" sz="1400" dirty="0" smtClean="0"/>
+                        <a:rPr lang="en-US" sz="1400" dirty="0"/>
                         <a:t>Cloud photo storage</a:t>
                       </a:r>
                     </a:p>
@@ -22607,7 +25927,7 @@
                         <a:buChar char="•"/>
                       </a:pPr>
                       <a:r>
-                        <a:rPr lang="en-US" sz="1400" dirty="0" smtClean="0"/>
+                        <a:rPr lang="en-US" sz="1400" dirty="0"/>
                         <a:t>Initial Travel Bloggers</a:t>
                       </a:r>
                     </a:p>
@@ -22617,7 +25937,7 @@
                         <a:buChar char="•"/>
                       </a:pPr>
                       <a:r>
-                        <a:rPr lang="en-US" sz="1400" dirty="0" smtClean="0"/>
+                        <a:rPr lang="en-US" sz="1400" dirty="0"/>
                         <a:t>Employees</a:t>
                       </a:r>
                     </a:p>
@@ -22627,7 +25947,7 @@
                         <a:buChar char="•"/>
                       </a:pPr>
                       <a:r>
-                        <a:rPr lang="en-US" sz="1400" dirty="0" smtClean="0"/>
+                        <a:rPr lang="en-US" sz="1400" dirty="0"/>
                         <a:t>Marketing</a:t>
                       </a:r>
                     </a:p>
@@ -22681,7 +26001,7 @@
                         <a:defRPr/>
                       </a:pPr>
                       <a:r>
-                        <a:rPr lang="en-US" sz="1800" b="1" dirty="0" smtClean="0">
+                        <a:rPr lang="en-US" sz="1800" b="1" dirty="0">
                           <a:solidFill>
                             <a:schemeClr val="bg1"/>
                           </a:solidFill>
@@ -22707,11 +26027,11 @@
                     <a:p>
                       <a:pPr algn="ctr"/>
                       <a:r>
-                        <a:rPr lang="en-US" sz="1400" dirty="0" smtClean="0"/>
+                        <a:rPr lang="en-US" sz="1400" dirty="0"/>
                         <a:t>Revenue Streams</a:t>
                       </a:r>
                       <a:r>
-                        <a:rPr lang="en-US" sz="1400" baseline="0" dirty="0" smtClean="0"/>
+                        <a:rPr lang="en-US" sz="1400" baseline="0" dirty="0"/>
                         <a:t> </a:t>
                       </a:r>
                     </a:p>
@@ -22721,7 +26041,7 @@
                         <a:buChar char="•"/>
                       </a:pPr>
                       <a:r>
-                        <a:rPr lang="en-US" sz="1400" dirty="0" smtClean="0"/>
+                        <a:rPr lang="en-US" sz="1400" dirty="0"/>
                         <a:t>Membership card for travel discounts</a:t>
                       </a:r>
                     </a:p>
@@ -22731,7 +26051,7 @@
                         <a:buChar char="•"/>
                       </a:pPr>
                       <a:r>
-                        <a:rPr lang="en-US" sz="1400" dirty="0" smtClean="0"/>
+                        <a:rPr lang="en-US" sz="1400" dirty="0"/>
                         <a:t>Bloggers pay to increase click rate</a:t>
                       </a:r>
                     </a:p>
@@ -22741,7 +26061,7 @@
                         <a:buChar char="•"/>
                       </a:pPr>
                       <a:r>
-                        <a:rPr lang="en-US" sz="1400" dirty="0" smtClean="0"/>
+                        <a:rPr lang="en-US" sz="1400" dirty="0"/>
                         <a:t>Booking fee</a:t>
                       </a:r>
                     </a:p>
@@ -22751,7 +26071,7 @@
                         <a:buChar char="•"/>
                       </a:pPr>
                       <a:r>
-                        <a:rPr lang="en-US" sz="1400" dirty="0" smtClean="0"/>
+                        <a:rPr lang="en-US" sz="1400" dirty="0"/>
                         <a:t>Create our own tours</a:t>
                       </a:r>
                     </a:p>
@@ -22761,7 +26081,7 @@
                         <a:buChar char="•"/>
                       </a:pPr>
                       <a:r>
-                        <a:rPr lang="en-US" sz="1400" dirty="0" smtClean="0"/>
+                        <a:rPr lang="en-US" sz="1400" dirty="0"/>
                         <a:t>Companies pay to boost stories</a:t>
                       </a:r>
                     </a:p>
@@ -22771,7 +26091,7 @@
                         <a:buChar char="•"/>
                       </a:pPr>
                       <a:r>
-                        <a:rPr lang="en-US" sz="1400" dirty="0" smtClean="0"/>
+                        <a:rPr lang="en-US" sz="1400" dirty="0"/>
                         <a:t>Offer Advertisements</a:t>
                       </a:r>
                     </a:p>
@@ -22802,6 +26122,11 @@
                   </a:txBody>
                   <a:tcPr/>
                 </a:tc>
+                <a:extLst>
+                  <a:ext uri="{0D108BD9-81ED-4DB2-BD59-A6C34878D82A}">
+                    <a16:rowId xmlns:a16="http://schemas.microsoft.com/office/drawing/2014/main" val="10003"/>
+                  </a:ext>
+                </a:extLst>
               </a:tr>
             </a:tbl>
           </a:graphicData>
@@ -22830,7 +26155,7 @@
           <a:lstStyle/>
           <a:p>
             <a:r>
-              <a:rPr lang="en-US" sz="3200" dirty="0" smtClean="0"/>
+              <a:rPr lang="en-US" sz="3200" dirty="0"/>
               <a:t>Business Model </a:t>
             </a:r>
             <a:r>
@@ -22851,13 +26176,6 @@
   <p:clrMapOvr>
     <a:masterClrMapping/>
   </p:clrMapOvr>
-  <p:timing>
-    <p:tnLst>
-      <p:par>
-        <p:cTn id="1" dur="indefinite" restart="never" nodeType="tmRoot"/>
-      </p:par>
-    </p:tnLst>
-  </p:timing>
 </p:sld>
 </file>
 
@@ -22894,11 +26212,11 @@
           <a:lstStyle/>
           <a:p>
             <a:r>
-              <a:rPr lang="en-US" dirty="0" smtClean="0"/>
+              <a:rPr lang="en-US" dirty="0"/>
               <a:t>Market Size</a:t>
             </a:r>
             <a:br>
-              <a:rPr lang="en-US" dirty="0" smtClean="0"/>
+              <a:rPr lang="en-US" dirty="0"/>
             </a:br>
             <a:r>
               <a:rPr lang="zh-CN" altLang="en-US" dirty="0"/>
@@ -22930,28 +26248,20 @@
           </a:bodyPr>
           <a:lstStyle/>
           <a:p>
-            <a:endParaRPr lang="en-AU" sz="1500" dirty="0" smtClean="0">
+            <a:endParaRPr lang="en-AU" sz="1500" dirty="0">
               <a:latin typeface="Calibri" charset="0"/>
               <a:ea typeface="Calibri" charset="0"/>
               <a:cs typeface="Calibri" charset="0"/>
             </a:endParaRPr>
           </a:p>
           <a:p>
-            <a:r>
-              <a:rPr lang="en-AU" sz="1500" dirty="0" smtClean="0">
-                <a:latin typeface="Calibri" charset="0"/>
-                <a:ea typeface="Calibri" charset="0"/>
-                <a:cs typeface="Calibri" charset="0"/>
-              </a:rPr>
-              <a:t>Global </a:t>
-            </a:r>
             <a:r>
               <a:rPr lang="en-AU" sz="1500" dirty="0">
                 <a:latin typeface="Calibri" charset="0"/>
                 <a:ea typeface="Calibri" charset="0"/>
                 <a:cs typeface="Calibri" charset="0"/>
               </a:rPr>
-              <a:t>tourism expenditure: $2.3 trillion USD</a:t>
+              <a:t>Global tourism expenditure: $2.3 trillion USD</a:t>
             </a:r>
           </a:p>
           <a:p>
@@ -23210,11 +26520,6 @@
               </a:rPr>
               <a:t>Pinterest: 5.04%</a:t>
             </a:r>
-            <a:endParaRPr lang="en-AU" sz="1500" dirty="0">
-              <a:latin typeface="Calibri" charset="0"/>
-              <a:ea typeface="Calibri" charset="0"/>
-              <a:cs typeface="Calibri" charset="0"/>
-            </a:endParaRPr>
           </a:p>
         </p:txBody>
       </p:sp>
